--- a/projects/03-non-blocking-chat-socketchannel-nio2/chat-non-blocking.pptx
+++ b/projects/03-non-blocking-chat-socketchannel-nio2/chat-non-blocking.pptx
@@ -2,7 +2,7 @@
 <file path=ppt/presentation.xml><?xml version="1.0" encoding="utf-8"?>
 <p:presentation xmlns:a="http://schemas.openxmlformats.org/drawingml/2006/main" xmlns:r="http://schemas.openxmlformats.org/officeDocument/2006/relationships" xmlns:p="http://schemas.openxmlformats.org/presentationml/2006/main" saveSubsetFonts="1" autoCompressPictures="0">
   <p:sldMasterIdLst>
-    <p:sldMasterId id="2147483972" r:id="rId1"/>
+    <p:sldMasterId id="2147484151" r:id="rId1"/>
   </p:sldMasterIdLst>
   <p:sldIdLst>
     <p:sldId id="266" r:id="rId2"/>
@@ -143,6 +143,36 @@
           <a:chExt cx="0" cy="0"/>
         </a:xfrm>
       </p:grpSpPr>
+      <p:pic>
+        <p:nvPicPr>
+          <p:cNvPr id="7" name="Picture 6" descr="C0-HD-BTM.png"/>
+          <p:cNvPicPr>
+            <a:picLocks noChangeAspect="1"/>
+          </p:cNvPicPr>
+          <p:nvPr/>
+        </p:nvPicPr>
+        <p:blipFill>
+          <a:blip r:embed="rId2">
+            <a:extLst>
+              <a:ext uri="{28A0092B-C50C-407E-A947-70E740481C1C}">
+                <a14:useLocalDpi xmlns:a14="http://schemas.microsoft.com/office/drawing/2010/main" val="0"/>
+              </a:ext>
+            </a:extLst>
+          </a:blip>
+          <a:stretch>
+            <a:fillRect/>
+          </a:stretch>
+        </p:blipFill>
+        <p:spPr>
+          <a:xfrm>
+            <a:off x="0" y="4375150"/>
+            <a:ext cx="12192000" cy="2482850"/>
+          </a:xfrm>
+          <a:prstGeom prst="rect">
+            <a:avLst/>
+          </a:prstGeom>
+        </p:spPr>
+      </p:pic>
       <p:sp>
         <p:nvSpPr>
           <p:cNvPr id="2" name="Title 1"/>
@@ -155,8 +185,8 @@
         </p:nvSpPr>
         <p:spPr>
           <a:xfrm>
-            <a:off x="2589213" y="2514600"/>
-            <a:ext cx="8915399" cy="2262781"/>
+            <a:off x="1371600" y="1803405"/>
+            <a:ext cx="9448800" cy="1825096"/>
           </a:xfrm>
         </p:spPr>
         <p:txBody>
@@ -164,8 +194,8 @@
             <a:normAutofit/>
           </a:bodyPr>
           <a:lstStyle>
-            <a:lvl1pPr>
-              <a:defRPr sz="5400"/>
+            <a:lvl1pPr algn="l">
+              <a:defRPr sz="6000"/>
             </a:lvl1pPr>
           </a:lstStyle>
           <a:p>
@@ -189,103 +219,50 @@
         </p:nvSpPr>
         <p:spPr>
           <a:xfrm>
-            <a:off x="2589213" y="4777379"/>
-            <a:ext cx="8915399" cy="1126283"/>
-          </a:xfrm>
-        </p:spPr>
-        <p:txBody>
-          <a:bodyPr anchor="t"/>
+            <a:off x="1371600" y="3632201"/>
+            <a:ext cx="9448800" cy="685800"/>
+          </a:xfrm>
+        </p:spPr>
+        <p:txBody>
+          <a:bodyPr>
+            <a:normAutofit/>
+          </a:bodyPr>
           <a:lstStyle>
             <a:lvl1pPr marL="0" indent="0" algn="l">
               <a:buNone/>
-              <a:defRPr>
-                <a:solidFill>
-                  <a:schemeClr val="tx1">
-                    <a:lumMod val="65000"/>
-                    <a:lumOff val="35000"/>
-                  </a:schemeClr>
-                </a:solidFill>
-              </a:defRPr>
+              <a:defRPr sz="2000"/>
             </a:lvl1pPr>
             <a:lvl2pPr marL="457200" indent="0" algn="ctr">
               <a:buNone/>
-              <a:defRPr>
-                <a:solidFill>
-                  <a:schemeClr val="tx1">
-                    <a:tint val="75000"/>
-                  </a:schemeClr>
-                </a:solidFill>
-              </a:defRPr>
+              <a:defRPr sz="2000"/>
             </a:lvl2pPr>
             <a:lvl3pPr marL="914400" indent="0" algn="ctr">
               <a:buNone/>
-              <a:defRPr>
-                <a:solidFill>
-                  <a:schemeClr val="tx1">
-                    <a:tint val="75000"/>
-                  </a:schemeClr>
-                </a:solidFill>
-              </a:defRPr>
+              <a:defRPr sz="1800"/>
             </a:lvl3pPr>
             <a:lvl4pPr marL="1371600" indent="0" algn="ctr">
               <a:buNone/>
-              <a:defRPr>
-                <a:solidFill>
-                  <a:schemeClr val="tx1">
-                    <a:tint val="75000"/>
-                  </a:schemeClr>
-                </a:solidFill>
-              </a:defRPr>
+              <a:defRPr sz="1600"/>
             </a:lvl4pPr>
             <a:lvl5pPr marL="1828800" indent="0" algn="ctr">
               <a:buNone/>
-              <a:defRPr>
-                <a:solidFill>
-                  <a:schemeClr val="tx1">
-                    <a:tint val="75000"/>
-                  </a:schemeClr>
-                </a:solidFill>
-              </a:defRPr>
+              <a:defRPr sz="1600"/>
             </a:lvl5pPr>
             <a:lvl6pPr marL="2286000" indent="0" algn="ctr">
               <a:buNone/>
-              <a:defRPr>
-                <a:solidFill>
-                  <a:schemeClr val="tx1">
-                    <a:tint val="75000"/>
-                  </a:schemeClr>
-                </a:solidFill>
-              </a:defRPr>
+              <a:defRPr sz="1600"/>
             </a:lvl6pPr>
             <a:lvl7pPr marL="2743200" indent="0" algn="ctr">
               <a:buNone/>
-              <a:defRPr>
-                <a:solidFill>
-                  <a:schemeClr val="tx1">
-                    <a:tint val="75000"/>
-                  </a:schemeClr>
-                </a:solidFill>
-              </a:defRPr>
+              <a:defRPr sz="1600"/>
             </a:lvl7pPr>
             <a:lvl8pPr marL="3200400" indent="0" algn="ctr">
               <a:buNone/>
-              <a:defRPr>
-                <a:solidFill>
-                  <a:schemeClr val="tx1">
-                    <a:tint val="75000"/>
-                  </a:schemeClr>
-                </a:solidFill>
-              </a:defRPr>
+              <a:defRPr sz="1600"/>
             </a:lvl8pPr>
             <a:lvl9pPr marL="3657600" indent="0" algn="ctr">
               <a:buNone/>
-              <a:defRPr>
-                <a:solidFill>
-                  <a:schemeClr val="tx1">
-                    <a:tint val="75000"/>
-                  </a:schemeClr>
-                </a:solidFill>
-              </a:defRPr>
+              <a:defRPr sz="1600"/>
             </a:lvl9pPr>
           </a:lstStyle>
           <a:p>
@@ -307,14 +284,19 @@
             <p:ph type="dt" sz="half" idx="10"/>
           </p:nvPr>
         </p:nvSpPr>
-        <p:spPr/>
+        <p:spPr>
+          <a:xfrm>
+            <a:off x="7909561" y="4314328"/>
+            <a:ext cx="2910840" cy="374642"/>
+          </a:xfrm>
+        </p:spPr>
         <p:txBody>
           <a:bodyPr/>
           <a:lstStyle/>
           <a:p>
             <a:fld id="{9D1441F9-EC97-2D4F-BE7B-2F3A7CF96111}" type="datetimeFigureOut">
               <a:rPr lang="en-US" smtClean="0"/>
-              <a:t>10/30/18</a:t>
+              <a:t>11/15/18</a:t>
             </a:fld>
             <a:endParaRPr lang="en-US" dirty="0"/>
           </a:p>
@@ -330,7 +312,12 @@
             <p:ph type="ftr" sz="quarter" idx="11"/>
           </p:nvPr>
         </p:nvSpPr>
-        <p:spPr/>
+        <p:spPr>
+          <a:xfrm>
+            <a:off x="1371600" y="4323845"/>
+            <a:ext cx="6400800" cy="365125"/>
+          </a:xfrm>
+        </p:spPr>
         <p:txBody>
           <a:bodyPr/>
           <a:lstStyle/>
@@ -338,88 +325,6 @@
             <a:endParaRPr lang="en-US" dirty="0"/>
           </a:p>
         </p:txBody>
-      </p:sp>
-      <p:sp>
-        <p:nvSpPr>
-          <p:cNvPr id="7" name="Freeform 6"/>
-          <p:cNvSpPr/>
-          <p:nvPr/>
-        </p:nvSpPr>
-        <p:spPr bwMode="auto">
-          <a:xfrm>
-            <a:off x="0" y="4323810"/>
-            <a:ext cx="1744652" cy="778589"/>
-          </a:xfrm>
-          <a:custGeom>
-            <a:avLst/>
-            <a:gdLst/>
-            <a:ahLst/>
-            <a:cxnLst/>
-            <a:rect l="0" t="0" r="r" b="b"/>
-            <a:pathLst>
-              <a:path w="372" h="166">
-                <a:moveTo>
-                  <a:pt x="287" y="166"/>
-                </a:moveTo>
-                <a:cubicBezTo>
-                  <a:pt x="290" y="166"/>
-                  <a:pt x="292" y="165"/>
-                  <a:pt x="293" y="164"/>
-                </a:cubicBezTo>
-                <a:cubicBezTo>
-                  <a:pt x="293" y="163"/>
-                  <a:pt x="294" y="163"/>
-                  <a:pt x="294" y="163"/>
-                </a:cubicBezTo>
-                <a:cubicBezTo>
-                  <a:pt x="370" y="87"/>
-                  <a:pt x="370" y="87"/>
-                  <a:pt x="370" y="87"/>
-                </a:cubicBezTo>
-                <a:cubicBezTo>
-                  <a:pt x="372" y="85"/>
-                  <a:pt x="372" y="81"/>
-                  <a:pt x="370" y="78"/>
-                </a:cubicBezTo>
-                <a:cubicBezTo>
-                  <a:pt x="294" y="3"/>
-                  <a:pt x="294" y="3"/>
-                  <a:pt x="294" y="3"/>
-                </a:cubicBezTo>
-                <a:cubicBezTo>
-                  <a:pt x="294" y="2"/>
-                  <a:pt x="293" y="2"/>
-                  <a:pt x="293" y="2"/>
-                </a:cubicBezTo>
-                <a:cubicBezTo>
-                  <a:pt x="292" y="1"/>
-                  <a:pt x="290" y="0"/>
-                  <a:pt x="287" y="0"/>
-                </a:cubicBezTo>
-                <a:cubicBezTo>
-                  <a:pt x="0" y="0"/>
-                  <a:pt x="0" y="0"/>
-                  <a:pt x="0" y="0"/>
-                </a:cubicBezTo>
-                <a:cubicBezTo>
-                  <a:pt x="0" y="166"/>
-                  <a:pt x="0" y="166"/>
-                  <a:pt x="0" y="166"/>
-                </a:cubicBezTo>
-                <a:lnTo>
-                  <a:pt x="287" y="166"/>
-                </a:lnTo>
-                <a:close/>
-              </a:path>
-            </a:pathLst>
-          </a:custGeom>
-          <a:solidFill>
-            <a:schemeClr val="accent1"/>
-          </a:solidFill>
-          <a:ln>
-            <a:noFill/>
-          </a:ln>
-        </p:spPr>
       </p:sp>
       <p:sp>
         <p:nvSpPr>
@@ -433,8 +338,8 @@
         </p:nvSpPr>
         <p:spPr>
           <a:xfrm>
-            <a:off x="531812" y="4529540"/>
-            <a:ext cx="779767" cy="365125"/>
+            <a:off x="8077200" y="1430866"/>
+            <a:ext cx="2743200" cy="365125"/>
           </a:xfrm>
         </p:spPr>
         <p:txBody>
@@ -452,7 +357,7 @@
     </p:spTree>
     <p:extLst>
       <p:ext uri="{BB962C8B-B14F-4D97-AF65-F5344CB8AC3E}">
-        <p14:creationId xmlns:p14="http://schemas.microsoft.com/office/powerpoint/2010/main" val="1419227476"/>
+        <p14:creationId xmlns:p14="http://schemas.microsoft.com/office/powerpoint/2010/main" val="2835989204"/>
       </p:ext>
     </p:extLst>
   </p:cSld>
@@ -464,6 +369,263 @@
 
 <file path=ppt/slideLayouts/slideLayout10.xml><?xml version="1.0" encoding="utf-8"?>
 <p:sldLayout xmlns:a="http://schemas.openxmlformats.org/drawingml/2006/main" xmlns:r="http://schemas.openxmlformats.org/officeDocument/2006/relationships" xmlns:p="http://schemas.openxmlformats.org/presentationml/2006/main" preserve="1">
+  <p:cSld name="Panoramic Picture with Caption">
+    <p:spTree>
+      <p:nvGrpSpPr>
+        <p:cNvPr id="1" name=""/>
+        <p:cNvGrpSpPr/>
+        <p:nvPr/>
+      </p:nvGrpSpPr>
+      <p:grpSpPr>
+        <a:xfrm>
+          <a:off x="0" y="0"/>
+          <a:ext cx="0" cy="0"/>
+          <a:chOff x="0" y="0"/>
+          <a:chExt cx="0" cy="0"/>
+        </a:xfrm>
+      </p:grpSpPr>
+      <p:sp>
+        <p:nvSpPr>
+          <p:cNvPr id="2" name="Title 1"/>
+          <p:cNvSpPr>
+            <a:spLocks noGrp="1"/>
+          </p:cNvSpPr>
+          <p:nvPr>
+            <p:ph type="title"/>
+          </p:nvPr>
+        </p:nvSpPr>
+        <p:spPr>
+          <a:xfrm>
+            <a:off x="685777" y="4697360"/>
+            <a:ext cx="10822034" cy="819355"/>
+          </a:xfrm>
+        </p:spPr>
+        <p:txBody>
+          <a:bodyPr anchor="b"/>
+          <a:lstStyle>
+            <a:lvl1pPr algn="l">
+              <a:defRPr sz="3200"/>
+            </a:lvl1pPr>
+          </a:lstStyle>
+          <a:p>
+            <a:r>
+              <a:rPr lang="en-US"/>
+              <a:t>Click to edit Master title style</a:t>
+            </a:r>
+            <a:endParaRPr lang="en-US" dirty="0"/>
+          </a:p>
+        </p:txBody>
+      </p:sp>
+      <p:sp>
+        <p:nvSpPr>
+          <p:cNvPr id="3" name="Picture Placeholder 2"/>
+          <p:cNvSpPr>
+            <a:spLocks noGrp="1" noChangeAspect="1"/>
+          </p:cNvSpPr>
+          <p:nvPr>
+            <p:ph type="pic" idx="1"/>
+          </p:nvPr>
+        </p:nvSpPr>
+        <p:spPr>
+          <a:xfrm>
+            <a:off x="681727" y="941439"/>
+            <a:ext cx="10821840" cy="3478161"/>
+          </a:xfrm>
+        </p:spPr>
+        <p:txBody>
+          <a:bodyPr anchor="t"/>
+          <a:lstStyle>
+            <a:lvl1pPr marL="0" indent="0">
+              <a:buNone/>
+              <a:defRPr sz="3200"/>
+            </a:lvl1pPr>
+            <a:lvl2pPr marL="457200" indent="0">
+              <a:buNone/>
+              <a:defRPr sz="2800"/>
+            </a:lvl2pPr>
+            <a:lvl3pPr marL="914400" indent="0">
+              <a:buNone/>
+              <a:defRPr sz="2400"/>
+            </a:lvl3pPr>
+            <a:lvl4pPr marL="1371600" indent="0">
+              <a:buNone/>
+              <a:defRPr sz="2000"/>
+            </a:lvl4pPr>
+            <a:lvl5pPr marL="1828800" indent="0">
+              <a:buNone/>
+              <a:defRPr sz="2000"/>
+            </a:lvl5pPr>
+            <a:lvl6pPr marL="2286000" indent="0">
+              <a:buNone/>
+              <a:defRPr sz="2000"/>
+            </a:lvl6pPr>
+            <a:lvl7pPr marL="2743200" indent="0">
+              <a:buNone/>
+              <a:defRPr sz="2000"/>
+            </a:lvl7pPr>
+            <a:lvl8pPr marL="3200400" indent="0">
+              <a:buNone/>
+              <a:defRPr sz="2000"/>
+            </a:lvl8pPr>
+            <a:lvl9pPr marL="3657600" indent="0">
+              <a:buNone/>
+              <a:defRPr sz="2000"/>
+            </a:lvl9pPr>
+          </a:lstStyle>
+          <a:p>
+            <a:r>
+              <a:rPr lang="en-US"/>
+              <a:t>Click icon to add picture</a:t>
+            </a:r>
+            <a:endParaRPr lang="en-US" dirty="0"/>
+          </a:p>
+        </p:txBody>
+      </p:sp>
+      <p:sp>
+        <p:nvSpPr>
+          <p:cNvPr id="4" name="Text Placeholder 3"/>
+          <p:cNvSpPr>
+            <a:spLocks noGrp="1"/>
+          </p:cNvSpPr>
+          <p:nvPr>
+            <p:ph type="body" sz="half" idx="2"/>
+          </p:nvPr>
+        </p:nvSpPr>
+        <p:spPr>
+          <a:xfrm>
+            <a:off x="685800" y="5516715"/>
+            <a:ext cx="10820400" cy="701969"/>
+          </a:xfrm>
+        </p:spPr>
+        <p:txBody>
+          <a:bodyPr/>
+          <a:lstStyle>
+            <a:lvl1pPr marL="0" indent="0" algn="l">
+              <a:buNone/>
+              <a:defRPr sz="1600"/>
+            </a:lvl1pPr>
+            <a:lvl2pPr marL="457200" indent="0">
+              <a:buNone/>
+              <a:defRPr sz="1400"/>
+            </a:lvl2pPr>
+            <a:lvl3pPr marL="914400" indent="0">
+              <a:buNone/>
+              <a:defRPr sz="1200"/>
+            </a:lvl3pPr>
+            <a:lvl4pPr marL="1371600" indent="0">
+              <a:buNone/>
+              <a:defRPr sz="1000"/>
+            </a:lvl4pPr>
+            <a:lvl5pPr marL="1828800" indent="0">
+              <a:buNone/>
+              <a:defRPr sz="1000"/>
+            </a:lvl5pPr>
+            <a:lvl6pPr marL="2286000" indent="0">
+              <a:buNone/>
+              <a:defRPr sz="1000"/>
+            </a:lvl6pPr>
+            <a:lvl7pPr marL="2743200" indent="0">
+              <a:buNone/>
+              <a:defRPr sz="1000"/>
+            </a:lvl7pPr>
+            <a:lvl8pPr marL="3200400" indent="0">
+              <a:buNone/>
+              <a:defRPr sz="1000"/>
+            </a:lvl8pPr>
+            <a:lvl9pPr marL="3657600" indent="0">
+              <a:buNone/>
+              <a:defRPr sz="1000"/>
+            </a:lvl9pPr>
+          </a:lstStyle>
+          <a:p>
+            <a:pPr lvl="0"/>
+            <a:r>
+              <a:rPr lang="en-US"/>
+              <a:t>Edit Master text styles</a:t>
+            </a:r>
+          </a:p>
+        </p:txBody>
+      </p:sp>
+      <p:sp>
+        <p:nvSpPr>
+          <p:cNvPr id="5" name="Date Placeholder 4"/>
+          <p:cNvSpPr>
+            <a:spLocks noGrp="1"/>
+          </p:cNvSpPr>
+          <p:nvPr>
+            <p:ph type="dt" sz="half" idx="10"/>
+          </p:nvPr>
+        </p:nvSpPr>
+        <p:spPr/>
+        <p:txBody>
+          <a:bodyPr/>
+          <a:lstStyle/>
+          <a:p>
+            <a:fld id="{9D1441F9-EC97-2D4F-BE7B-2F3A7CF96111}" type="datetimeFigureOut">
+              <a:rPr lang="en-US" smtClean="0"/>
+              <a:t>11/15/18</a:t>
+            </a:fld>
+            <a:endParaRPr lang="en-US" dirty="0"/>
+          </a:p>
+        </p:txBody>
+      </p:sp>
+      <p:sp>
+        <p:nvSpPr>
+          <p:cNvPr id="6" name="Footer Placeholder 5"/>
+          <p:cNvSpPr>
+            <a:spLocks noGrp="1"/>
+          </p:cNvSpPr>
+          <p:nvPr>
+            <p:ph type="ftr" sz="quarter" idx="11"/>
+          </p:nvPr>
+        </p:nvSpPr>
+        <p:spPr/>
+        <p:txBody>
+          <a:bodyPr/>
+          <a:lstStyle/>
+          <a:p>
+            <a:endParaRPr lang="en-US" dirty="0"/>
+          </a:p>
+        </p:txBody>
+      </p:sp>
+      <p:sp>
+        <p:nvSpPr>
+          <p:cNvPr id="7" name="Slide Number Placeholder 6"/>
+          <p:cNvSpPr>
+            <a:spLocks noGrp="1"/>
+          </p:cNvSpPr>
+          <p:nvPr>
+            <p:ph type="sldNum" sz="quarter" idx="12"/>
+          </p:nvPr>
+        </p:nvSpPr>
+        <p:spPr/>
+        <p:txBody>
+          <a:bodyPr/>
+          <a:lstStyle/>
+          <a:p>
+            <a:fld id="{2183B7EE-0FBE-B749-875F-ED24F5ECD71F}" type="slidenum">
+              <a:rPr lang="en-US" smtClean="0"/>
+              <a:t>‹#›</a:t>
+            </a:fld>
+            <a:endParaRPr lang="en-US" dirty="0"/>
+          </a:p>
+        </p:txBody>
+      </p:sp>
+    </p:spTree>
+    <p:extLst>
+      <p:ext uri="{BB962C8B-B14F-4D97-AF65-F5344CB8AC3E}">
+        <p14:creationId xmlns:p14="http://schemas.microsoft.com/office/powerpoint/2010/main" val="1008094718"/>
+      </p:ext>
+    </p:extLst>
+  </p:cSld>
+  <p:clrMapOvr>
+    <a:masterClrMapping/>
+  </p:clrMapOvr>
+</p:sldLayout>
+</file>
+
+<file path=ppt/slideLayouts/slideLayout11.xml><?xml version="1.0" encoding="utf-8"?>
+<p:sldLayout xmlns:a="http://schemas.openxmlformats.org/drawingml/2006/main" xmlns:r="http://schemas.openxmlformats.org/officeDocument/2006/relationships" xmlns:p="http://schemas.openxmlformats.org/presentationml/2006/main" showMasterSp="0" preserve="1">
   <p:cSld name="Title and Caption">
     <p:spTree>
       <p:nvGrpSpPr>
@@ -479,6 +641,36 @@
           <a:chExt cx="0" cy="0"/>
         </a:xfrm>
       </p:grpSpPr>
+      <p:pic>
+        <p:nvPicPr>
+          <p:cNvPr id="8" name="Picture 7" descr="C0-HD-BTM.png"/>
+          <p:cNvPicPr>
+            <a:picLocks noChangeAspect="1"/>
+          </p:cNvPicPr>
+          <p:nvPr/>
+        </p:nvPicPr>
+        <p:blipFill>
+          <a:blip r:embed="rId2">
+            <a:extLst>
+              <a:ext uri="{28A0092B-C50C-407E-A947-70E740481C1C}">
+                <a14:useLocalDpi xmlns:a14="http://schemas.microsoft.com/office/drawing/2010/main" val="0"/>
+              </a:ext>
+            </a:extLst>
+          </a:blip>
+          <a:stretch>
+            <a:fillRect/>
+          </a:stretch>
+        </p:blipFill>
+        <p:spPr>
+          <a:xfrm>
+            <a:off x="0" y="4375150"/>
+            <a:ext cx="12192000" cy="2482850"/>
+          </a:xfrm>
+          <a:prstGeom prst="rect">
+            <a:avLst/>
+          </a:prstGeom>
+        </p:spPr>
+      </p:pic>
       <p:sp>
         <p:nvSpPr>
           <p:cNvPr id="2" name="Title 1"/>
@@ -491,17 +683,15 @@
         </p:nvSpPr>
         <p:spPr>
           <a:xfrm>
-            <a:off x="2589212" y="609600"/>
-            <a:ext cx="8915399" cy="3117040"/>
-          </a:xfrm>
-        </p:spPr>
-        <p:txBody>
-          <a:bodyPr anchor="ctr">
-            <a:normAutofit/>
-          </a:bodyPr>
+            <a:off x="685800" y="753532"/>
+            <a:ext cx="10820400" cy="2802467"/>
+          </a:xfrm>
+        </p:spPr>
+        <p:txBody>
+          <a:bodyPr anchor="ctr"/>
           <a:lstStyle>
             <a:lvl1pPr algn="l">
-              <a:defRPr sz="4800" b="0" cap="none"/>
+              <a:defRPr sz="3200"/>
             </a:lvl1pPr>
           </a:lstStyle>
           <a:p>
@@ -515,115 +705,58 @@
       </p:sp>
       <p:sp>
         <p:nvSpPr>
-          <p:cNvPr id="3" name="Text Placeholder 2"/>
+          <p:cNvPr id="4" name="Text Placeholder 3"/>
           <p:cNvSpPr>
             <a:spLocks noGrp="1"/>
           </p:cNvSpPr>
           <p:nvPr>
-            <p:ph type="body" idx="1"/>
+            <p:ph type="body" sz="half" idx="2"/>
           </p:nvPr>
         </p:nvSpPr>
         <p:spPr>
           <a:xfrm>
-            <a:off x="2589212" y="4354046"/>
-            <a:ext cx="8915399" cy="1555864"/>
-          </a:xfrm>
-        </p:spPr>
-        <p:txBody>
-          <a:bodyPr anchor="ctr">
-            <a:normAutofit/>
-          </a:bodyPr>
+            <a:off x="1024467" y="3649133"/>
+            <a:ext cx="10130516" cy="999067"/>
+          </a:xfrm>
+        </p:spPr>
+        <p:txBody>
+          <a:bodyPr anchor="ctr"/>
           <a:lstStyle>
-            <a:lvl1pPr marL="0" indent="0" algn="l">
-              <a:buNone/>
-              <a:defRPr sz="1800">
-                <a:solidFill>
-                  <a:schemeClr val="tx1">
-                    <a:lumMod val="65000"/>
-                    <a:lumOff val="35000"/>
-                  </a:schemeClr>
-                </a:solidFill>
-              </a:defRPr>
+            <a:lvl1pPr marL="0" indent="0">
+              <a:buNone/>
+              <a:defRPr sz="1600"/>
             </a:lvl1pPr>
             <a:lvl2pPr marL="457200" indent="0">
               <a:buNone/>
-              <a:defRPr sz="1800">
-                <a:solidFill>
-                  <a:schemeClr val="tx1">
-                    <a:tint val="75000"/>
-                  </a:schemeClr>
-                </a:solidFill>
-              </a:defRPr>
+              <a:defRPr sz="1400"/>
             </a:lvl2pPr>
             <a:lvl3pPr marL="914400" indent="0">
               <a:buNone/>
-              <a:defRPr sz="1600">
-                <a:solidFill>
-                  <a:schemeClr val="tx1">
-                    <a:tint val="75000"/>
-                  </a:schemeClr>
-                </a:solidFill>
-              </a:defRPr>
+              <a:defRPr sz="1200"/>
             </a:lvl3pPr>
             <a:lvl4pPr marL="1371600" indent="0">
               <a:buNone/>
-              <a:defRPr sz="1400">
-                <a:solidFill>
-                  <a:schemeClr val="tx1">
-                    <a:tint val="75000"/>
-                  </a:schemeClr>
-                </a:solidFill>
-              </a:defRPr>
+              <a:defRPr sz="1000"/>
             </a:lvl4pPr>
             <a:lvl5pPr marL="1828800" indent="0">
               <a:buNone/>
-              <a:defRPr sz="1400">
-                <a:solidFill>
-                  <a:schemeClr val="tx1">
-                    <a:tint val="75000"/>
-                  </a:schemeClr>
-                </a:solidFill>
-              </a:defRPr>
+              <a:defRPr sz="1000"/>
             </a:lvl5pPr>
             <a:lvl6pPr marL="2286000" indent="0">
               <a:buNone/>
-              <a:defRPr sz="1400">
-                <a:solidFill>
-                  <a:schemeClr val="tx1">
-                    <a:tint val="75000"/>
-                  </a:schemeClr>
-                </a:solidFill>
-              </a:defRPr>
+              <a:defRPr sz="1000"/>
             </a:lvl6pPr>
             <a:lvl7pPr marL="2743200" indent="0">
               <a:buNone/>
-              <a:defRPr sz="1400">
-                <a:solidFill>
-                  <a:schemeClr val="tx1">
-                    <a:tint val="75000"/>
-                  </a:schemeClr>
-                </a:solidFill>
-              </a:defRPr>
+              <a:defRPr sz="1000"/>
             </a:lvl7pPr>
             <a:lvl8pPr marL="3200400" indent="0">
               <a:buNone/>
-              <a:defRPr sz="1400">
-                <a:solidFill>
-                  <a:schemeClr val="tx1">
-                    <a:tint val="75000"/>
-                  </a:schemeClr>
-                </a:solidFill>
-              </a:defRPr>
+              <a:defRPr sz="1000"/>
             </a:lvl8pPr>
             <a:lvl9pPr marL="3657600" indent="0">
               <a:buNone/>
-              <a:defRPr sz="1400">
-                <a:solidFill>
-                  <a:schemeClr val="tx1">
-                    <a:tint val="75000"/>
-                  </a:schemeClr>
-                </a:solidFill>
-              </a:defRPr>
+              <a:defRPr sz="1000"/>
             </a:lvl9pPr>
           </a:lstStyle>
           <a:p>
@@ -637,7 +770,7 @@
       </p:sp>
       <p:sp>
         <p:nvSpPr>
-          <p:cNvPr id="4" name="Date Placeholder 3"/>
+          <p:cNvPr id="5" name="Date Placeholder 4"/>
           <p:cNvSpPr>
             <a:spLocks noGrp="1"/>
           </p:cNvSpPr>
@@ -645,14 +778,23 @@
             <p:ph type="dt" sz="half" idx="10"/>
           </p:nvPr>
         </p:nvSpPr>
-        <p:spPr/>
+        <p:spPr>
+          <a:xfrm>
+            <a:off x="7814452" y="381000"/>
+            <a:ext cx="2910840" cy="365125"/>
+          </a:xfrm>
+        </p:spPr>
         <p:txBody>
           <a:bodyPr/>
-          <a:lstStyle/>
+          <a:lstStyle>
+            <a:lvl1pPr algn="r">
+              <a:defRPr/>
+            </a:lvl1pPr>
+          </a:lstStyle>
           <a:p>
             <a:fld id="{9D1441F9-EC97-2D4F-BE7B-2F3A7CF96111}" type="datetimeFigureOut">
               <a:rPr lang="en-US" smtClean="0"/>
-              <a:t>10/30/18</a:t>
+              <a:t>11/15/18</a:t>
             </a:fld>
             <a:endParaRPr lang="en-US" dirty="0"/>
           </a:p>
@@ -660,7 +802,7 @@
       </p:sp>
       <p:sp>
         <p:nvSpPr>
-          <p:cNvPr id="5" name="Footer Placeholder 4"/>
+          <p:cNvPr id="6" name="Footer Placeholder 5"/>
           <p:cNvSpPr>
             <a:spLocks noGrp="1"/>
           </p:cNvSpPr>
@@ -668,7 +810,12 @@
             <p:ph type="ftr" sz="quarter" idx="11"/>
           </p:nvPr>
         </p:nvSpPr>
-        <p:spPr/>
+        <p:spPr>
+          <a:xfrm>
+            <a:off x="685800" y="379941"/>
+            <a:ext cx="6991492" cy="365125"/>
+          </a:xfrm>
+        </p:spPr>
         <p:txBody>
           <a:bodyPr/>
           <a:lstStyle/>
@@ -679,89 +826,7 @@
       </p:sp>
       <p:sp>
         <p:nvSpPr>
-          <p:cNvPr id="9" name="Freeform 11"/>
-          <p:cNvSpPr/>
-          <p:nvPr/>
-        </p:nvSpPr>
-        <p:spPr bwMode="auto">
-          <a:xfrm flipV="1">
-            <a:off x="-4189" y="3178175"/>
-            <a:ext cx="1588527" cy="507297"/>
-          </a:xfrm>
-          <a:custGeom>
-            <a:avLst/>
-            <a:gdLst/>
-            <a:ahLst/>
-            <a:cxnLst/>
-            <a:rect l="l" t="t" r="r" b="b"/>
-            <a:pathLst>
-              <a:path w="9248" h="10000">
-                <a:moveTo>
-                  <a:pt x="9248" y="4701"/>
-                </a:moveTo>
-                <a:lnTo>
-                  <a:pt x="7915" y="188"/>
-                </a:lnTo>
-                <a:cubicBezTo>
-                  <a:pt x="7906" y="156"/>
-                  <a:pt x="7895" y="126"/>
-                  <a:pt x="7886" y="94"/>
-                </a:cubicBezTo>
-                <a:cubicBezTo>
-                  <a:pt x="7859" y="0"/>
-                  <a:pt x="7831" y="0"/>
-                  <a:pt x="7803" y="0"/>
-                </a:cubicBezTo>
-                <a:lnTo>
-                  <a:pt x="7275" y="0"/>
-                </a:lnTo>
-                <a:lnTo>
-                  <a:pt x="0" y="70"/>
-                </a:lnTo>
-                <a:cubicBezTo>
-                  <a:pt x="8" y="3380"/>
-                  <a:pt x="17" y="6690"/>
-                  <a:pt x="25" y="10000"/>
-                </a:cubicBezTo>
-                <a:lnTo>
-                  <a:pt x="7275" y="9966"/>
-                </a:lnTo>
-                <a:lnTo>
-                  <a:pt x="7803" y="9966"/>
-                </a:lnTo>
-                <a:cubicBezTo>
-                  <a:pt x="7831" y="9966"/>
-                  <a:pt x="7859" y="9872"/>
-                  <a:pt x="7886" y="9872"/>
-                </a:cubicBezTo>
-                <a:cubicBezTo>
-                  <a:pt x="7886" y="9778"/>
-                  <a:pt x="7915" y="9778"/>
-                  <a:pt x="7915" y="9778"/>
-                </a:cubicBezTo>
-                <a:lnTo>
-                  <a:pt x="9248" y="5265"/>
-                </a:lnTo>
-                <a:cubicBezTo>
-                  <a:pt x="9303" y="5077"/>
-                  <a:pt x="9303" y="4889"/>
-                  <a:pt x="9248" y="4701"/>
-                </a:cubicBezTo>
-                <a:close/>
-              </a:path>
-            </a:pathLst>
-          </a:custGeom>
-          <a:solidFill>
-            <a:schemeClr val="accent1"/>
-          </a:solidFill>
-          <a:ln>
-            <a:noFill/>
-          </a:ln>
-        </p:spPr>
-      </p:sp>
-      <p:sp>
-        <p:nvSpPr>
-          <p:cNvPr id="6" name="Slide Number Placeholder 5"/>
+          <p:cNvPr id="7" name="Slide Number Placeholder 6"/>
           <p:cNvSpPr>
             <a:spLocks noGrp="1"/>
           </p:cNvSpPr>
@@ -771,8 +836,8 @@
         </p:nvSpPr>
         <p:spPr>
           <a:xfrm>
-            <a:off x="531812" y="3244139"/>
-            <a:ext cx="779767" cy="365125"/>
+            <a:off x="10862452" y="381000"/>
+            <a:ext cx="643748" cy="365125"/>
           </a:xfrm>
         </p:spPr>
         <p:txBody>
@@ -790,7 +855,7 @@
     </p:spTree>
     <p:extLst>
       <p:ext uri="{BB962C8B-B14F-4D97-AF65-F5344CB8AC3E}">
-        <p14:creationId xmlns:p14="http://schemas.microsoft.com/office/powerpoint/2010/main" val="423321572"/>
+        <p14:creationId xmlns:p14="http://schemas.microsoft.com/office/powerpoint/2010/main" val="2188594141"/>
       </p:ext>
     </p:extLst>
   </p:cSld>
@@ -800,8 +865,8 @@
 </p:sldLayout>
 </file>
 
-<file path=ppt/slideLayouts/slideLayout11.xml><?xml version="1.0" encoding="utf-8"?>
-<p:sldLayout xmlns:a="http://schemas.openxmlformats.org/drawingml/2006/main" xmlns:r="http://schemas.openxmlformats.org/officeDocument/2006/relationships" xmlns:p="http://schemas.openxmlformats.org/presentationml/2006/main" preserve="1">
+<file path=ppt/slideLayouts/slideLayout12.xml><?xml version="1.0" encoding="utf-8"?>
+<p:sldLayout xmlns:a="http://schemas.openxmlformats.org/drawingml/2006/main" xmlns:r="http://schemas.openxmlformats.org/officeDocument/2006/relationships" xmlns:p="http://schemas.openxmlformats.org/presentationml/2006/main" showMasterSp="0" preserve="1">
   <p:cSld name="Quote with Caption">
     <p:spTree>
       <p:nvGrpSpPr>
@@ -817,6 +882,36 @@
           <a:chExt cx="0" cy="0"/>
         </a:xfrm>
       </p:grpSpPr>
+      <p:pic>
+        <p:nvPicPr>
+          <p:cNvPr id="13" name="Picture 12" descr="C0-HD-BTM.png"/>
+          <p:cNvPicPr>
+            <a:picLocks noChangeAspect="1"/>
+          </p:cNvPicPr>
+          <p:nvPr/>
+        </p:nvPicPr>
+        <p:blipFill>
+          <a:blip r:embed="rId2">
+            <a:extLst>
+              <a:ext uri="{28A0092B-C50C-407E-A947-70E740481C1C}">
+                <a14:useLocalDpi xmlns:a14="http://schemas.microsoft.com/office/drawing/2010/main" val="0"/>
+              </a:ext>
+            </a:extLst>
+          </a:blip>
+          <a:stretch>
+            <a:fillRect/>
+          </a:stretch>
+        </p:blipFill>
+        <p:spPr>
+          <a:xfrm>
+            <a:off x="0" y="4375150"/>
+            <a:ext cx="12192000" cy="2482850"/>
+          </a:xfrm>
+          <a:prstGeom prst="rect">
+            <a:avLst/>
+          </a:prstGeom>
+        </p:spPr>
+      </p:pic>
       <p:sp>
         <p:nvSpPr>
           <p:cNvPr id="2" name="Title 1"/>
@@ -829,8 +924,107 @@
         </p:nvSpPr>
         <p:spPr>
           <a:xfrm>
-            <a:off x="2849949" y="609600"/>
-            <a:ext cx="8393926" cy="2895600"/>
+            <a:off x="1024467" y="753533"/>
+            <a:ext cx="10151533" cy="2604495"/>
+          </a:xfrm>
+        </p:spPr>
+        <p:txBody>
+          <a:bodyPr anchor="ctr"/>
+          <a:lstStyle>
+            <a:lvl1pPr algn="l">
+              <a:defRPr sz="3200"/>
+            </a:lvl1pPr>
+          </a:lstStyle>
+          <a:p>
+            <a:r>
+              <a:rPr lang="en-US"/>
+              <a:t>Click to edit Master title style</a:t>
+            </a:r>
+            <a:endParaRPr lang="en-US" dirty="0"/>
+          </a:p>
+        </p:txBody>
+      </p:sp>
+      <p:sp>
+        <p:nvSpPr>
+          <p:cNvPr id="12" name="Text Placeholder 3"/>
+          <p:cNvSpPr>
+            <a:spLocks noGrp="1"/>
+          </p:cNvSpPr>
+          <p:nvPr>
+            <p:ph type="body" sz="half" idx="13"/>
+          </p:nvPr>
+        </p:nvSpPr>
+        <p:spPr>
+          <a:xfrm>
+            <a:off x="1303865" y="3365556"/>
+            <a:ext cx="9592736" cy="444443"/>
+          </a:xfrm>
+        </p:spPr>
+        <p:txBody>
+          <a:bodyPr anchor="t">
+            <a:normAutofit/>
+          </a:bodyPr>
+          <a:lstStyle>
+            <a:lvl1pPr marL="0" indent="0">
+              <a:buNone/>
+              <a:defRPr sz="1400"/>
+            </a:lvl1pPr>
+            <a:lvl2pPr marL="457200" indent="0">
+              <a:buNone/>
+              <a:defRPr sz="1400"/>
+            </a:lvl2pPr>
+            <a:lvl3pPr marL="914400" indent="0">
+              <a:buNone/>
+              <a:defRPr sz="1200"/>
+            </a:lvl3pPr>
+            <a:lvl4pPr marL="1371600" indent="0">
+              <a:buNone/>
+              <a:defRPr sz="1000"/>
+            </a:lvl4pPr>
+            <a:lvl5pPr marL="1828800" indent="0">
+              <a:buNone/>
+              <a:defRPr sz="1000"/>
+            </a:lvl5pPr>
+            <a:lvl6pPr marL="2286000" indent="0">
+              <a:buNone/>
+              <a:defRPr sz="1000"/>
+            </a:lvl6pPr>
+            <a:lvl7pPr marL="2743200" indent="0">
+              <a:buNone/>
+              <a:defRPr sz="1000"/>
+            </a:lvl7pPr>
+            <a:lvl8pPr marL="3200400" indent="0">
+              <a:buNone/>
+              <a:defRPr sz="1000"/>
+            </a:lvl8pPr>
+            <a:lvl9pPr marL="3657600" indent="0">
+              <a:buNone/>
+              <a:defRPr sz="1000"/>
+            </a:lvl9pPr>
+          </a:lstStyle>
+          <a:p>
+            <a:pPr lvl="0"/>
+            <a:r>
+              <a:rPr lang="en-US"/>
+              <a:t>Edit Master text styles</a:t>
+            </a:r>
+          </a:p>
+        </p:txBody>
+      </p:sp>
+      <p:sp>
+        <p:nvSpPr>
+          <p:cNvPr id="4" name="Text Placeholder 3"/>
+          <p:cNvSpPr>
+            <a:spLocks noGrp="1"/>
+          </p:cNvSpPr>
+          <p:nvPr>
+            <p:ph type="body" sz="half" idx="2"/>
+          </p:nvPr>
+        </p:nvSpPr>
+        <p:spPr>
+          <a:xfrm>
+            <a:off x="1024467" y="3959862"/>
+            <a:ext cx="10151533" cy="679871"/>
           </a:xfrm>
         </p:spPr>
         <p:txBody>
@@ -838,72 +1032,42 @@
             <a:normAutofit/>
           </a:bodyPr>
           <a:lstStyle>
-            <a:lvl1pPr algn="l">
-              <a:defRPr sz="4800" b="0" cap="none"/>
-            </a:lvl1pPr>
-          </a:lstStyle>
-          <a:p>
-            <a:r>
-              <a:rPr lang="en-US"/>
-              <a:t>Click to edit Master title style</a:t>
-            </a:r>
-            <a:endParaRPr lang="en-US" dirty="0"/>
-          </a:p>
-        </p:txBody>
-      </p:sp>
-      <p:sp>
-        <p:nvSpPr>
-          <p:cNvPr id="13" name="Text Placeholder 9"/>
-          <p:cNvSpPr>
-            <a:spLocks noGrp="1"/>
-          </p:cNvSpPr>
-          <p:nvPr>
-            <p:ph type="body" sz="quarter" idx="13"/>
-          </p:nvPr>
-        </p:nvSpPr>
-        <p:spPr>
-          <a:xfrm>
-            <a:off x="3275012" y="3505200"/>
-            <a:ext cx="7536554" cy="381000"/>
-          </a:xfrm>
-        </p:spPr>
-        <p:txBody>
-          <a:bodyPr anchor="ctr">
-            <a:noAutofit/>
-          </a:bodyPr>
-          <a:lstStyle>
             <a:lvl1pPr marL="0" indent="0">
-              <a:buFontTx/>
-              <a:buNone/>
-              <a:defRPr sz="1600">
-                <a:solidFill>
-                  <a:schemeClr val="tx1">
-                    <a:lumMod val="50000"/>
-                    <a:lumOff val="50000"/>
-                  </a:schemeClr>
-                </a:solidFill>
-              </a:defRPr>
+              <a:buNone/>
+              <a:defRPr sz="1600"/>
             </a:lvl1pPr>
             <a:lvl2pPr marL="457200" indent="0">
-              <a:buFontTx/>
-              <a:buNone/>
-              <a:defRPr/>
+              <a:buNone/>
+              <a:defRPr sz="1400"/>
             </a:lvl2pPr>
             <a:lvl3pPr marL="914400" indent="0">
-              <a:buFontTx/>
-              <a:buNone/>
-              <a:defRPr/>
+              <a:buNone/>
+              <a:defRPr sz="1200"/>
             </a:lvl3pPr>
             <a:lvl4pPr marL="1371600" indent="0">
-              <a:buFontTx/>
-              <a:buNone/>
-              <a:defRPr/>
+              <a:buNone/>
+              <a:defRPr sz="1000"/>
             </a:lvl4pPr>
             <a:lvl5pPr marL="1828800" indent="0">
-              <a:buFontTx/>
-              <a:buNone/>
-              <a:defRPr/>
+              <a:buNone/>
+              <a:defRPr sz="1000"/>
             </a:lvl5pPr>
+            <a:lvl6pPr marL="2286000" indent="0">
+              <a:buNone/>
+              <a:defRPr sz="1000"/>
+            </a:lvl6pPr>
+            <a:lvl7pPr marL="2743200" indent="0">
+              <a:buNone/>
+              <a:defRPr sz="1000"/>
+            </a:lvl7pPr>
+            <a:lvl8pPr marL="3200400" indent="0">
+              <a:buNone/>
+              <a:defRPr sz="1000"/>
+            </a:lvl8pPr>
+            <a:lvl9pPr marL="3657600" indent="0">
+              <a:buNone/>
+              <a:defRPr sz="1000"/>
+            </a:lvl9pPr>
           </a:lstStyle>
           <a:p>
             <a:pPr lvl="0"/>
@@ -916,129 +1080,7 @@
       </p:sp>
       <p:sp>
         <p:nvSpPr>
-          <p:cNvPr id="3" name="Text Placeholder 2"/>
-          <p:cNvSpPr>
-            <a:spLocks noGrp="1"/>
-          </p:cNvSpPr>
-          <p:nvPr>
-            <p:ph type="body" idx="1"/>
-          </p:nvPr>
-        </p:nvSpPr>
-        <p:spPr>
-          <a:xfrm>
-            <a:off x="2589212" y="4354046"/>
-            <a:ext cx="8915399" cy="1555864"/>
-          </a:xfrm>
-        </p:spPr>
-        <p:txBody>
-          <a:bodyPr anchor="ctr">
-            <a:normAutofit/>
-          </a:bodyPr>
-          <a:lstStyle>
-            <a:lvl1pPr marL="0" indent="0" algn="l">
-              <a:buNone/>
-              <a:defRPr sz="1800">
-                <a:solidFill>
-                  <a:schemeClr val="tx1">
-                    <a:lumMod val="65000"/>
-                    <a:lumOff val="35000"/>
-                  </a:schemeClr>
-                </a:solidFill>
-              </a:defRPr>
-            </a:lvl1pPr>
-            <a:lvl2pPr marL="457200" indent="0">
-              <a:buNone/>
-              <a:defRPr sz="1800">
-                <a:solidFill>
-                  <a:schemeClr val="tx1">
-                    <a:tint val="75000"/>
-                  </a:schemeClr>
-                </a:solidFill>
-              </a:defRPr>
-            </a:lvl2pPr>
-            <a:lvl3pPr marL="914400" indent="0">
-              <a:buNone/>
-              <a:defRPr sz="1600">
-                <a:solidFill>
-                  <a:schemeClr val="tx1">
-                    <a:tint val="75000"/>
-                  </a:schemeClr>
-                </a:solidFill>
-              </a:defRPr>
-            </a:lvl3pPr>
-            <a:lvl4pPr marL="1371600" indent="0">
-              <a:buNone/>
-              <a:defRPr sz="1400">
-                <a:solidFill>
-                  <a:schemeClr val="tx1">
-                    <a:tint val="75000"/>
-                  </a:schemeClr>
-                </a:solidFill>
-              </a:defRPr>
-            </a:lvl4pPr>
-            <a:lvl5pPr marL="1828800" indent="0">
-              <a:buNone/>
-              <a:defRPr sz="1400">
-                <a:solidFill>
-                  <a:schemeClr val="tx1">
-                    <a:tint val="75000"/>
-                  </a:schemeClr>
-                </a:solidFill>
-              </a:defRPr>
-            </a:lvl5pPr>
-            <a:lvl6pPr marL="2286000" indent="0">
-              <a:buNone/>
-              <a:defRPr sz="1400">
-                <a:solidFill>
-                  <a:schemeClr val="tx1">
-                    <a:tint val="75000"/>
-                  </a:schemeClr>
-                </a:solidFill>
-              </a:defRPr>
-            </a:lvl6pPr>
-            <a:lvl7pPr marL="2743200" indent="0">
-              <a:buNone/>
-              <a:defRPr sz="1400">
-                <a:solidFill>
-                  <a:schemeClr val="tx1">
-                    <a:tint val="75000"/>
-                  </a:schemeClr>
-                </a:solidFill>
-              </a:defRPr>
-            </a:lvl7pPr>
-            <a:lvl8pPr marL="3200400" indent="0">
-              <a:buNone/>
-              <a:defRPr sz="1400">
-                <a:solidFill>
-                  <a:schemeClr val="tx1">
-                    <a:tint val="75000"/>
-                  </a:schemeClr>
-                </a:solidFill>
-              </a:defRPr>
-            </a:lvl8pPr>
-            <a:lvl9pPr marL="3657600" indent="0">
-              <a:buNone/>
-              <a:defRPr sz="1400">
-                <a:solidFill>
-                  <a:schemeClr val="tx1">
-                    <a:tint val="75000"/>
-                  </a:schemeClr>
-                </a:solidFill>
-              </a:defRPr>
-            </a:lvl9pPr>
-          </a:lstStyle>
-          <a:p>
-            <a:pPr lvl="0"/>
-            <a:r>
-              <a:rPr lang="en-US"/>
-              <a:t>Edit Master text styles</a:t>
-            </a:r>
-          </a:p>
-        </p:txBody>
-      </p:sp>
-      <p:sp>
-        <p:nvSpPr>
-          <p:cNvPr id="4" name="Date Placeholder 3"/>
+          <p:cNvPr id="5" name="Date Placeholder 4"/>
           <p:cNvSpPr>
             <a:spLocks noGrp="1"/>
           </p:cNvSpPr>
@@ -1046,14 +1088,23 @@
             <p:ph type="dt" sz="half" idx="10"/>
           </p:nvPr>
         </p:nvSpPr>
-        <p:spPr/>
+        <p:spPr>
+          <a:xfrm>
+            <a:off x="7814452" y="381000"/>
+            <a:ext cx="2910840" cy="365125"/>
+          </a:xfrm>
+        </p:spPr>
         <p:txBody>
           <a:bodyPr/>
-          <a:lstStyle/>
+          <a:lstStyle>
+            <a:lvl1pPr algn="r">
+              <a:defRPr/>
+            </a:lvl1pPr>
+          </a:lstStyle>
           <a:p>
             <a:fld id="{9D1441F9-EC97-2D4F-BE7B-2F3A7CF96111}" type="datetimeFigureOut">
               <a:rPr lang="en-US" smtClean="0"/>
-              <a:t>10/30/18</a:t>
+              <a:t>11/15/18</a:t>
             </a:fld>
             <a:endParaRPr lang="en-US" dirty="0"/>
           </a:p>
@@ -1061,7 +1112,7 @@
       </p:sp>
       <p:sp>
         <p:nvSpPr>
-          <p:cNvPr id="5" name="Footer Placeholder 4"/>
+          <p:cNvPr id="6" name="Footer Placeholder 5"/>
           <p:cNvSpPr>
             <a:spLocks noGrp="1"/>
           </p:cNvSpPr>
@@ -1069,7 +1120,12 @@
             <p:ph type="ftr" sz="quarter" idx="11"/>
           </p:nvPr>
         </p:nvSpPr>
-        <p:spPr/>
+        <p:spPr>
+          <a:xfrm>
+            <a:off x="685800" y="379941"/>
+            <a:ext cx="6991492" cy="365125"/>
+          </a:xfrm>
+        </p:spPr>
         <p:txBody>
           <a:bodyPr/>
           <a:lstStyle/>
@@ -1080,89 +1136,7 @@
       </p:sp>
       <p:sp>
         <p:nvSpPr>
-          <p:cNvPr id="11" name="Freeform 11"/>
-          <p:cNvSpPr/>
-          <p:nvPr/>
-        </p:nvSpPr>
-        <p:spPr bwMode="auto">
-          <a:xfrm flipV="1">
-            <a:off x="-4189" y="3178175"/>
-            <a:ext cx="1588527" cy="507297"/>
-          </a:xfrm>
-          <a:custGeom>
-            <a:avLst/>
-            <a:gdLst/>
-            <a:ahLst/>
-            <a:cxnLst/>
-            <a:rect l="l" t="t" r="r" b="b"/>
-            <a:pathLst>
-              <a:path w="9248" h="10000">
-                <a:moveTo>
-                  <a:pt x="9248" y="4701"/>
-                </a:moveTo>
-                <a:lnTo>
-                  <a:pt x="7915" y="188"/>
-                </a:lnTo>
-                <a:cubicBezTo>
-                  <a:pt x="7906" y="156"/>
-                  <a:pt x="7895" y="126"/>
-                  <a:pt x="7886" y="94"/>
-                </a:cubicBezTo>
-                <a:cubicBezTo>
-                  <a:pt x="7859" y="0"/>
-                  <a:pt x="7831" y="0"/>
-                  <a:pt x="7803" y="0"/>
-                </a:cubicBezTo>
-                <a:lnTo>
-                  <a:pt x="7275" y="0"/>
-                </a:lnTo>
-                <a:lnTo>
-                  <a:pt x="0" y="70"/>
-                </a:lnTo>
-                <a:cubicBezTo>
-                  <a:pt x="8" y="3380"/>
-                  <a:pt x="17" y="6690"/>
-                  <a:pt x="25" y="10000"/>
-                </a:cubicBezTo>
-                <a:lnTo>
-                  <a:pt x="7275" y="9966"/>
-                </a:lnTo>
-                <a:lnTo>
-                  <a:pt x="7803" y="9966"/>
-                </a:lnTo>
-                <a:cubicBezTo>
-                  <a:pt x="7831" y="9966"/>
-                  <a:pt x="7859" y="9872"/>
-                  <a:pt x="7886" y="9872"/>
-                </a:cubicBezTo>
-                <a:cubicBezTo>
-                  <a:pt x="7886" y="9778"/>
-                  <a:pt x="7915" y="9778"/>
-                  <a:pt x="7915" y="9778"/>
-                </a:cubicBezTo>
-                <a:lnTo>
-                  <a:pt x="9248" y="5265"/>
-                </a:lnTo>
-                <a:cubicBezTo>
-                  <a:pt x="9303" y="5077"/>
-                  <a:pt x="9303" y="4889"/>
-                  <a:pt x="9248" y="4701"/>
-                </a:cubicBezTo>
-                <a:close/>
-              </a:path>
-            </a:pathLst>
-          </a:custGeom>
-          <a:solidFill>
-            <a:schemeClr val="accent1"/>
-          </a:solidFill>
-          <a:ln>
-            <a:noFill/>
-          </a:ln>
-        </p:spPr>
-      </p:sp>
-      <p:sp>
-        <p:nvSpPr>
-          <p:cNvPr id="6" name="Slide Number Placeholder 5"/>
+          <p:cNvPr id="7" name="Slide Number Placeholder 6"/>
           <p:cNvSpPr>
             <a:spLocks noGrp="1"/>
           </p:cNvSpPr>
@@ -1172,8 +1146,8 @@
         </p:nvSpPr>
         <p:spPr>
           <a:xfrm>
-            <a:off x="531812" y="3244139"/>
-            <a:ext cx="779767" cy="365125"/>
+            <a:off x="10862452" y="381000"/>
+            <a:ext cx="643748" cy="365125"/>
           </a:xfrm>
         </p:spPr>
         <p:txBody>
@@ -1190,13 +1164,13 @@
       </p:sp>
       <p:sp>
         <p:nvSpPr>
-          <p:cNvPr id="14" name="TextBox 13"/>
+          <p:cNvPr id="9" name="TextBox 8"/>
           <p:cNvSpPr txBox="1"/>
           <p:nvPr/>
         </p:nvSpPr>
         <p:spPr>
           <a:xfrm>
-            <a:off x="2467652" y="648005"/>
+            <a:off x="476250" y="933450"/>
             <a:ext cx="609600" cy="584776"/>
           </a:xfrm>
           <a:prstGeom prst="rect">
@@ -1207,19 +1181,97 @@
           <a:bodyPr vert="horz" lIns="91440" tIns="45720" rIns="91440" bIns="45720" rtlCol="0" anchor="ctr">
             <a:noAutofit/>
           </a:bodyPr>
-          <a:lstStyle/>
-          <a:p>
-            <a:pPr lvl="0"/>
-            <a:r>
-              <a:rPr lang="en-US" sz="8000" baseline="0" dirty="0">
+          <a:lstStyle>
+            <a:lvl1pPr>
+              <a:spcBef>
+                <a:spcPct val="0"/>
+              </a:spcBef>
+              <a:buNone/>
+              <a:defRPr sz="3200" b="0" cap="all">
                 <a:ln w="3175" cmpd="sng">
                   <a:noFill/>
                 </a:ln>
+                <a:effectLst>
+                  <a:glow rad="38100">
+                    <a:schemeClr val="bg1">
+                      <a:lumMod val="65000"/>
+                      <a:lumOff val="35000"/>
+                      <a:alpha val="40000"/>
+                    </a:schemeClr>
+                  </a:glow>
+                  <a:outerShdw blurRad="28575" dist="38100" dir="14040000" algn="tl" rotWithShape="0">
+                    <a:srgbClr val="000000">
+                      <a:alpha val="25000"/>
+                    </a:srgbClr>
+                  </a:outerShdw>
+                </a:effectLst>
+              </a:defRPr>
+            </a:lvl1pPr>
+            <a:lvl2pPr>
+              <a:defRPr>
                 <a:solidFill>
-                  <a:schemeClr val="accent1"/>
+                  <a:schemeClr val="tx2"/>
+                </a:solidFill>
+              </a:defRPr>
+            </a:lvl2pPr>
+            <a:lvl3pPr>
+              <a:defRPr>
+                <a:solidFill>
+                  <a:schemeClr val="tx2"/>
+                </a:solidFill>
+              </a:defRPr>
+            </a:lvl3pPr>
+            <a:lvl4pPr>
+              <a:defRPr>
+                <a:solidFill>
+                  <a:schemeClr val="tx2"/>
+                </a:solidFill>
+              </a:defRPr>
+            </a:lvl4pPr>
+            <a:lvl5pPr>
+              <a:defRPr>
+                <a:solidFill>
+                  <a:schemeClr val="tx2"/>
+                </a:solidFill>
+              </a:defRPr>
+            </a:lvl5pPr>
+            <a:lvl6pPr>
+              <a:defRPr>
+                <a:solidFill>
+                  <a:schemeClr val="tx2"/>
+                </a:solidFill>
+              </a:defRPr>
+            </a:lvl6pPr>
+            <a:lvl7pPr>
+              <a:defRPr>
+                <a:solidFill>
+                  <a:schemeClr val="tx2"/>
+                </a:solidFill>
+              </a:defRPr>
+            </a:lvl7pPr>
+            <a:lvl8pPr>
+              <a:defRPr>
+                <a:solidFill>
+                  <a:schemeClr val="tx2"/>
+                </a:solidFill>
+              </a:defRPr>
+            </a:lvl8pPr>
+            <a:lvl9pPr>
+              <a:defRPr>
+                <a:solidFill>
+                  <a:schemeClr val="tx2"/>
+                </a:solidFill>
+              </a:defRPr>
+            </a:lvl9pPr>
+          </a:lstStyle>
+          <a:p>
+            <a:pPr lvl="0"/>
+            <a:r>
+              <a:rPr lang="en-US" sz="8000" dirty="0">
+                <a:solidFill>
+                  <a:schemeClr val="tx1"/>
                 </a:solidFill>
                 <a:effectLst/>
-                <a:latin typeface="Arial"/>
               </a:rPr>
               <a:t>“</a:t>
             </a:r>
@@ -1228,13 +1280,13 @@
       </p:sp>
       <p:sp>
         <p:nvSpPr>
-          <p:cNvPr id="15" name="TextBox 14"/>
+          <p:cNvPr id="10" name="TextBox 9"/>
           <p:cNvSpPr txBox="1"/>
           <p:nvPr/>
         </p:nvSpPr>
         <p:spPr>
           <a:xfrm>
-            <a:off x="11114852" y="2905306"/>
+            <a:off x="10984230" y="2701290"/>
             <a:ext cx="609600" cy="584776"/>
           </a:xfrm>
           <a:prstGeom prst="rect">
@@ -1245,19 +1297,97 @@
           <a:bodyPr vert="horz" lIns="91440" tIns="45720" rIns="91440" bIns="45720" rtlCol="0" anchor="ctr">
             <a:noAutofit/>
           </a:bodyPr>
-          <a:lstStyle/>
-          <a:p>
-            <a:pPr lvl="0"/>
-            <a:r>
-              <a:rPr lang="en-US" sz="8000" baseline="0" dirty="0">
+          <a:lstStyle>
+            <a:lvl1pPr>
+              <a:spcBef>
+                <a:spcPct val="0"/>
+              </a:spcBef>
+              <a:buNone/>
+              <a:defRPr sz="3200" b="0" cap="all">
                 <a:ln w="3175" cmpd="sng">
                   <a:noFill/>
                 </a:ln>
+                <a:effectLst>
+                  <a:glow rad="38100">
+                    <a:schemeClr val="bg1">
+                      <a:lumMod val="65000"/>
+                      <a:lumOff val="35000"/>
+                      <a:alpha val="40000"/>
+                    </a:schemeClr>
+                  </a:glow>
+                  <a:outerShdw blurRad="28575" dist="38100" dir="14040000" algn="tl" rotWithShape="0">
+                    <a:srgbClr val="000000">
+                      <a:alpha val="25000"/>
+                    </a:srgbClr>
+                  </a:outerShdw>
+                </a:effectLst>
+              </a:defRPr>
+            </a:lvl1pPr>
+            <a:lvl2pPr>
+              <a:defRPr>
                 <a:solidFill>
-                  <a:schemeClr val="accent1"/>
+                  <a:schemeClr val="tx2"/>
+                </a:solidFill>
+              </a:defRPr>
+            </a:lvl2pPr>
+            <a:lvl3pPr>
+              <a:defRPr>
+                <a:solidFill>
+                  <a:schemeClr val="tx2"/>
+                </a:solidFill>
+              </a:defRPr>
+            </a:lvl3pPr>
+            <a:lvl4pPr>
+              <a:defRPr>
+                <a:solidFill>
+                  <a:schemeClr val="tx2"/>
+                </a:solidFill>
+              </a:defRPr>
+            </a:lvl4pPr>
+            <a:lvl5pPr>
+              <a:defRPr>
+                <a:solidFill>
+                  <a:schemeClr val="tx2"/>
+                </a:solidFill>
+              </a:defRPr>
+            </a:lvl5pPr>
+            <a:lvl6pPr>
+              <a:defRPr>
+                <a:solidFill>
+                  <a:schemeClr val="tx2"/>
+                </a:solidFill>
+              </a:defRPr>
+            </a:lvl6pPr>
+            <a:lvl7pPr>
+              <a:defRPr>
+                <a:solidFill>
+                  <a:schemeClr val="tx2"/>
+                </a:solidFill>
+              </a:defRPr>
+            </a:lvl7pPr>
+            <a:lvl8pPr>
+              <a:defRPr>
+                <a:solidFill>
+                  <a:schemeClr val="tx2"/>
+                </a:solidFill>
+              </a:defRPr>
+            </a:lvl8pPr>
+            <a:lvl9pPr>
+              <a:defRPr>
+                <a:solidFill>
+                  <a:schemeClr val="tx2"/>
+                </a:solidFill>
+              </a:defRPr>
+            </a:lvl9pPr>
+          </a:lstStyle>
+          <a:p>
+            <a:pPr lvl="0" algn="r"/>
+            <a:r>
+              <a:rPr lang="en-US" sz="8000" dirty="0">
+                <a:solidFill>
+                  <a:schemeClr val="tx1"/>
                 </a:solidFill>
                 <a:effectLst/>
-                <a:latin typeface="Arial"/>
               </a:rPr>
               <a:t>”</a:t>
             </a:r>
@@ -1267,7 +1397,7 @@
     </p:spTree>
     <p:extLst>
       <p:ext uri="{BB962C8B-B14F-4D97-AF65-F5344CB8AC3E}">
-        <p14:creationId xmlns:p14="http://schemas.microsoft.com/office/powerpoint/2010/main" val="2092730885"/>
+        <p14:creationId xmlns:p14="http://schemas.microsoft.com/office/powerpoint/2010/main" val="1673464400"/>
       </p:ext>
     </p:extLst>
   </p:cSld>
@@ -1277,8 +1407,8 @@
 </p:sldLayout>
 </file>
 
-<file path=ppt/slideLayouts/slideLayout12.xml><?xml version="1.0" encoding="utf-8"?>
-<p:sldLayout xmlns:a="http://schemas.openxmlformats.org/drawingml/2006/main" xmlns:r="http://schemas.openxmlformats.org/officeDocument/2006/relationships" xmlns:p="http://schemas.openxmlformats.org/presentationml/2006/main" preserve="1">
+<file path=ppt/slideLayouts/slideLayout13.xml><?xml version="1.0" encoding="utf-8"?>
+<p:sldLayout xmlns:a="http://schemas.openxmlformats.org/drawingml/2006/main" xmlns:r="http://schemas.openxmlformats.org/officeDocument/2006/relationships" xmlns:p="http://schemas.openxmlformats.org/presentationml/2006/main" showMasterSp="0" preserve="1">
   <p:cSld name="Name Card">
     <p:spTree>
       <p:nvGrpSpPr>
@@ -1294,6 +1424,36 @@
           <a:chExt cx="0" cy="0"/>
         </a:xfrm>
       </p:grpSpPr>
+      <p:pic>
+        <p:nvPicPr>
+          <p:cNvPr id="9" name="Picture 8" descr="C0-HD-BTM.png"/>
+          <p:cNvPicPr>
+            <a:picLocks noChangeAspect="1"/>
+          </p:cNvPicPr>
+          <p:nvPr/>
+        </p:nvPicPr>
+        <p:blipFill>
+          <a:blip r:embed="rId2">
+            <a:extLst>
+              <a:ext uri="{28A0092B-C50C-407E-A947-70E740481C1C}">
+                <a14:useLocalDpi xmlns:a14="http://schemas.microsoft.com/office/drawing/2010/main" val="0"/>
+              </a:ext>
+            </a:extLst>
+          </a:blip>
+          <a:stretch>
+            <a:fillRect/>
+          </a:stretch>
+        </p:blipFill>
+        <p:spPr>
+          <a:xfrm>
+            <a:off x="0" y="4375150"/>
+            <a:ext cx="12192000" cy="2482850"/>
+          </a:xfrm>
+          <a:prstGeom prst="rect">
+            <a:avLst/>
+          </a:prstGeom>
+        </p:spPr>
+      </p:pic>
       <p:sp>
         <p:nvSpPr>
           <p:cNvPr id="2" name="Title 1"/>
@@ -1306,17 +1466,15 @@
         </p:nvSpPr>
         <p:spPr>
           <a:xfrm>
-            <a:off x="2589213" y="2438400"/>
-            <a:ext cx="8915400" cy="2724845"/>
-          </a:xfrm>
-        </p:spPr>
-        <p:txBody>
-          <a:bodyPr anchor="b">
-            <a:normAutofit/>
-          </a:bodyPr>
+            <a:off x="1024495" y="1124701"/>
+            <a:ext cx="10146186" cy="2511835"/>
+          </a:xfrm>
+        </p:spPr>
+        <p:txBody>
+          <a:bodyPr anchor="b"/>
           <a:lstStyle>
             <a:lvl1pPr algn="l">
-              <a:defRPr sz="4800" b="0"/>
+              <a:defRPr sz="3200"/>
             </a:lvl1pPr>
           </a:lstStyle>
           <a:p>
@@ -1340,31 +1498,52 @@
         </p:nvSpPr>
         <p:spPr>
           <a:xfrm>
-            <a:off x="2589213" y="5181600"/>
-            <a:ext cx="8915400" cy="729622"/>
-          </a:xfrm>
-        </p:spPr>
-        <p:txBody>
-          <a:bodyPr vert="horz" lIns="91440" tIns="45720" rIns="91440" bIns="45720" rtlCol="0" anchor="t">
-            <a:normAutofit/>
-          </a:bodyPr>
+            <a:off x="1024467" y="3648315"/>
+            <a:ext cx="10144654" cy="999885"/>
+          </a:xfrm>
+        </p:spPr>
+        <p:txBody>
+          <a:bodyPr anchor="t"/>
           <a:lstStyle>
-            <a:lvl1pPr>
-              <a:buNone/>
-              <a:defRPr lang="en-US">
-                <a:solidFill>
-                  <a:schemeClr val="tx1">
-                    <a:lumMod val="65000"/>
-                    <a:lumOff val="35000"/>
-                  </a:schemeClr>
-                </a:solidFill>
-              </a:defRPr>
+            <a:lvl1pPr marL="0" indent="0">
+              <a:buNone/>
+              <a:defRPr sz="1600"/>
             </a:lvl1pPr>
+            <a:lvl2pPr marL="457200" indent="0">
+              <a:buNone/>
+              <a:defRPr sz="1400"/>
+            </a:lvl2pPr>
+            <a:lvl3pPr marL="914400" indent="0">
+              <a:buNone/>
+              <a:defRPr sz="1200"/>
+            </a:lvl3pPr>
+            <a:lvl4pPr marL="1371600" indent="0">
+              <a:buNone/>
+              <a:defRPr sz="1000"/>
+            </a:lvl4pPr>
+            <a:lvl5pPr marL="1828800" indent="0">
+              <a:buNone/>
+              <a:defRPr sz="1000"/>
+            </a:lvl5pPr>
+            <a:lvl6pPr marL="2286000" indent="0">
+              <a:buNone/>
+              <a:defRPr sz="1000"/>
+            </a:lvl6pPr>
+            <a:lvl7pPr marL="2743200" indent="0">
+              <a:buNone/>
+              <a:defRPr sz="1000"/>
+            </a:lvl7pPr>
+            <a:lvl8pPr marL="3200400" indent="0">
+              <a:buNone/>
+              <a:defRPr sz="1000"/>
+            </a:lvl8pPr>
+            <a:lvl9pPr marL="3657600" indent="0">
+              <a:buNone/>
+              <a:defRPr sz="1000"/>
+            </a:lvl9pPr>
           </a:lstStyle>
           <a:p>
-            <a:pPr marL="0" lvl="0" indent="0">
-              <a:buNone/>
-            </a:pPr>
+            <a:pPr lvl="0"/>
             <a:r>
               <a:rPr lang="en-US"/>
               <a:t>Edit Master text styles</a:t>
@@ -1382,14 +1561,23 @@
             <p:ph type="dt" sz="half" idx="10"/>
           </p:nvPr>
         </p:nvSpPr>
-        <p:spPr/>
+        <p:spPr>
+          <a:xfrm>
+            <a:off x="7814452" y="378883"/>
+            <a:ext cx="2910840" cy="365125"/>
+          </a:xfrm>
+        </p:spPr>
         <p:txBody>
           <a:bodyPr/>
-          <a:lstStyle/>
+          <a:lstStyle>
+            <a:lvl1pPr algn="r">
+              <a:defRPr/>
+            </a:lvl1pPr>
+          </a:lstStyle>
           <a:p>
             <a:fld id="{9D1441F9-EC97-2D4F-BE7B-2F3A7CF96111}" type="datetimeFigureOut">
               <a:rPr lang="en-US" smtClean="0"/>
-              <a:t>10/30/18</a:t>
+              <a:t>11/15/18</a:t>
             </a:fld>
             <a:endParaRPr lang="en-US" dirty="0"/>
           </a:p>
@@ -1405,7 +1593,12 @@
             <p:ph type="ftr" sz="quarter" idx="11"/>
           </p:nvPr>
         </p:nvSpPr>
-        <p:spPr/>
+        <p:spPr>
+          <a:xfrm>
+            <a:off x="685800" y="378883"/>
+            <a:ext cx="6991492" cy="365125"/>
+          </a:xfrm>
+        </p:spPr>
         <p:txBody>
           <a:bodyPr/>
           <a:lstStyle/>
@@ -1413,88 +1606,6 @@
             <a:endParaRPr lang="en-US" dirty="0"/>
           </a:p>
         </p:txBody>
-      </p:sp>
-      <p:sp>
-        <p:nvSpPr>
-          <p:cNvPr id="9" name="Freeform 11"/>
-          <p:cNvSpPr/>
-          <p:nvPr/>
-        </p:nvSpPr>
-        <p:spPr bwMode="auto">
-          <a:xfrm flipV="1">
-            <a:off x="-4189" y="4911725"/>
-            <a:ext cx="1588527" cy="507297"/>
-          </a:xfrm>
-          <a:custGeom>
-            <a:avLst/>
-            <a:gdLst/>
-            <a:ahLst/>
-            <a:cxnLst/>
-            <a:rect l="l" t="t" r="r" b="b"/>
-            <a:pathLst>
-              <a:path w="9248" h="10000">
-                <a:moveTo>
-                  <a:pt x="9248" y="4701"/>
-                </a:moveTo>
-                <a:lnTo>
-                  <a:pt x="7915" y="188"/>
-                </a:lnTo>
-                <a:cubicBezTo>
-                  <a:pt x="7906" y="156"/>
-                  <a:pt x="7895" y="126"/>
-                  <a:pt x="7886" y="94"/>
-                </a:cubicBezTo>
-                <a:cubicBezTo>
-                  <a:pt x="7859" y="0"/>
-                  <a:pt x="7831" y="0"/>
-                  <a:pt x="7803" y="0"/>
-                </a:cubicBezTo>
-                <a:lnTo>
-                  <a:pt x="7275" y="0"/>
-                </a:lnTo>
-                <a:lnTo>
-                  <a:pt x="0" y="70"/>
-                </a:lnTo>
-                <a:cubicBezTo>
-                  <a:pt x="8" y="3380"/>
-                  <a:pt x="17" y="6690"/>
-                  <a:pt x="25" y="10000"/>
-                </a:cubicBezTo>
-                <a:lnTo>
-                  <a:pt x="7275" y="9966"/>
-                </a:lnTo>
-                <a:lnTo>
-                  <a:pt x="7803" y="9966"/>
-                </a:lnTo>
-                <a:cubicBezTo>
-                  <a:pt x="7831" y="9966"/>
-                  <a:pt x="7859" y="9872"/>
-                  <a:pt x="7886" y="9872"/>
-                </a:cubicBezTo>
-                <a:cubicBezTo>
-                  <a:pt x="7886" y="9778"/>
-                  <a:pt x="7915" y="9778"/>
-                  <a:pt x="7915" y="9778"/>
-                </a:cubicBezTo>
-                <a:lnTo>
-                  <a:pt x="9248" y="5265"/>
-                </a:lnTo>
-                <a:cubicBezTo>
-                  <a:pt x="9303" y="5077"/>
-                  <a:pt x="9303" y="4889"/>
-                  <a:pt x="9248" y="4701"/>
-                </a:cubicBezTo>
-                <a:close/>
-              </a:path>
-            </a:pathLst>
-          </a:custGeom>
-          <a:solidFill>
-            <a:schemeClr val="accent1"/>
-          </a:solidFill>
-          <a:ln>
-            <a:noFill/>
-          </a:ln>
-        </p:spPr>
       </p:sp>
       <p:sp>
         <p:nvSpPr>
@@ -1508,8 +1619,8 @@
         </p:nvSpPr>
         <p:spPr>
           <a:xfrm>
-            <a:off x="531812" y="4983087"/>
-            <a:ext cx="779767" cy="365125"/>
+            <a:off x="10862452" y="381000"/>
+            <a:ext cx="643748" cy="365125"/>
           </a:xfrm>
         </p:spPr>
         <p:txBody>
@@ -1527,7 +1638,7 @@
     </p:spTree>
     <p:extLst>
       <p:ext uri="{BB962C8B-B14F-4D97-AF65-F5344CB8AC3E}">
-        <p14:creationId xmlns:p14="http://schemas.microsoft.com/office/powerpoint/2010/main" val="2127274514"/>
+        <p14:creationId xmlns:p14="http://schemas.microsoft.com/office/powerpoint/2010/main" val="3753719825"/>
       </p:ext>
     </p:extLst>
   </p:cSld>
@@ -1537,9 +1648,9 @@
 </p:sldLayout>
 </file>
 
-<file path=ppt/slideLayouts/slideLayout13.xml><?xml version="1.0" encoding="utf-8"?>
+<file path=ppt/slideLayouts/slideLayout14.xml><?xml version="1.0" encoding="utf-8"?>
 <p:sldLayout xmlns:a="http://schemas.openxmlformats.org/drawingml/2006/main" xmlns:r="http://schemas.openxmlformats.org/officeDocument/2006/relationships" xmlns:p="http://schemas.openxmlformats.org/presentationml/2006/main" preserve="1">
-  <p:cSld name="Quote Name Card">
+  <p:cSld name="3 Column">
     <p:spTree>
       <p:nvGrpSpPr>
         <p:cNvPr id="1" name=""/>
@@ -1556,7 +1667,7 @@
       </p:grpSpPr>
       <p:sp>
         <p:nvSpPr>
-          <p:cNvPr id="12" name="Title 1"/>
+          <p:cNvPr id="15" name="Title 1"/>
           <p:cNvSpPr>
             <a:spLocks noGrp="1"/>
           </p:cNvSpPr>
@@ -1566,31 +1677,301 @@
         </p:nvSpPr>
         <p:spPr>
           <a:xfrm>
-            <a:off x="2849949" y="609600"/>
-            <a:ext cx="8393926" cy="2895600"/>
-          </a:xfrm>
-        </p:spPr>
-        <p:txBody>
-          <a:bodyPr anchor="ctr">
+            <a:off x="2895600" y="761999"/>
+            <a:ext cx="8610599" cy="1303867"/>
+          </a:xfrm>
+        </p:spPr>
+        <p:txBody>
+          <a:bodyPr/>
+          <a:lstStyle/>
+          <a:p>
+            <a:r>
+              <a:rPr lang="en-US"/>
+              <a:t>Click to edit Master title style</a:t>
+            </a:r>
+            <a:endParaRPr lang="en-US" dirty="0"/>
+          </a:p>
+        </p:txBody>
+      </p:sp>
+      <p:sp>
+        <p:nvSpPr>
+          <p:cNvPr id="7" name="Text Placeholder 2"/>
+          <p:cNvSpPr>
+            <a:spLocks noGrp="1"/>
+          </p:cNvSpPr>
+          <p:nvPr>
+            <p:ph type="body" idx="1"/>
+          </p:nvPr>
+        </p:nvSpPr>
+        <p:spPr>
+          <a:xfrm>
+            <a:off x="685800" y="2202080"/>
+            <a:ext cx="3456432" cy="617320"/>
+          </a:xfrm>
+        </p:spPr>
+        <p:txBody>
+          <a:bodyPr anchor="b">
+            <a:noAutofit/>
+          </a:bodyPr>
+          <a:lstStyle>
+            <a:lvl1pPr marL="0" indent="0">
+              <a:buNone/>
+              <a:defRPr sz="2400" b="0">
+                <a:solidFill>
+                  <a:schemeClr val="tx1"/>
+                </a:solidFill>
+              </a:defRPr>
+            </a:lvl1pPr>
+            <a:lvl2pPr marL="457200" indent="0">
+              <a:buNone/>
+              <a:defRPr sz="2000" b="1"/>
+            </a:lvl2pPr>
+            <a:lvl3pPr marL="914400" indent="0">
+              <a:buNone/>
+              <a:defRPr sz="1800" b="1"/>
+            </a:lvl3pPr>
+            <a:lvl4pPr marL="1371600" indent="0">
+              <a:buNone/>
+              <a:defRPr sz="1600" b="1"/>
+            </a:lvl4pPr>
+            <a:lvl5pPr marL="1828800" indent="0">
+              <a:buNone/>
+              <a:defRPr sz="1600" b="1"/>
+            </a:lvl5pPr>
+            <a:lvl6pPr marL="2286000" indent="0">
+              <a:buNone/>
+              <a:defRPr sz="1600" b="1"/>
+            </a:lvl6pPr>
+            <a:lvl7pPr marL="2743200" indent="0">
+              <a:buNone/>
+              <a:defRPr sz="1600" b="1"/>
+            </a:lvl7pPr>
+            <a:lvl8pPr marL="3200400" indent="0">
+              <a:buNone/>
+              <a:defRPr sz="1600" b="1"/>
+            </a:lvl8pPr>
+            <a:lvl9pPr marL="3657600" indent="0">
+              <a:buNone/>
+              <a:defRPr sz="1600" b="1"/>
+            </a:lvl9pPr>
+          </a:lstStyle>
+          <a:p>
+            <a:pPr lvl="0"/>
+            <a:r>
+              <a:rPr lang="en-US"/>
+              <a:t>Edit Master text styles</a:t>
+            </a:r>
+          </a:p>
+        </p:txBody>
+      </p:sp>
+      <p:sp>
+        <p:nvSpPr>
+          <p:cNvPr id="8" name="Text Placeholder 3"/>
+          <p:cNvSpPr>
+            <a:spLocks noGrp="1"/>
+          </p:cNvSpPr>
+          <p:nvPr>
+            <p:ph type="body" sz="half" idx="15"/>
+          </p:nvPr>
+        </p:nvSpPr>
+        <p:spPr>
+          <a:xfrm>
+            <a:off x="685799" y="2904565"/>
+            <a:ext cx="3456432" cy="3314132"/>
+          </a:xfrm>
+        </p:spPr>
+        <p:txBody>
+          <a:bodyPr anchor="t">
             <a:normAutofit/>
           </a:bodyPr>
           <a:lstStyle>
-            <a:lvl1pPr algn="l">
-              <a:defRPr sz="4800" b="0" cap="none"/>
+            <a:lvl1pPr marL="0" indent="0">
+              <a:buNone/>
+              <a:defRPr sz="1400"/>
             </a:lvl1pPr>
+            <a:lvl2pPr marL="457200" indent="0">
+              <a:buNone/>
+              <a:defRPr sz="1200"/>
+            </a:lvl2pPr>
+            <a:lvl3pPr marL="914400" indent="0">
+              <a:buNone/>
+              <a:defRPr sz="1000"/>
+            </a:lvl3pPr>
+            <a:lvl4pPr marL="1371600" indent="0">
+              <a:buNone/>
+              <a:defRPr sz="900"/>
+            </a:lvl4pPr>
+            <a:lvl5pPr marL="1828800" indent="0">
+              <a:buNone/>
+              <a:defRPr sz="900"/>
+            </a:lvl5pPr>
+            <a:lvl6pPr marL="2286000" indent="0">
+              <a:buNone/>
+              <a:defRPr sz="900"/>
+            </a:lvl6pPr>
+            <a:lvl7pPr marL="2743200" indent="0">
+              <a:buNone/>
+              <a:defRPr sz="900"/>
+            </a:lvl7pPr>
+            <a:lvl8pPr marL="3200400" indent="0">
+              <a:buNone/>
+              <a:defRPr sz="900"/>
+            </a:lvl8pPr>
+            <a:lvl9pPr marL="3657600" indent="0">
+              <a:buNone/>
+              <a:defRPr sz="900"/>
+            </a:lvl9pPr>
           </a:lstStyle>
           <a:p>
+            <a:pPr lvl="0"/>
             <a:r>
               <a:rPr lang="en-US"/>
-              <a:t>Click to edit Master title style</a:t>
-            </a:r>
-            <a:endParaRPr lang="en-US" dirty="0"/>
-          </a:p>
-        </p:txBody>
-      </p:sp>
-      <p:sp>
-        <p:nvSpPr>
-          <p:cNvPr id="21" name="Text Placeholder 9"/>
+              <a:t>Edit Master text styles</a:t>
+            </a:r>
+          </a:p>
+        </p:txBody>
+      </p:sp>
+      <p:sp>
+        <p:nvSpPr>
+          <p:cNvPr id="9" name="Text Placeholder 4"/>
+          <p:cNvSpPr>
+            <a:spLocks noGrp="1"/>
+          </p:cNvSpPr>
+          <p:nvPr>
+            <p:ph type="body" sz="quarter" idx="3"/>
+          </p:nvPr>
+        </p:nvSpPr>
+        <p:spPr>
+          <a:xfrm>
+            <a:off x="4368800" y="2201333"/>
+            <a:ext cx="3456432" cy="626534"/>
+          </a:xfrm>
+        </p:spPr>
+        <p:txBody>
+          <a:bodyPr anchor="b">
+            <a:noAutofit/>
+          </a:bodyPr>
+          <a:lstStyle>
+            <a:lvl1pPr marL="0" indent="0">
+              <a:buNone/>
+              <a:defRPr sz="2400" b="0">
+                <a:solidFill>
+                  <a:schemeClr val="tx1"/>
+                </a:solidFill>
+              </a:defRPr>
+            </a:lvl1pPr>
+            <a:lvl2pPr marL="457200" indent="0">
+              <a:buNone/>
+              <a:defRPr sz="2000" b="1"/>
+            </a:lvl2pPr>
+            <a:lvl3pPr marL="914400" indent="0">
+              <a:buNone/>
+              <a:defRPr sz="1800" b="1"/>
+            </a:lvl3pPr>
+            <a:lvl4pPr marL="1371600" indent="0">
+              <a:buNone/>
+              <a:defRPr sz="1600" b="1"/>
+            </a:lvl4pPr>
+            <a:lvl5pPr marL="1828800" indent="0">
+              <a:buNone/>
+              <a:defRPr sz="1600" b="1"/>
+            </a:lvl5pPr>
+            <a:lvl6pPr marL="2286000" indent="0">
+              <a:buNone/>
+              <a:defRPr sz="1600" b="1"/>
+            </a:lvl6pPr>
+            <a:lvl7pPr marL="2743200" indent="0">
+              <a:buNone/>
+              <a:defRPr sz="1600" b="1"/>
+            </a:lvl7pPr>
+            <a:lvl8pPr marL="3200400" indent="0">
+              <a:buNone/>
+              <a:defRPr sz="1600" b="1"/>
+            </a:lvl8pPr>
+            <a:lvl9pPr marL="3657600" indent="0">
+              <a:buNone/>
+              <a:defRPr sz="1600" b="1"/>
+            </a:lvl9pPr>
+          </a:lstStyle>
+          <a:p>
+            <a:pPr lvl="0"/>
+            <a:r>
+              <a:rPr lang="en-US"/>
+              <a:t>Edit Master text styles</a:t>
+            </a:r>
+          </a:p>
+        </p:txBody>
+      </p:sp>
+      <p:sp>
+        <p:nvSpPr>
+          <p:cNvPr id="10" name="Text Placeholder 3"/>
+          <p:cNvSpPr>
+            <a:spLocks noGrp="1"/>
+          </p:cNvSpPr>
+          <p:nvPr>
+            <p:ph type="body" sz="half" idx="16"/>
+          </p:nvPr>
+        </p:nvSpPr>
+        <p:spPr>
+          <a:xfrm>
+            <a:off x="4366858" y="2904067"/>
+            <a:ext cx="3456432" cy="3314618"/>
+          </a:xfrm>
+        </p:spPr>
+        <p:txBody>
+          <a:bodyPr anchor="t">
+            <a:normAutofit/>
+          </a:bodyPr>
+          <a:lstStyle>
+            <a:lvl1pPr marL="0" indent="0">
+              <a:buNone/>
+              <a:defRPr sz="1400"/>
+            </a:lvl1pPr>
+            <a:lvl2pPr marL="457200" indent="0">
+              <a:buNone/>
+              <a:defRPr sz="1200"/>
+            </a:lvl2pPr>
+            <a:lvl3pPr marL="914400" indent="0">
+              <a:buNone/>
+              <a:defRPr sz="1000"/>
+            </a:lvl3pPr>
+            <a:lvl4pPr marL="1371600" indent="0">
+              <a:buNone/>
+              <a:defRPr sz="900"/>
+            </a:lvl4pPr>
+            <a:lvl5pPr marL="1828800" indent="0">
+              <a:buNone/>
+              <a:defRPr sz="900"/>
+            </a:lvl5pPr>
+            <a:lvl6pPr marL="2286000" indent="0">
+              <a:buNone/>
+              <a:defRPr sz="900"/>
+            </a:lvl6pPr>
+            <a:lvl7pPr marL="2743200" indent="0">
+              <a:buNone/>
+              <a:defRPr sz="900"/>
+            </a:lvl7pPr>
+            <a:lvl8pPr marL="3200400" indent="0">
+              <a:buNone/>
+              <a:defRPr sz="900"/>
+            </a:lvl8pPr>
+            <a:lvl9pPr marL="3657600" indent="0">
+              <a:buNone/>
+              <a:defRPr sz="900"/>
+            </a:lvl9pPr>
+          </a:lstStyle>
+          <a:p>
+            <a:pPr lvl="0"/>
+            <a:r>
+              <a:rPr lang="en-US"/>
+              <a:t>Edit Master text styles</a:t>
+            </a:r>
+          </a:p>
+        </p:txBody>
+      </p:sp>
+      <p:sp>
+        <p:nvSpPr>
+          <p:cNvPr id="11" name="Text Placeholder 4"/>
           <p:cNvSpPr>
             <a:spLocks noGrp="1"/>
           </p:cNvSpPr>
@@ -1600,8 +1981,8 @@
         </p:nvSpPr>
         <p:spPr>
           <a:xfrm>
-            <a:off x="2589212" y="4343400"/>
-            <a:ext cx="8915400" cy="838200"/>
+            <a:off x="8051800" y="2192866"/>
+            <a:ext cx="3456432" cy="626534"/>
           </a:xfrm>
         </p:spPr>
         <p:txBody>
@@ -1610,34 +1991,45 @@
           </a:bodyPr>
           <a:lstStyle>
             <a:lvl1pPr marL="0" indent="0">
-              <a:buFontTx/>
-              <a:buNone/>
-              <a:defRPr sz="2400">
+              <a:buNone/>
+              <a:defRPr sz="2400" b="0">
                 <a:solidFill>
-                  <a:schemeClr val="accent1"/>
+                  <a:schemeClr val="tx1"/>
                 </a:solidFill>
               </a:defRPr>
             </a:lvl1pPr>
             <a:lvl2pPr marL="457200" indent="0">
-              <a:buFontTx/>
-              <a:buNone/>
-              <a:defRPr/>
+              <a:buNone/>
+              <a:defRPr sz="2000" b="1"/>
             </a:lvl2pPr>
             <a:lvl3pPr marL="914400" indent="0">
-              <a:buFontTx/>
-              <a:buNone/>
-              <a:defRPr/>
+              <a:buNone/>
+              <a:defRPr sz="1800" b="1"/>
             </a:lvl3pPr>
             <a:lvl4pPr marL="1371600" indent="0">
-              <a:buFontTx/>
-              <a:buNone/>
-              <a:defRPr/>
+              <a:buNone/>
+              <a:defRPr sz="1600" b="1"/>
             </a:lvl4pPr>
             <a:lvl5pPr marL="1828800" indent="0">
-              <a:buFontTx/>
-              <a:buNone/>
-              <a:defRPr/>
+              <a:buNone/>
+              <a:defRPr sz="1600" b="1"/>
             </a:lvl5pPr>
+            <a:lvl6pPr marL="2286000" indent="0">
+              <a:buNone/>
+              <a:defRPr sz="1600" b="1"/>
+            </a:lvl6pPr>
+            <a:lvl7pPr marL="2743200" indent="0">
+              <a:buNone/>
+              <a:defRPr sz="1600" b="1"/>
+            </a:lvl7pPr>
+            <a:lvl8pPr marL="3200400" indent="0">
+              <a:buNone/>
+              <a:defRPr sz="1600" b="1"/>
+            </a:lvl8pPr>
+            <a:lvl9pPr marL="3657600" indent="0">
+              <a:buNone/>
+              <a:defRPr sz="1600" b="1"/>
+            </a:lvl9pPr>
           </a:lstStyle>
           <a:p>
             <a:pPr lvl="0"/>
@@ -1650,41 +2042,64 @@
       </p:sp>
       <p:sp>
         <p:nvSpPr>
-          <p:cNvPr id="4" name="Text Placeholder 3"/>
+          <p:cNvPr id="12" name="Text Placeholder 3"/>
           <p:cNvSpPr>
             <a:spLocks noGrp="1"/>
           </p:cNvSpPr>
           <p:nvPr>
-            <p:ph type="body" sz="half" idx="2"/>
+            <p:ph type="body" sz="half" idx="17"/>
           </p:nvPr>
         </p:nvSpPr>
         <p:spPr>
           <a:xfrm>
-            <a:off x="2589213" y="5181600"/>
-            <a:ext cx="8915400" cy="729622"/>
-          </a:xfrm>
-        </p:spPr>
-        <p:txBody>
-          <a:bodyPr vert="horz" lIns="91440" tIns="45720" rIns="91440" bIns="45720" rtlCol="0" anchor="t">
+            <a:off x="8051801" y="2904565"/>
+            <a:ext cx="3456432" cy="3314132"/>
+          </a:xfrm>
+        </p:spPr>
+        <p:txBody>
+          <a:bodyPr anchor="t">
             <a:normAutofit/>
           </a:bodyPr>
           <a:lstStyle>
-            <a:lvl1pPr>
-              <a:buNone/>
-              <a:defRPr lang="en-US">
-                <a:solidFill>
-                  <a:schemeClr val="tx1">
-                    <a:lumMod val="65000"/>
-                    <a:lumOff val="35000"/>
-                  </a:schemeClr>
-                </a:solidFill>
-              </a:defRPr>
+            <a:lvl1pPr marL="0" indent="0">
+              <a:buNone/>
+              <a:defRPr sz="1400"/>
             </a:lvl1pPr>
+            <a:lvl2pPr marL="457200" indent="0">
+              <a:buNone/>
+              <a:defRPr sz="1200"/>
+            </a:lvl2pPr>
+            <a:lvl3pPr marL="914400" indent="0">
+              <a:buNone/>
+              <a:defRPr sz="1000"/>
+            </a:lvl3pPr>
+            <a:lvl4pPr marL="1371600" indent="0">
+              <a:buNone/>
+              <a:defRPr sz="900"/>
+            </a:lvl4pPr>
+            <a:lvl5pPr marL="1828800" indent="0">
+              <a:buNone/>
+              <a:defRPr sz="900"/>
+            </a:lvl5pPr>
+            <a:lvl6pPr marL="2286000" indent="0">
+              <a:buNone/>
+              <a:defRPr sz="900"/>
+            </a:lvl6pPr>
+            <a:lvl7pPr marL="2743200" indent="0">
+              <a:buNone/>
+              <a:defRPr sz="900"/>
+            </a:lvl7pPr>
+            <a:lvl8pPr marL="3200400" indent="0">
+              <a:buNone/>
+              <a:defRPr sz="900"/>
+            </a:lvl8pPr>
+            <a:lvl9pPr marL="3657600" indent="0">
+              <a:buNone/>
+              <a:defRPr sz="900"/>
+            </a:lvl9pPr>
           </a:lstStyle>
           <a:p>
-            <a:pPr marL="0" lvl="0" indent="0">
-              <a:buNone/>
-            </a:pPr>
+            <a:pPr lvl="0"/>
             <a:r>
               <a:rPr lang="en-US"/>
               <a:t>Edit Master text styles</a:t>
@@ -1694,7 +2109,7 @@
       </p:sp>
       <p:sp>
         <p:nvSpPr>
-          <p:cNvPr id="5" name="Date Placeholder 4"/>
+          <p:cNvPr id="3" name="Date Placeholder 2"/>
           <p:cNvSpPr>
             <a:spLocks noGrp="1"/>
           </p:cNvSpPr>
@@ -1709,7 +2124,7 @@
           <a:p>
             <a:fld id="{9D1441F9-EC97-2D4F-BE7B-2F3A7CF96111}" type="datetimeFigureOut">
               <a:rPr lang="en-US" smtClean="0"/>
-              <a:t>10/30/18</a:t>
+              <a:t>11/15/18</a:t>
             </a:fld>
             <a:endParaRPr lang="en-US" dirty="0"/>
           </a:p>
@@ -1717,7 +2132,7 @@
       </p:sp>
       <p:sp>
         <p:nvSpPr>
-          <p:cNvPr id="6" name="Footer Placeholder 5"/>
+          <p:cNvPr id="4" name="Footer Placeholder 3"/>
           <p:cNvSpPr>
             <a:spLocks noGrp="1"/>
           </p:cNvSpPr>
@@ -1736,89 +2151,7 @@
       </p:sp>
       <p:sp>
         <p:nvSpPr>
-          <p:cNvPr id="11" name="Freeform 11"/>
-          <p:cNvSpPr/>
-          <p:nvPr/>
-        </p:nvSpPr>
-        <p:spPr bwMode="auto">
-          <a:xfrm flipV="1">
-            <a:off x="-4189" y="4911725"/>
-            <a:ext cx="1588527" cy="507297"/>
-          </a:xfrm>
-          <a:custGeom>
-            <a:avLst/>
-            <a:gdLst/>
-            <a:ahLst/>
-            <a:cxnLst/>
-            <a:rect l="l" t="t" r="r" b="b"/>
-            <a:pathLst>
-              <a:path w="9248" h="10000">
-                <a:moveTo>
-                  <a:pt x="9248" y="4701"/>
-                </a:moveTo>
-                <a:lnTo>
-                  <a:pt x="7915" y="188"/>
-                </a:lnTo>
-                <a:cubicBezTo>
-                  <a:pt x="7906" y="156"/>
-                  <a:pt x="7895" y="126"/>
-                  <a:pt x="7886" y="94"/>
-                </a:cubicBezTo>
-                <a:cubicBezTo>
-                  <a:pt x="7859" y="0"/>
-                  <a:pt x="7831" y="0"/>
-                  <a:pt x="7803" y="0"/>
-                </a:cubicBezTo>
-                <a:lnTo>
-                  <a:pt x="7275" y="0"/>
-                </a:lnTo>
-                <a:lnTo>
-                  <a:pt x="0" y="70"/>
-                </a:lnTo>
-                <a:cubicBezTo>
-                  <a:pt x="8" y="3380"/>
-                  <a:pt x="17" y="6690"/>
-                  <a:pt x="25" y="10000"/>
-                </a:cubicBezTo>
-                <a:lnTo>
-                  <a:pt x="7275" y="9966"/>
-                </a:lnTo>
-                <a:lnTo>
-                  <a:pt x="7803" y="9966"/>
-                </a:lnTo>
-                <a:cubicBezTo>
-                  <a:pt x="7831" y="9966"/>
-                  <a:pt x="7859" y="9872"/>
-                  <a:pt x="7886" y="9872"/>
-                </a:cubicBezTo>
-                <a:cubicBezTo>
-                  <a:pt x="7886" y="9778"/>
-                  <a:pt x="7915" y="9778"/>
-                  <a:pt x="7915" y="9778"/>
-                </a:cubicBezTo>
-                <a:lnTo>
-                  <a:pt x="9248" y="5265"/>
-                </a:lnTo>
-                <a:cubicBezTo>
-                  <a:pt x="9303" y="5077"/>
-                  <a:pt x="9303" y="4889"/>
-                  <a:pt x="9248" y="4701"/>
-                </a:cubicBezTo>
-                <a:close/>
-              </a:path>
-            </a:pathLst>
-          </a:custGeom>
-          <a:solidFill>
-            <a:schemeClr val="accent1"/>
-          </a:solidFill>
-          <a:ln>
-            <a:noFill/>
-          </a:ln>
-        </p:spPr>
-      </p:sp>
-      <p:sp>
-        <p:nvSpPr>
-          <p:cNvPr id="7" name="Slide Number Placeholder 6"/>
+          <p:cNvPr id="5" name="Slide Number Placeholder 4"/>
           <p:cNvSpPr>
             <a:spLocks noGrp="1"/>
           </p:cNvSpPr>
@@ -1826,12 +2159,7 @@
             <p:ph type="sldNum" sz="quarter" idx="12"/>
           </p:nvPr>
         </p:nvSpPr>
-        <p:spPr>
-          <a:xfrm>
-            <a:off x="531812" y="4983087"/>
-            <a:ext cx="779767" cy="365125"/>
-          </a:xfrm>
-        </p:spPr>
+        <p:spPr/>
         <p:txBody>
           <a:bodyPr/>
           <a:lstStyle/>
@@ -1844,86 +2172,10 @@
           </a:p>
         </p:txBody>
       </p:sp>
-      <p:sp>
-        <p:nvSpPr>
-          <p:cNvPr id="17" name="TextBox 16"/>
-          <p:cNvSpPr txBox="1"/>
-          <p:nvPr/>
-        </p:nvSpPr>
-        <p:spPr>
-          <a:xfrm>
-            <a:off x="2467652" y="648005"/>
-            <a:ext cx="609600" cy="584776"/>
-          </a:xfrm>
-          <a:prstGeom prst="rect">
-            <a:avLst/>
-          </a:prstGeom>
-        </p:spPr>
-        <p:txBody>
-          <a:bodyPr vert="horz" lIns="91440" tIns="45720" rIns="91440" bIns="45720" rtlCol="0" anchor="ctr">
-            <a:noAutofit/>
-          </a:bodyPr>
-          <a:lstStyle/>
-          <a:p>
-            <a:pPr lvl="0"/>
-            <a:r>
-              <a:rPr lang="en-US" sz="8000" baseline="0" dirty="0">
-                <a:ln w="3175" cmpd="sng">
-                  <a:noFill/>
-                </a:ln>
-                <a:solidFill>
-                  <a:schemeClr val="accent1"/>
-                </a:solidFill>
-                <a:effectLst/>
-                <a:latin typeface="Arial"/>
-              </a:rPr>
-              <a:t>“</a:t>
-            </a:r>
-          </a:p>
-        </p:txBody>
-      </p:sp>
-      <p:sp>
-        <p:nvSpPr>
-          <p:cNvPr id="18" name="TextBox 17"/>
-          <p:cNvSpPr txBox="1"/>
-          <p:nvPr/>
-        </p:nvSpPr>
-        <p:spPr>
-          <a:xfrm>
-            <a:off x="11114852" y="2905306"/>
-            <a:ext cx="609600" cy="584776"/>
-          </a:xfrm>
-          <a:prstGeom prst="rect">
-            <a:avLst/>
-          </a:prstGeom>
-        </p:spPr>
-        <p:txBody>
-          <a:bodyPr vert="horz" lIns="91440" tIns="45720" rIns="91440" bIns="45720" rtlCol="0" anchor="ctr">
-            <a:noAutofit/>
-          </a:bodyPr>
-          <a:lstStyle/>
-          <a:p>
-            <a:pPr lvl="0"/>
-            <a:r>
-              <a:rPr lang="en-US" sz="8000" baseline="0" dirty="0">
-                <a:ln w="3175" cmpd="sng">
-                  <a:noFill/>
-                </a:ln>
-                <a:solidFill>
-                  <a:schemeClr val="accent1"/>
-                </a:solidFill>
-                <a:effectLst/>
-                <a:latin typeface="Arial"/>
-              </a:rPr>
-              <a:t>”</a:t>
-            </a:r>
-          </a:p>
-        </p:txBody>
-      </p:sp>
     </p:spTree>
     <p:extLst>
       <p:ext uri="{BB962C8B-B14F-4D97-AF65-F5344CB8AC3E}">
-        <p14:creationId xmlns:p14="http://schemas.microsoft.com/office/powerpoint/2010/main" val="4064668200"/>
+        <p14:creationId xmlns:p14="http://schemas.microsoft.com/office/powerpoint/2010/main" val="2294887917"/>
       </p:ext>
     </p:extLst>
   </p:cSld>
@@ -1933,9 +2185,9 @@
 </p:sldLayout>
 </file>
 
-<file path=ppt/slideLayouts/slideLayout14.xml><?xml version="1.0" encoding="utf-8"?>
+<file path=ppt/slideLayouts/slideLayout15.xml><?xml version="1.0" encoding="utf-8"?>
 <p:sldLayout xmlns:a="http://schemas.openxmlformats.org/drawingml/2006/main" xmlns:r="http://schemas.openxmlformats.org/officeDocument/2006/relationships" xmlns:p="http://schemas.openxmlformats.org/presentationml/2006/main" preserve="1">
-  <p:cSld name="True or False">
+  <p:cSld name="3 Picture Column">
     <p:spTree>
       <p:nvGrpSpPr>
         <p:cNvPr id="1" name=""/>
@@ -1952,7 +2204,7 @@
       </p:grpSpPr>
       <p:sp>
         <p:nvSpPr>
-          <p:cNvPr id="2" name="Title 1"/>
+          <p:cNvPr id="30" name="Title 1"/>
           <p:cNvSpPr>
             <a:spLocks noGrp="1"/>
           </p:cNvSpPr>
@@ -1962,23 +2214,167 @@
         </p:nvSpPr>
         <p:spPr>
           <a:xfrm>
-            <a:off x="2589212" y="627407"/>
-            <a:ext cx="8915399" cy="2880020"/>
-          </a:xfrm>
-        </p:spPr>
-        <p:txBody>
-          <a:bodyPr anchor="ctr">
+            <a:off x="2895600" y="762000"/>
+            <a:ext cx="8610599" cy="1295400"/>
+          </a:xfrm>
+        </p:spPr>
+        <p:txBody>
+          <a:bodyPr/>
+          <a:lstStyle/>
+          <a:p>
+            <a:r>
+              <a:rPr lang="en-US"/>
+              <a:t>Click to edit Master title style</a:t>
+            </a:r>
+            <a:endParaRPr lang="en-US" dirty="0"/>
+          </a:p>
+        </p:txBody>
+      </p:sp>
+      <p:sp>
+        <p:nvSpPr>
+          <p:cNvPr id="19" name="Text Placeholder 2"/>
+          <p:cNvSpPr>
+            <a:spLocks noGrp="1"/>
+          </p:cNvSpPr>
+          <p:nvPr>
+            <p:ph type="body" idx="1"/>
+          </p:nvPr>
+        </p:nvSpPr>
+        <p:spPr>
+          <a:xfrm>
+            <a:off x="688618" y="4191000"/>
+            <a:ext cx="3451582" cy="682765"/>
+          </a:xfrm>
+        </p:spPr>
+        <p:txBody>
+          <a:bodyPr anchor="b">
+            <a:noAutofit/>
+          </a:bodyPr>
+          <a:lstStyle>
+            <a:lvl1pPr marL="0" indent="0">
+              <a:buNone/>
+              <a:defRPr sz="2400" b="0">
+                <a:solidFill>
+                  <a:schemeClr val="tx1"/>
+                </a:solidFill>
+              </a:defRPr>
+            </a:lvl1pPr>
+            <a:lvl2pPr marL="457200" indent="0">
+              <a:buNone/>
+              <a:defRPr sz="2000" b="1"/>
+            </a:lvl2pPr>
+            <a:lvl3pPr marL="914400" indent="0">
+              <a:buNone/>
+              <a:defRPr sz="1800" b="1"/>
+            </a:lvl3pPr>
+            <a:lvl4pPr marL="1371600" indent="0">
+              <a:buNone/>
+              <a:defRPr sz="1600" b="1"/>
+            </a:lvl4pPr>
+            <a:lvl5pPr marL="1828800" indent="0">
+              <a:buNone/>
+              <a:defRPr sz="1600" b="1"/>
+            </a:lvl5pPr>
+            <a:lvl6pPr marL="2286000" indent="0">
+              <a:buNone/>
+              <a:defRPr sz="1600" b="1"/>
+            </a:lvl6pPr>
+            <a:lvl7pPr marL="2743200" indent="0">
+              <a:buNone/>
+              <a:defRPr sz="1600" b="1"/>
+            </a:lvl7pPr>
+            <a:lvl8pPr marL="3200400" indent="0">
+              <a:buNone/>
+              <a:defRPr sz="1600" b="1"/>
+            </a:lvl8pPr>
+            <a:lvl9pPr marL="3657600" indent="0">
+              <a:buNone/>
+              <a:defRPr sz="1600" b="1"/>
+            </a:lvl9pPr>
+          </a:lstStyle>
+          <a:p>
+            <a:pPr lvl="0"/>
+            <a:r>
+              <a:rPr lang="en-US"/>
+              <a:t>Edit Master text styles</a:t>
+            </a:r>
+          </a:p>
+        </p:txBody>
+      </p:sp>
+      <p:sp>
+        <p:nvSpPr>
+          <p:cNvPr id="20" name="Picture Placeholder 2"/>
+          <p:cNvSpPr>
+            <a:spLocks noGrp="1" noChangeAspect="1"/>
+          </p:cNvSpPr>
+          <p:nvPr>
+            <p:ph type="pic" idx="15"/>
+          </p:nvPr>
+        </p:nvSpPr>
+        <p:spPr>
+          <a:xfrm>
+            <a:off x="688618" y="2362200"/>
+            <a:ext cx="3451582" cy="1524000"/>
+          </a:xfrm>
+          <a:prstGeom prst="roundRect">
+            <a:avLst>
+              <a:gd name="adj" fmla="val 0"/>
+            </a:avLst>
+          </a:prstGeom>
+          <a:effectLst>
+            <a:outerShdw blurRad="50800" dist="50800" dir="5400000" algn="tl" rotWithShape="0">
+              <a:srgbClr val="000000">
+                <a:alpha val="43000"/>
+              </a:srgbClr>
+            </a:outerShdw>
+          </a:effectLst>
+        </p:spPr>
+        <p:txBody>
+          <a:bodyPr anchor="t">
             <a:normAutofit/>
           </a:bodyPr>
           <a:lstStyle>
-            <a:lvl1pPr algn="l">
-              <a:defRPr sz="4800" b="0"/>
+            <a:lvl1pPr marL="0" indent="0" algn="ctr">
+              <a:buNone/>
+              <a:defRPr sz="1600"/>
             </a:lvl1pPr>
+            <a:lvl2pPr marL="457200" indent="0">
+              <a:buNone/>
+              <a:defRPr sz="1600"/>
+            </a:lvl2pPr>
+            <a:lvl3pPr marL="914400" indent="0">
+              <a:buNone/>
+              <a:defRPr sz="1600"/>
+            </a:lvl3pPr>
+            <a:lvl4pPr marL="1371600" indent="0">
+              <a:buNone/>
+              <a:defRPr sz="1600"/>
+            </a:lvl4pPr>
+            <a:lvl5pPr marL="1828800" indent="0">
+              <a:buNone/>
+              <a:defRPr sz="1600"/>
+            </a:lvl5pPr>
+            <a:lvl6pPr marL="2286000" indent="0">
+              <a:buNone/>
+              <a:defRPr sz="1600"/>
+            </a:lvl6pPr>
+            <a:lvl7pPr marL="2743200" indent="0">
+              <a:buNone/>
+              <a:defRPr sz="1600"/>
+            </a:lvl7pPr>
+            <a:lvl8pPr marL="3200400" indent="0">
+              <a:buNone/>
+              <a:defRPr sz="1600"/>
+            </a:lvl8pPr>
+            <a:lvl9pPr marL="3657600" indent="0">
+              <a:buNone/>
+              <a:defRPr sz="1600"/>
+            </a:lvl9pPr>
           </a:lstStyle>
           <a:p>
             <a:r>
               <a:rPr lang="en-US"/>
-              <a:t>Click to edit Master title style</a:t>
+              <a:t>Click icon to add picture</a:t>
             </a:r>
             <a:endParaRPr lang="en-US" dirty="0"/>
           </a:p>
@@ -1986,7 +2382,291 @@
       </p:sp>
       <p:sp>
         <p:nvSpPr>
-          <p:cNvPr id="21" name="Text Placeholder 9"/>
+          <p:cNvPr id="21" name="Text Placeholder 3"/>
+          <p:cNvSpPr>
+            <a:spLocks noGrp="1"/>
+          </p:cNvSpPr>
+          <p:nvPr>
+            <p:ph type="body" sz="half" idx="18"/>
+          </p:nvPr>
+        </p:nvSpPr>
+        <p:spPr>
+          <a:xfrm>
+            <a:off x="688618" y="4873764"/>
+            <a:ext cx="3451582" cy="1344921"/>
+          </a:xfrm>
+        </p:spPr>
+        <p:txBody>
+          <a:bodyPr anchor="t">
+            <a:normAutofit/>
+          </a:bodyPr>
+          <a:lstStyle>
+            <a:lvl1pPr marL="0" indent="0">
+              <a:buNone/>
+              <a:defRPr sz="1400"/>
+            </a:lvl1pPr>
+            <a:lvl2pPr marL="457200" indent="0">
+              <a:buNone/>
+              <a:defRPr sz="1200"/>
+            </a:lvl2pPr>
+            <a:lvl3pPr marL="914400" indent="0">
+              <a:buNone/>
+              <a:defRPr sz="1000"/>
+            </a:lvl3pPr>
+            <a:lvl4pPr marL="1371600" indent="0">
+              <a:buNone/>
+              <a:defRPr sz="900"/>
+            </a:lvl4pPr>
+            <a:lvl5pPr marL="1828800" indent="0">
+              <a:buNone/>
+              <a:defRPr sz="900"/>
+            </a:lvl5pPr>
+            <a:lvl6pPr marL="2286000" indent="0">
+              <a:buNone/>
+              <a:defRPr sz="900"/>
+            </a:lvl6pPr>
+            <a:lvl7pPr marL="2743200" indent="0">
+              <a:buNone/>
+              <a:defRPr sz="900"/>
+            </a:lvl7pPr>
+            <a:lvl8pPr marL="3200400" indent="0">
+              <a:buNone/>
+              <a:defRPr sz="900"/>
+            </a:lvl8pPr>
+            <a:lvl9pPr marL="3657600" indent="0">
+              <a:buNone/>
+              <a:defRPr sz="900"/>
+            </a:lvl9pPr>
+          </a:lstStyle>
+          <a:p>
+            <a:pPr lvl="0"/>
+            <a:r>
+              <a:rPr lang="en-US"/>
+              <a:t>Edit Master text styles</a:t>
+            </a:r>
+          </a:p>
+        </p:txBody>
+      </p:sp>
+      <p:sp>
+        <p:nvSpPr>
+          <p:cNvPr id="22" name="Text Placeholder 4"/>
+          <p:cNvSpPr>
+            <a:spLocks noGrp="1"/>
+          </p:cNvSpPr>
+          <p:nvPr>
+            <p:ph type="body" sz="quarter" idx="3"/>
+          </p:nvPr>
+        </p:nvSpPr>
+        <p:spPr>
+          <a:xfrm>
+            <a:off x="4374263" y="4191000"/>
+            <a:ext cx="3448935" cy="682765"/>
+          </a:xfrm>
+        </p:spPr>
+        <p:txBody>
+          <a:bodyPr anchor="b">
+            <a:noAutofit/>
+          </a:bodyPr>
+          <a:lstStyle>
+            <a:lvl1pPr marL="0" indent="0">
+              <a:buNone/>
+              <a:defRPr sz="2400" b="0">
+                <a:solidFill>
+                  <a:schemeClr val="tx1"/>
+                </a:solidFill>
+              </a:defRPr>
+            </a:lvl1pPr>
+            <a:lvl2pPr marL="457200" indent="0">
+              <a:buNone/>
+              <a:defRPr sz="2000" b="1"/>
+            </a:lvl2pPr>
+            <a:lvl3pPr marL="914400" indent="0">
+              <a:buNone/>
+              <a:defRPr sz="1800" b="1"/>
+            </a:lvl3pPr>
+            <a:lvl4pPr marL="1371600" indent="0">
+              <a:buNone/>
+              <a:defRPr sz="1600" b="1"/>
+            </a:lvl4pPr>
+            <a:lvl5pPr marL="1828800" indent="0">
+              <a:buNone/>
+              <a:defRPr sz="1600" b="1"/>
+            </a:lvl5pPr>
+            <a:lvl6pPr marL="2286000" indent="0">
+              <a:buNone/>
+              <a:defRPr sz="1600" b="1"/>
+            </a:lvl6pPr>
+            <a:lvl7pPr marL="2743200" indent="0">
+              <a:buNone/>
+              <a:defRPr sz="1600" b="1"/>
+            </a:lvl7pPr>
+            <a:lvl8pPr marL="3200400" indent="0">
+              <a:buNone/>
+              <a:defRPr sz="1600" b="1"/>
+            </a:lvl8pPr>
+            <a:lvl9pPr marL="3657600" indent="0">
+              <a:buNone/>
+              <a:defRPr sz="1600" b="1"/>
+            </a:lvl9pPr>
+          </a:lstStyle>
+          <a:p>
+            <a:pPr lvl="0"/>
+            <a:r>
+              <a:rPr lang="en-US"/>
+              <a:t>Edit Master text styles</a:t>
+            </a:r>
+          </a:p>
+        </p:txBody>
+      </p:sp>
+      <p:sp>
+        <p:nvSpPr>
+          <p:cNvPr id="23" name="Picture Placeholder 2"/>
+          <p:cNvSpPr>
+            <a:spLocks noGrp="1" noChangeAspect="1"/>
+          </p:cNvSpPr>
+          <p:nvPr>
+            <p:ph type="pic" idx="21"/>
+          </p:nvPr>
+        </p:nvSpPr>
+        <p:spPr>
+          <a:xfrm>
+            <a:off x="4374263" y="2362200"/>
+            <a:ext cx="3448936" cy="1524000"/>
+          </a:xfrm>
+          <a:prstGeom prst="roundRect">
+            <a:avLst>
+              <a:gd name="adj" fmla="val 0"/>
+            </a:avLst>
+          </a:prstGeom>
+          <a:effectLst>
+            <a:outerShdw blurRad="50800" dist="50800" dir="5400000" algn="tl" rotWithShape="0">
+              <a:srgbClr val="000000">
+                <a:alpha val="43000"/>
+              </a:srgbClr>
+            </a:outerShdw>
+          </a:effectLst>
+        </p:spPr>
+        <p:txBody>
+          <a:bodyPr anchor="t">
+            <a:normAutofit/>
+          </a:bodyPr>
+          <a:lstStyle>
+            <a:lvl1pPr marL="0" indent="0" algn="ctr">
+              <a:buNone/>
+              <a:defRPr sz="1600"/>
+            </a:lvl1pPr>
+            <a:lvl2pPr marL="457200" indent="0">
+              <a:buNone/>
+              <a:defRPr sz="1600"/>
+            </a:lvl2pPr>
+            <a:lvl3pPr marL="914400" indent="0">
+              <a:buNone/>
+              <a:defRPr sz="1600"/>
+            </a:lvl3pPr>
+            <a:lvl4pPr marL="1371600" indent="0">
+              <a:buNone/>
+              <a:defRPr sz="1600"/>
+            </a:lvl4pPr>
+            <a:lvl5pPr marL="1828800" indent="0">
+              <a:buNone/>
+              <a:defRPr sz="1600"/>
+            </a:lvl5pPr>
+            <a:lvl6pPr marL="2286000" indent="0">
+              <a:buNone/>
+              <a:defRPr sz="1600"/>
+            </a:lvl6pPr>
+            <a:lvl7pPr marL="2743200" indent="0">
+              <a:buNone/>
+              <a:defRPr sz="1600"/>
+            </a:lvl7pPr>
+            <a:lvl8pPr marL="3200400" indent="0">
+              <a:buNone/>
+              <a:defRPr sz="1600"/>
+            </a:lvl8pPr>
+            <a:lvl9pPr marL="3657600" indent="0">
+              <a:buNone/>
+              <a:defRPr sz="1600"/>
+            </a:lvl9pPr>
+          </a:lstStyle>
+          <a:p>
+            <a:r>
+              <a:rPr lang="en-US"/>
+              <a:t>Click icon to add picture</a:t>
+            </a:r>
+            <a:endParaRPr lang="en-US" dirty="0"/>
+          </a:p>
+        </p:txBody>
+      </p:sp>
+      <p:sp>
+        <p:nvSpPr>
+          <p:cNvPr id="24" name="Text Placeholder 3"/>
+          <p:cNvSpPr>
+            <a:spLocks noGrp="1"/>
+          </p:cNvSpPr>
+          <p:nvPr>
+            <p:ph type="body" sz="half" idx="19"/>
+          </p:nvPr>
+        </p:nvSpPr>
+        <p:spPr>
+          <a:xfrm>
+            <a:off x="4374264" y="4873763"/>
+            <a:ext cx="3448935" cy="1344921"/>
+          </a:xfrm>
+        </p:spPr>
+        <p:txBody>
+          <a:bodyPr anchor="t">
+            <a:normAutofit/>
+          </a:bodyPr>
+          <a:lstStyle>
+            <a:lvl1pPr marL="0" indent="0">
+              <a:buNone/>
+              <a:defRPr sz="1400"/>
+            </a:lvl1pPr>
+            <a:lvl2pPr marL="457200" indent="0">
+              <a:buNone/>
+              <a:defRPr sz="1200"/>
+            </a:lvl2pPr>
+            <a:lvl3pPr marL="914400" indent="0">
+              <a:buNone/>
+              <a:defRPr sz="1000"/>
+            </a:lvl3pPr>
+            <a:lvl4pPr marL="1371600" indent="0">
+              <a:buNone/>
+              <a:defRPr sz="900"/>
+            </a:lvl4pPr>
+            <a:lvl5pPr marL="1828800" indent="0">
+              <a:buNone/>
+              <a:defRPr sz="900"/>
+            </a:lvl5pPr>
+            <a:lvl6pPr marL="2286000" indent="0">
+              <a:buNone/>
+              <a:defRPr sz="900"/>
+            </a:lvl6pPr>
+            <a:lvl7pPr marL="2743200" indent="0">
+              <a:buNone/>
+              <a:defRPr sz="900"/>
+            </a:lvl7pPr>
+            <a:lvl8pPr marL="3200400" indent="0">
+              <a:buNone/>
+              <a:defRPr sz="900"/>
+            </a:lvl8pPr>
+            <a:lvl9pPr marL="3657600" indent="0">
+              <a:buNone/>
+              <a:defRPr sz="900"/>
+            </a:lvl9pPr>
+          </a:lstStyle>
+          <a:p>
+            <a:pPr lvl="0"/>
+            <a:r>
+              <a:rPr lang="en-US"/>
+              <a:t>Edit Master text styles</a:t>
+            </a:r>
+          </a:p>
+        </p:txBody>
+      </p:sp>
+      <p:sp>
+        <p:nvSpPr>
+          <p:cNvPr id="25" name="Text Placeholder 4"/>
           <p:cNvSpPr>
             <a:spLocks noGrp="1"/>
           </p:cNvSpPr>
@@ -1996,8 +2676,8 @@
         </p:nvSpPr>
         <p:spPr>
           <a:xfrm>
-            <a:off x="2589212" y="4343400"/>
-            <a:ext cx="8915400" cy="838200"/>
+            <a:off x="8049731" y="4191000"/>
+            <a:ext cx="3456469" cy="682765"/>
           </a:xfrm>
         </p:spPr>
         <p:txBody>
@@ -2006,34 +2686,45 @@
           </a:bodyPr>
           <a:lstStyle>
             <a:lvl1pPr marL="0" indent="0">
-              <a:buFontTx/>
-              <a:buNone/>
-              <a:defRPr sz="2400">
+              <a:buNone/>
+              <a:defRPr sz="2400" b="0">
                 <a:solidFill>
-                  <a:schemeClr val="accent1"/>
+                  <a:schemeClr val="tx1"/>
                 </a:solidFill>
               </a:defRPr>
             </a:lvl1pPr>
             <a:lvl2pPr marL="457200" indent="0">
-              <a:buFontTx/>
-              <a:buNone/>
-              <a:defRPr/>
+              <a:buNone/>
+              <a:defRPr sz="2000" b="1"/>
             </a:lvl2pPr>
             <a:lvl3pPr marL="914400" indent="0">
-              <a:buFontTx/>
-              <a:buNone/>
-              <a:defRPr/>
+              <a:buNone/>
+              <a:defRPr sz="1800" b="1"/>
             </a:lvl3pPr>
             <a:lvl4pPr marL="1371600" indent="0">
-              <a:buFontTx/>
-              <a:buNone/>
-              <a:defRPr/>
+              <a:buNone/>
+              <a:defRPr sz="1600" b="1"/>
             </a:lvl4pPr>
             <a:lvl5pPr marL="1828800" indent="0">
-              <a:buFontTx/>
-              <a:buNone/>
-              <a:defRPr/>
+              <a:buNone/>
+              <a:defRPr sz="1600" b="1"/>
             </a:lvl5pPr>
+            <a:lvl6pPr marL="2286000" indent="0">
+              <a:buNone/>
+              <a:defRPr sz="1600" b="1"/>
+            </a:lvl6pPr>
+            <a:lvl7pPr marL="2743200" indent="0">
+              <a:buNone/>
+              <a:defRPr sz="1600" b="1"/>
+            </a:lvl7pPr>
+            <a:lvl8pPr marL="3200400" indent="0">
+              <a:buNone/>
+              <a:defRPr sz="1600" b="1"/>
+            </a:lvl8pPr>
+            <a:lvl9pPr marL="3657600" indent="0">
+              <a:buNone/>
+              <a:defRPr sz="1600" b="1"/>
+            </a:lvl9pPr>
           </a:lstStyle>
           <a:p>
             <a:pPr lvl="0"/>
@@ -2046,41 +2737,143 @@
       </p:sp>
       <p:sp>
         <p:nvSpPr>
-          <p:cNvPr id="4" name="Text Placeholder 3"/>
+          <p:cNvPr id="26" name="Picture Placeholder 2"/>
+          <p:cNvSpPr>
+            <a:spLocks noGrp="1" noChangeAspect="1"/>
+          </p:cNvSpPr>
+          <p:nvPr>
+            <p:ph type="pic" idx="22"/>
+          </p:nvPr>
+        </p:nvSpPr>
+        <p:spPr>
+          <a:xfrm>
+            <a:off x="8049855" y="2362200"/>
+            <a:ext cx="3447878" cy="1524000"/>
+          </a:xfrm>
+          <a:prstGeom prst="roundRect">
+            <a:avLst>
+              <a:gd name="adj" fmla="val 0"/>
+            </a:avLst>
+          </a:prstGeom>
+          <a:effectLst>
+            <a:outerShdw blurRad="50800" dist="50800" dir="5400000" algn="tl" rotWithShape="0">
+              <a:srgbClr val="000000">
+                <a:alpha val="43000"/>
+              </a:srgbClr>
+            </a:outerShdw>
+          </a:effectLst>
+        </p:spPr>
+        <p:txBody>
+          <a:bodyPr anchor="t">
+            <a:normAutofit/>
+          </a:bodyPr>
+          <a:lstStyle>
+            <a:lvl1pPr marL="0" indent="0" algn="ctr">
+              <a:buNone/>
+              <a:defRPr sz="1600"/>
+            </a:lvl1pPr>
+            <a:lvl2pPr marL="457200" indent="0">
+              <a:buNone/>
+              <a:defRPr sz="1600"/>
+            </a:lvl2pPr>
+            <a:lvl3pPr marL="914400" indent="0">
+              <a:buNone/>
+              <a:defRPr sz="1600"/>
+            </a:lvl3pPr>
+            <a:lvl4pPr marL="1371600" indent="0">
+              <a:buNone/>
+              <a:defRPr sz="1600"/>
+            </a:lvl4pPr>
+            <a:lvl5pPr marL="1828800" indent="0">
+              <a:buNone/>
+              <a:defRPr sz="1600"/>
+            </a:lvl5pPr>
+            <a:lvl6pPr marL="2286000" indent="0">
+              <a:buNone/>
+              <a:defRPr sz="1600"/>
+            </a:lvl6pPr>
+            <a:lvl7pPr marL="2743200" indent="0">
+              <a:buNone/>
+              <a:defRPr sz="1600"/>
+            </a:lvl7pPr>
+            <a:lvl8pPr marL="3200400" indent="0">
+              <a:buNone/>
+              <a:defRPr sz="1600"/>
+            </a:lvl8pPr>
+            <a:lvl9pPr marL="3657600" indent="0">
+              <a:buNone/>
+              <a:defRPr sz="1600"/>
+            </a:lvl9pPr>
+          </a:lstStyle>
+          <a:p>
+            <a:r>
+              <a:rPr lang="en-US"/>
+              <a:t>Click icon to add picture</a:t>
+            </a:r>
+            <a:endParaRPr lang="en-US" dirty="0"/>
+          </a:p>
+        </p:txBody>
+      </p:sp>
+      <p:sp>
+        <p:nvSpPr>
+          <p:cNvPr id="27" name="Text Placeholder 3"/>
           <p:cNvSpPr>
             <a:spLocks noGrp="1"/>
           </p:cNvSpPr>
           <p:nvPr>
-            <p:ph type="body" sz="half" idx="2"/>
+            <p:ph type="body" sz="half" idx="20"/>
           </p:nvPr>
         </p:nvSpPr>
         <p:spPr>
           <a:xfrm>
-            <a:off x="2589213" y="5181600"/>
-            <a:ext cx="8915400" cy="729622"/>
-          </a:xfrm>
-        </p:spPr>
-        <p:txBody>
-          <a:bodyPr vert="horz" lIns="91440" tIns="45720" rIns="91440" bIns="45720" rtlCol="0" anchor="t">
+            <a:off x="8049731" y="4873761"/>
+            <a:ext cx="3452445" cy="1344921"/>
+          </a:xfrm>
+        </p:spPr>
+        <p:txBody>
+          <a:bodyPr anchor="t">
             <a:normAutofit/>
           </a:bodyPr>
           <a:lstStyle>
-            <a:lvl1pPr>
-              <a:buNone/>
-              <a:defRPr lang="en-US">
-                <a:solidFill>
-                  <a:schemeClr val="tx1">
-                    <a:lumMod val="65000"/>
-                    <a:lumOff val="35000"/>
-                  </a:schemeClr>
-                </a:solidFill>
-              </a:defRPr>
+            <a:lvl1pPr marL="0" indent="0">
+              <a:buNone/>
+              <a:defRPr sz="1400"/>
             </a:lvl1pPr>
+            <a:lvl2pPr marL="457200" indent="0">
+              <a:buNone/>
+              <a:defRPr sz="1200"/>
+            </a:lvl2pPr>
+            <a:lvl3pPr marL="914400" indent="0">
+              <a:buNone/>
+              <a:defRPr sz="1000"/>
+            </a:lvl3pPr>
+            <a:lvl4pPr marL="1371600" indent="0">
+              <a:buNone/>
+              <a:defRPr sz="900"/>
+            </a:lvl4pPr>
+            <a:lvl5pPr marL="1828800" indent="0">
+              <a:buNone/>
+              <a:defRPr sz="900"/>
+            </a:lvl5pPr>
+            <a:lvl6pPr marL="2286000" indent="0">
+              <a:buNone/>
+              <a:defRPr sz="900"/>
+            </a:lvl6pPr>
+            <a:lvl7pPr marL="2743200" indent="0">
+              <a:buNone/>
+              <a:defRPr sz="900"/>
+            </a:lvl7pPr>
+            <a:lvl8pPr marL="3200400" indent="0">
+              <a:buNone/>
+              <a:defRPr sz="900"/>
+            </a:lvl8pPr>
+            <a:lvl9pPr marL="3657600" indent="0">
+              <a:buNone/>
+              <a:defRPr sz="900"/>
+            </a:lvl9pPr>
           </a:lstStyle>
           <a:p>
-            <a:pPr marL="0" lvl="0" indent="0">
-              <a:buNone/>
-            </a:pPr>
+            <a:pPr lvl="0"/>
             <a:r>
               <a:rPr lang="en-US"/>
               <a:t>Edit Master text styles</a:t>
@@ -2090,7 +2883,7 @@
       </p:sp>
       <p:sp>
         <p:nvSpPr>
-          <p:cNvPr id="5" name="Date Placeholder 4"/>
+          <p:cNvPr id="3" name="Date Placeholder 2"/>
           <p:cNvSpPr>
             <a:spLocks noGrp="1"/>
           </p:cNvSpPr>
@@ -2105,7 +2898,7 @@
           <a:p>
             <a:fld id="{9D1441F9-EC97-2D4F-BE7B-2F3A7CF96111}" type="datetimeFigureOut">
               <a:rPr lang="en-US" smtClean="0"/>
-              <a:t>10/30/18</a:t>
+              <a:t>11/15/18</a:t>
             </a:fld>
             <a:endParaRPr lang="en-US" dirty="0"/>
           </a:p>
@@ -2113,7 +2906,7 @@
       </p:sp>
       <p:sp>
         <p:nvSpPr>
-          <p:cNvPr id="6" name="Footer Placeholder 5"/>
+          <p:cNvPr id="4" name="Footer Placeholder 3"/>
           <p:cNvSpPr>
             <a:spLocks noGrp="1"/>
           </p:cNvSpPr>
@@ -2132,89 +2925,7 @@
       </p:sp>
       <p:sp>
         <p:nvSpPr>
-          <p:cNvPr id="9" name="Freeform 11"/>
-          <p:cNvSpPr/>
-          <p:nvPr/>
-        </p:nvSpPr>
-        <p:spPr bwMode="auto">
-          <a:xfrm flipV="1">
-            <a:off x="-4189" y="4911725"/>
-            <a:ext cx="1588527" cy="507297"/>
-          </a:xfrm>
-          <a:custGeom>
-            <a:avLst/>
-            <a:gdLst/>
-            <a:ahLst/>
-            <a:cxnLst/>
-            <a:rect l="l" t="t" r="r" b="b"/>
-            <a:pathLst>
-              <a:path w="9248" h="10000">
-                <a:moveTo>
-                  <a:pt x="9248" y="4701"/>
-                </a:moveTo>
-                <a:lnTo>
-                  <a:pt x="7915" y="188"/>
-                </a:lnTo>
-                <a:cubicBezTo>
-                  <a:pt x="7906" y="156"/>
-                  <a:pt x="7895" y="126"/>
-                  <a:pt x="7886" y="94"/>
-                </a:cubicBezTo>
-                <a:cubicBezTo>
-                  <a:pt x="7859" y="0"/>
-                  <a:pt x="7831" y="0"/>
-                  <a:pt x="7803" y="0"/>
-                </a:cubicBezTo>
-                <a:lnTo>
-                  <a:pt x="7275" y="0"/>
-                </a:lnTo>
-                <a:lnTo>
-                  <a:pt x="0" y="70"/>
-                </a:lnTo>
-                <a:cubicBezTo>
-                  <a:pt x="8" y="3380"/>
-                  <a:pt x="17" y="6690"/>
-                  <a:pt x="25" y="10000"/>
-                </a:cubicBezTo>
-                <a:lnTo>
-                  <a:pt x="7275" y="9966"/>
-                </a:lnTo>
-                <a:lnTo>
-                  <a:pt x="7803" y="9966"/>
-                </a:lnTo>
-                <a:cubicBezTo>
-                  <a:pt x="7831" y="9966"/>
-                  <a:pt x="7859" y="9872"/>
-                  <a:pt x="7886" y="9872"/>
-                </a:cubicBezTo>
-                <a:cubicBezTo>
-                  <a:pt x="7886" y="9778"/>
-                  <a:pt x="7915" y="9778"/>
-                  <a:pt x="7915" y="9778"/>
-                </a:cubicBezTo>
-                <a:lnTo>
-                  <a:pt x="9248" y="5265"/>
-                </a:lnTo>
-                <a:cubicBezTo>
-                  <a:pt x="9303" y="5077"/>
-                  <a:pt x="9303" y="4889"/>
-                  <a:pt x="9248" y="4701"/>
-                </a:cubicBezTo>
-                <a:close/>
-              </a:path>
-            </a:pathLst>
-          </a:custGeom>
-          <a:solidFill>
-            <a:schemeClr val="accent1"/>
-          </a:solidFill>
-          <a:ln>
-            <a:noFill/>
-          </a:ln>
-        </p:spPr>
-      </p:sp>
-      <p:sp>
-        <p:nvSpPr>
-          <p:cNvPr id="7" name="Slide Number Placeholder 6"/>
+          <p:cNvPr id="5" name="Slide Number Placeholder 4"/>
           <p:cNvSpPr>
             <a:spLocks noGrp="1"/>
           </p:cNvSpPr>
@@ -2222,12 +2933,7 @@
             <p:ph type="sldNum" sz="quarter" idx="12"/>
           </p:nvPr>
         </p:nvSpPr>
-        <p:spPr>
-          <a:xfrm>
-            <a:off x="531812" y="4983087"/>
-            <a:ext cx="779767" cy="365125"/>
-          </a:xfrm>
-        </p:spPr>
+        <p:spPr/>
         <p:txBody>
           <a:bodyPr/>
           <a:lstStyle/>
@@ -2243,7 +2949,7 @@
     </p:spTree>
     <p:extLst>
       <p:ext uri="{BB962C8B-B14F-4D97-AF65-F5344CB8AC3E}">
-        <p14:creationId xmlns:p14="http://schemas.microsoft.com/office/powerpoint/2010/main" val="3526747237"/>
+        <p14:creationId xmlns:p14="http://schemas.microsoft.com/office/powerpoint/2010/main" val="1564556017"/>
       </p:ext>
     </p:extLst>
   </p:cSld>
@@ -2253,7 +2959,7 @@
 </p:sldLayout>
 </file>
 
-<file path=ppt/slideLayouts/slideLayout15.xml><?xml version="1.0" encoding="utf-8"?>
+<file path=ppt/slideLayouts/slideLayout16.xml><?xml version="1.0" encoding="utf-8"?>
 <p:sldLayout xmlns:a="http://schemas.openxmlformats.org/drawingml/2006/main" xmlns:r="http://schemas.openxmlformats.org/officeDocument/2006/relationships" xmlns:p="http://schemas.openxmlformats.org/presentationml/2006/main" type="vertTx" preserve="1">
   <p:cSld name="Title and Vertical Text">
     <p:spTree>
@@ -2303,9 +3009,14 @@
             <p:ph type="body" orient="vert" idx="1"/>
           </p:nvPr>
         </p:nvSpPr>
-        <p:spPr/>
-        <p:txBody>
-          <a:bodyPr vert="eaVert" anchor="t"/>
+        <p:spPr>
+          <a:xfrm>
+            <a:off x="685800" y="2194559"/>
+            <a:ext cx="10820400" cy="4024125"/>
+          </a:xfrm>
+        </p:spPr>
+        <p:txBody>
+          <a:bodyPr vert="eaVert"/>
           <a:lstStyle/>
           <a:p>
             <a:pPr lvl="0"/>
@@ -2362,7 +3073,7 @@
           <a:p>
             <a:fld id="{9D1441F9-EC97-2D4F-BE7B-2F3A7CF96111}" type="datetimeFigureOut">
               <a:rPr lang="en-US" smtClean="0"/>
-              <a:t>10/30/18</a:t>
+              <a:t>11/15/18</a:t>
             </a:fld>
             <a:endParaRPr lang="en-US" dirty="0"/>
           </a:p>
@@ -2389,88 +3100,6 @@
       </p:sp>
       <p:sp>
         <p:nvSpPr>
-          <p:cNvPr id="8" name="Freeform 11"/>
-          <p:cNvSpPr/>
-          <p:nvPr/>
-        </p:nvSpPr>
-        <p:spPr bwMode="auto">
-          <a:xfrm flipV="1">
-            <a:off x="-4189" y="714375"/>
-            <a:ext cx="1588527" cy="507297"/>
-          </a:xfrm>
-          <a:custGeom>
-            <a:avLst/>
-            <a:gdLst/>
-            <a:ahLst/>
-            <a:cxnLst/>
-            <a:rect l="l" t="t" r="r" b="b"/>
-            <a:pathLst>
-              <a:path w="9248" h="10000">
-                <a:moveTo>
-                  <a:pt x="9248" y="4701"/>
-                </a:moveTo>
-                <a:lnTo>
-                  <a:pt x="7915" y="188"/>
-                </a:lnTo>
-                <a:cubicBezTo>
-                  <a:pt x="7906" y="156"/>
-                  <a:pt x="7895" y="126"/>
-                  <a:pt x="7886" y="94"/>
-                </a:cubicBezTo>
-                <a:cubicBezTo>
-                  <a:pt x="7859" y="0"/>
-                  <a:pt x="7831" y="0"/>
-                  <a:pt x="7803" y="0"/>
-                </a:cubicBezTo>
-                <a:lnTo>
-                  <a:pt x="7275" y="0"/>
-                </a:lnTo>
-                <a:lnTo>
-                  <a:pt x="0" y="70"/>
-                </a:lnTo>
-                <a:cubicBezTo>
-                  <a:pt x="8" y="3380"/>
-                  <a:pt x="17" y="6690"/>
-                  <a:pt x="25" y="10000"/>
-                </a:cubicBezTo>
-                <a:lnTo>
-                  <a:pt x="7275" y="9966"/>
-                </a:lnTo>
-                <a:lnTo>
-                  <a:pt x="7803" y="9966"/>
-                </a:lnTo>
-                <a:cubicBezTo>
-                  <a:pt x="7831" y="9966"/>
-                  <a:pt x="7859" y="9872"/>
-                  <a:pt x="7886" y="9872"/>
-                </a:cubicBezTo>
-                <a:cubicBezTo>
-                  <a:pt x="7886" y="9778"/>
-                  <a:pt x="7915" y="9778"/>
-                  <a:pt x="7915" y="9778"/>
-                </a:cubicBezTo>
-                <a:lnTo>
-                  <a:pt x="9248" y="5265"/>
-                </a:lnTo>
-                <a:cubicBezTo>
-                  <a:pt x="9303" y="5077"/>
-                  <a:pt x="9303" y="4889"/>
-                  <a:pt x="9248" y="4701"/>
-                </a:cubicBezTo>
-                <a:close/>
-              </a:path>
-            </a:pathLst>
-          </a:custGeom>
-          <a:solidFill>
-            <a:schemeClr val="accent1"/>
-          </a:solidFill>
-          <a:ln>
-            <a:noFill/>
-          </a:ln>
-        </p:spPr>
-      </p:sp>
-      <p:sp>
-        <p:nvSpPr>
           <p:cNvPr id="6" name="Slide Number Placeholder 5"/>
           <p:cNvSpPr>
             <a:spLocks noGrp="1"/>
@@ -2495,7 +3124,7 @@
     </p:spTree>
     <p:extLst>
       <p:ext uri="{BB962C8B-B14F-4D97-AF65-F5344CB8AC3E}">
-        <p14:creationId xmlns:p14="http://schemas.microsoft.com/office/powerpoint/2010/main" val="2705541365"/>
+        <p14:creationId xmlns:p14="http://schemas.microsoft.com/office/powerpoint/2010/main" val="546863858"/>
       </p:ext>
     </p:extLst>
   </p:cSld>
@@ -2505,8 +3134,8 @@
 </p:sldLayout>
 </file>
 
-<file path=ppt/slideLayouts/slideLayout16.xml><?xml version="1.0" encoding="utf-8"?>
-<p:sldLayout xmlns:a="http://schemas.openxmlformats.org/drawingml/2006/main" xmlns:r="http://schemas.openxmlformats.org/officeDocument/2006/relationships" xmlns:p="http://schemas.openxmlformats.org/presentationml/2006/main" type="vertTitleAndTx" preserve="1">
+<file path=ppt/slideLayouts/slideLayout17.xml><?xml version="1.0" encoding="utf-8"?>
+<p:sldLayout xmlns:a="http://schemas.openxmlformats.org/drawingml/2006/main" xmlns:r="http://schemas.openxmlformats.org/officeDocument/2006/relationships" xmlns:p="http://schemas.openxmlformats.org/presentationml/2006/main" showMasterSp="0" type="vertTitleAndTx" preserve="1">
   <p:cSld name="Vertical Title and Text">
     <p:spTree>
       <p:nvGrpSpPr>
@@ -2522,6 +3151,36 @@
           <a:chExt cx="0" cy="0"/>
         </a:xfrm>
       </p:grpSpPr>
+      <p:pic>
+        <p:nvPicPr>
+          <p:cNvPr id="8" name="Picture 7" descr="C0-HD-BTM.png"/>
+          <p:cNvPicPr>
+            <a:picLocks noChangeAspect="1"/>
+          </p:cNvPicPr>
+          <p:nvPr/>
+        </p:nvPicPr>
+        <p:blipFill>
+          <a:blip r:embed="rId2">
+            <a:extLst>
+              <a:ext uri="{28A0092B-C50C-407E-A947-70E740481C1C}">
+                <a14:useLocalDpi xmlns:a14="http://schemas.microsoft.com/office/drawing/2010/main" val="0"/>
+              </a:ext>
+            </a:extLst>
+          </a:blip>
+          <a:stretch>
+            <a:fillRect/>
+          </a:stretch>
+        </p:blipFill>
+        <p:spPr>
+          <a:xfrm>
+            <a:off x="0" y="4375150"/>
+            <a:ext cx="12192000" cy="2482850"/>
+          </a:xfrm>
+          <a:prstGeom prst="rect">
+            <a:avLst/>
+          </a:prstGeom>
+        </p:spPr>
+      </p:pic>
       <p:sp>
         <p:nvSpPr>
           <p:cNvPr id="2" name="Vertical Title 1"/>
@@ -2534,13 +3193,17 @@
         </p:nvSpPr>
         <p:spPr>
           <a:xfrm>
-            <a:off x="9294812" y="627405"/>
-            <a:ext cx="2207601" cy="5283817"/>
-          </a:xfrm>
-        </p:spPr>
-        <p:txBody>
-          <a:bodyPr vert="eaVert" anchor="ctr"/>
-          <a:lstStyle/>
+            <a:off x="9448800" y="745066"/>
+            <a:ext cx="2057400" cy="3903133"/>
+          </a:xfrm>
+        </p:spPr>
+        <p:txBody>
+          <a:bodyPr vert="eaVert"/>
+          <a:lstStyle>
+            <a:lvl1pPr algn="l">
+              <a:defRPr/>
+            </a:lvl1pPr>
+          </a:lstStyle>
           <a:p>
             <a:r>
               <a:rPr lang="en-US"/>
@@ -2562,8 +3225,8 @@
         </p:nvSpPr>
         <p:spPr>
           <a:xfrm>
-            <a:off x="2589212" y="627405"/>
-            <a:ext cx="6477000" cy="5283817"/>
+            <a:off x="1024466" y="745067"/>
+            <a:ext cx="8204201" cy="3903133"/>
           </a:xfrm>
         </p:spPr>
         <p:txBody>
@@ -2617,14 +3280,23 @@
             <p:ph type="dt" sz="half" idx="10"/>
           </p:nvPr>
         </p:nvSpPr>
-        <p:spPr/>
+        <p:spPr>
+          <a:xfrm>
+            <a:off x="7814452" y="379941"/>
+            <a:ext cx="2910840" cy="365125"/>
+          </a:xfrm>
+        </p:spPr>
         <p:txBody>
           <a:bodyPr/>
-          <a:lstStyle/>
+          <a:lstStyle>
+            <a:lvl1pPr algn="r">
+              <a:defRPr/>
+            </a:lvl1pPr>
+          </a:lstStyle>
           <a:p>
             <a:fld id="{9D1441F9-EC97-2D4F-BE7B-2F3A7CF96111}" type="datetimeFigureOut">
               <a:rPr lang="en-US" smtClean="0"/>
-              <a:t>10/30/18</a:t>
+              <a:t>11/15/18</a:t>
             </a:fld>
             <a:endParaRPr lang="en-US" dirty="0"/>
           </a:p>
@@ -2640,7 +3312,12 @@
             <p:ph type="ftr" sz="quarter" idx="11"/>
           </p:nvPr>
         </p:nvSpPr>
-        <p:spPr/>
+        <p:spPr>
+          <a:xfrm>
+            <a:off x="685800" y="381000"/>
+            <a:ext cx="6991492" cy="365125"/>
+          </a:xfrm>
+        </p:spPr>
         <p:txBody>
           <a:bodyPr/>
           <a:lstStyle/>
@@ -2648,88 +3325,6 @@
             <a:endParaRPr lang="en-US" dirty="0"/>
           </a:p>
         </p:txBody>
-      </p:sp>
-      <p:sp>
-        <p:nvSpPr>
-          <p:cNvPr id="8" name="Freeform 11"/>
-          <p:cNvSpPr/>
-          <p:nvPr/>
-        </p:nvSpPr>
-        <p:spPr bwMode="auto">
-          <a:xfrm flipV="1">
-            <a:off x="-4189" y="714375"/>
-            <a:ext cx="1588527" cy="507297"/>
-          </a:xfrm>
-          <a:custGeom>
-            <a:avLst/>
-            <a:gdLst/>
-            <a:ahLst/>
-            <a:cxnLst/>
-            <a:rect l="l" t="t" r="r" b="b"/>
-            <a:pathLst>
-              <a:path w="9248" h="10000">
-                <a:moveTo>
-                  <a:pt x="9248" y="4701"/>
-                </a:moveTo>
-                <a:lnTo>
-                  <a:pt x="7915" y="188"/>
-                </a:lnTo>
-                <a:cubicBezTo>
-                  <a:pt x="7906" y="156"/>
-                  <a:pt x="7895" y="126"/>
-                  <a:pt x="7886" y="94"/>
-                </a:cubicBezTo>
-                <a:cubicBezTo>
-                  <a:pt x="7859" y="0"/>
-                  <a:pt x="7831" y="0"/>
-                  <a:pt x="7803" y="0"/>
-                </a:cubicBezTo>
-                <a:lnTo>
-                  <a:pt x="7275" y="0"/>
-                </a:lnTo>
-                <a:lnTo>
-                  <a:pt x="0" y="70"/>
-                </a:lnTo>
-                <a:cubicBezTo>
-                  <a:pt x="8" y="3380"/>
-                  <a:pt x="17" y="6690"/>
-                  <a:pt x="25" y="10000"/>
-                </a:cubicBezTo>
-                <a:lnTo>
-                  <a:pt x="7275" y="9966"/>
-                </a:lnTo>
-                <a:lnTo>
-                  <a:pt x="7803" y="9966"/>
-                </a:lnTo>
-                <a:cubicBezTo>
-                  <a:pt x="7831" y="9966"/>
-                  <a:pt x="7859" y="9872"/>
-                  <a:pt x="7886" y="9872"/>
-                </a:cubicBezTo>
-                <a:cubicBezTo>
-                  <a:pt x="7886" y="9778"/>
-                  <a:pt x="7915" y="9778"/>
-                  <a:pt x="7915" y="9778"/>
-                </a:cubicBezTo>
-                <a:lnTo>
-                  <a:pt x="9248" y="5265"/>
-                </a:lnTo>
-                <a:cubicBezTo>
-                  <a:pt x="9303" y="5077"/>
-                  <a:pt x="9303" y="4889"/>
-                  <a:pt x="9248" y="4701"/>
-                </a:cubicBezTo>
-                <a:close/>
-              </a:path>
-            </a:pathLst>
-          </a:custGeom>
-          <a:solidFill>
-            <a:schemeClr val="accent1"/>
-          </a:solidFill>
-          <a:ln>
-            <a:noFill/>
-          </a:ln>
-        </p:spPr>
       </p:sp>
       <p:sp>
         <p:nvSpPr>
@@ -2741,7 +3336,12 @@
             <p:ph type="sldNum" sz="quarter" idx="12"/>
           </p:nvPr>
         </p:nvSpPr>
-        <p:spPr/>
+        <p:spPr>
+          <a:xfrm>
+            <a:off x="10862452" y="381000"/>
+            <a:ext cx="643748" cy="365125"/>
+          </a:xfrm>
+        </p:spPr>
         <p:txBody>
           <a:bodyPr/>
           <a:lstStyle/>
@@ -2757,7 +3357,7 @@
     </p:spTree>
     <p:extLst>
       <p:ext uri="{BB962C8B-B14F-4D97-AF65-F5344CB8AC3E}">
-        <p14:creationId xmlns:p14="http://schemas.microsoft.com/office/powerpoint/2010/main" val="1096019676"/>
+        <p14:creationId xmlns:p14="http://schemas.microsoft.com/office/powerpoint/2010/main" val="3583203833"/>
       </p:ext>
     </p:extLst>
   </p:cSld>
@@ -2794,12 +3394,7 @@
             <p:ph type="title"/>
           </p:nvPr>
         </p:nvSpPr>
-        <p:spPr>
-          <a:xfrm>
-            <a:off x="2592925" y="624110"/>
-            <a:ext cx="8911687" cy="1280890"/>
-          </a:xfrm>
-        </p:spPr>
+        <p:spPr/>
         <p:txBody>
           <a:bodyPr/>
           <a:lstStyle/>
@@ -2822,12 +3417,7 @@
             <p:ph idx="1"/>
           </p:nvPr>
         </p:nvSpPr>
-        <p:spPr>
-          <a:xfrm>
-            <a:off x="2589212" y="2133600"/>
-            <a:ext cx="8915400" cy="3777622"/>
-          </a:xfrm>
-        </p:spPr>
+        <p:spPr/>
         <p:txBody>
           <a:bodyPr/>
           <a:lstStyle/>
@@ -2886,7 +3476,7 @@
           <a:p>
             <a:fld id="{9D1441F9-EC97-2D4F-BE7B-2F3A7CF96111}" type="datetimeFigureOut">
               <a:rPr lang="en-US" smtClean="0"/>
-              <a:t>10/30/18</a:t>
+              <a:t>11/15/18</a:t>
             </a:fld>
             <a:endParaRPr lang="en-US" dirty="0"/>
           </a:p>
@@ -2913,88 +3503,6 @@
       </p:sp>
       <p:sp>
         <p:nvSpPr>
-          <p:cNvPr id="8" name="Freeform 11"/>
-          <p:cNvSpPr/>
-          <p:nvPr/>
-        </p:nvSpPr>
-        <p:spPr bwMode="auto">
-          <a:xfrm flipV="1">
-            <a:off x="-4189" y="714375"/>
-            <a:ext cx="1588527" cy="507297"/>
-          </a:xfrm>
-          <a:custGeom>
-            <a:avLst/>
-            <a:gdLst/>
-            <a:ahLst/>
-            <a:cxnLst/>
-            <a:rect l="l" t="t" r="r" b="b"/>
-            <a:pathLst>
-              <a:path w="9248" h="10000">
-                <a:moveTo>
-                  <a:pt x="9248" y="4701"/>
-                </a:moveTo>
-                <a:lnTo>
-                  <a:pt x="7915" y="188"/>
-                </a:lnTo>
-                <a:cubicBezTo>
-                  <a:pt x="7906" y="156"/>
-                  <a:pt x="7895" y="126"/>
-                  <a:pt x="7886" y="94"/>
-                </a:cubicBezTo>
-                <a:cubicBezTo>
-                  <a:pt x="7859" y="0"/>
-                  <a:pt x="7831" y="0"/>
-                  <a:pt x="7803" y="0"/>
-                </a:cubicBezTo>
-                <a:lnTo>
-                  <a:pt x="7275" y="0"/>
-                </a:lnTo>
-                <a:lnTo>
-                  <a:pt x="0" y="70"/>
-                </a:lnTo>
-                <a:cubicBezTo>
-                  <a:pt x="8" y="3380"/>
-                  <a:pt x="17" y="6690"/>
-                  <a:pt x="25" y="10000"/>
-                </a:cubicBezTo>
-                <a:lnTo>
-                  <a:pt x="7275" y="9966"/>
-                </a:lnTo>
-                <a:lnTo>
-                  <a:pt x="7803" y="9966"/>
-                </a:lnTo>
-                <a:cubicBezTo>
-                  <a:pt x="7831" y="9966"/>
-                  <a:pt x="7859" y="9872"/>
-                  <a:pt x="7886" y="9872"/>
-                </a:cubicBezTo>
-                <a:cubicBezTo>
-                  <a:pt x="7886" y="9778"/>
-                  <a:pt x="7915" y="9778"/>
-                  <a:pt x="7915" y="9778"/>
-                </a:cubicBezTo>
-                <a:lnTo>
-                  <a:pt x="9248" y="5265"/>
-                </a:lnTo>
-                <a:cubicBezTo>
-                  <a:pt x="9303" y="5077"/>
-                  <a:pt x="9303" y="4889"/>
-                  <a:pt x="9248" y="4701"/>
-                </a:cubicBezTo>
-                <a:close/>
-              </a:path>
-            </a:pathLst>
-          </a:custGeom>
-          <a:solidFill>
-            <a:schemeClr val="accent1"/>
-          </a:solidFill>
-          <a:ln>
-            <a:noFill/>
-          </a:ln>
-        </p:spPr>
-      </p:sp>
-      <p:sp>
-        <p:nvSpPr>
           <p:cNvPr id="6" name="Slide Number Placeholder 5"/>
           <p:cNvSpPr>
             <a:spLocks noGrp="1"/>
@@ -3019,7 +3527,7 @@
     </p:spTree>
     <p:extLst>
       <p:ext uri="{BB962C8B-B14F-4D97-AF65-F5344CB8AC3E}">
-        <p14:creationId xmlns:p14="http://schemas.microsoft.com/office/powerpoint/2010/main" val="2846506429"/>
+        <p14:creationId xmlns:p14="http://schemas.microsoft.com/office/powerpoint/2010/main" val="2730836864"/>
       </p:ext>
     </p:extLst>
   </p:cSld>
@@ -3030,7 +3538,7 @@
 </file>
 
 <file path=ppt/slideLayouts/slideLayout3.xml><?xml version="1.0" encoding="utf-8"?>
-<p:sldLayout xmlns:a="http://schemas.openxmlformats.org/drawingml/2006/main" xmlns:r="http://schemas.openxmlformats.org/officeDocument/2006/relationships" xmlns:p="http://schemas.openxmlformats.org/presentationml/2006/main" type="secHead" preserve="1">
+<p:sldLayout xmlns:a="http://schemas.openxmlformats.org/drawingml/2006/main" xmlns:r="http://schemas.openxmlformats.org/officeDocument/2006/relationships" xmlns:p="http://schemas.openxmlformats.org/presentationml/2006/main" showMasterSp="0" type="secHead" preserve="1">
   <p:cSld name="Section Header">
     <p:spTree>
       <p:nvGrpSpPr>
@@ -3046,6 +3554,36 @@
           <a:chExt cx="0" cy="0"/>
         </a:xfrm>
       </p:grpSpPr>
+      <p:pic>
+        <p:nvPicPr>
+          <p:cNvPr id="9" name="Picture 8" descr="C0-HD-BTM.png"/>
+          <p:cNvPicPr>
+            <a:picLocks noChangeAspect="1"/>
+          </p:cNvPicPr>
+          <p:nvPr/>
+        </p:nvPicPr>
+        <p:blipFill>
+          <a:blip r:embed="rId2">
+            <a:extLst>
+              <a:ext uri="{28A0092B-C50C-407E-A947-70E740481C1C}">
+                <a14:useLocalDpi xmlns:a14="http://schemas.microsoft.com/office/drawing/2010/main" val="0"/>
+              </a:ext>
+            </a:extLst>
+          </a:blip>
+          <a:stretch>
+            <a:fillRect/>
+          </a:stretch>
+        </p:blipFill>
+        <p:spPr>
+          <a:xfrm>
+            <a:off x="0" y="4375150"/>
+            <a:ext cx="12192000" cy="2482850"/>
+          </a:xfrm>
+          <a:prstGeom prst="rect">
+            <a:avLst/>
+          </a:prstGeom>
+        </p:spPr>
+      </p:pic>
       <p:sp>
         <p:nvSpPr>
           <p:cNvPr id="2" name="Title 1"/>
@@ -3058,15 +3596,17 @@
         </p:nvSpPr>
         <p:spPr>
           <a:xfrm>
-            <a:off x="2589212" y="2058750"/>
-            <a:ext cx="8915399" cy="1468800"/>
-          </a:xfrm>
-        </p:spPr>
-        <p:txBody>
-          <a:bodyPr anchor="b"/>
+            <a:off x="685800" y="753533"/>
+            <a:ext cx="10820399" cy="2801935"/>
+          </a:xfrm>
+        </p:spPr>
+        <p:txBody>
+          <a:bodyPr anchor="b">
+            <a:normAutofit/>
+          </a:bodyPr>
           <a:lstStyle>
-            <a:lvl1pPr algn="l">
-              <a:defRPr sz="4000" b="0" cap="none"/>
+            <a:lvl1pPr algn="r">
+              <a:defRPr sz="4000"/>
             </a:lvl1pPr>
           </a:lstStyle>
           <a:p>
@@ -3090,27 +3630,28 @@
         </p:nvSpPr>
         <p:spPr>
           <a:xfrm>
-            <a:off x="2589212" y="3530129"/>
-            <a:ext cx="8915399" cy="860400"/>
-          </a:xfrm>
-        </p:spPr>
-        <p:txBody>
-          <a:bodyPr anchor="t"/>
+            <a:off x="1024467" y="3641725"/>
+            <a:ext cx="10490200" cy="955675"/>
+          </a:xfrm>
+        </p:spPr>
+        <p:txBody>
+          <a:bodyPr>
+            <a:normAutofit/>
+          </a:bodyPr>
           <a:lstStyle>
-            <a:lvl1pPr marL="0" indent="0" algn="l">
-              <a:buNone/>
-              <a:defRPr sz="2000">
+            <a:lvl1pPr marL="0" indent="0" algn="r">
+              <a:buNone/>
+              <a:defRPr sz="2200">
                 <a:solidFill>
                   <a:schemeClr val="tx1">
-                    <a:lumMod val="65000"/>
-                    <a:lumOff val="35000"/>
+                    <a:tint val="75000"/>
                   </a:schemeClr>
                 </a:solidFill>
               </a:defRPr>
             </a:lvl1pPr>
             <a:lvl2pPr marL="457200" indent="0">
               <a:buNone/>
-              <a:defRPr sz="1800">
+              <a:defRPr sz="2000">
                 <a:solidFill>
                   <a:schemeClr val="tx1">
                     <a:tint val="75000"/>
@@ -3120,7 +3661,7 @@
             </a:lvl2pPr>
             <a:lvl3pPr marL="914400" indent="0">
               <a:buNone/>
-              <a:defRPr sz="1600">
+              <a:defRPr sz="1800">
                 <a:solidFill>
                   <a:schemeClr val="tx1">
                     <a:tint val="75000"/>
@@ -3130,7 +3671,7 @@
             </a:lvl3pPr>
             <a:lvl4pPr marL="1371600" indent="0">
               <a:buNone/>
-              <a:defRPr sz="1400">
+              <a:defRPr sz="1600">
                 <a:solidFill>
                   <a:schemeClr val="tx1">
                     <a:tint val="75000"/>
@@ -3140,7 +3681,7 @@
             </a:lvl4pPr>
             <a:lvl5pPr marL="1828800" indent="0">
               <a:buNone/>
-              <a:defRPr sz="1400">
+              <a:defRPr sz="1600">
                 <a:solidFill>
                   <a:schemeClr val="tx1">
                     <a:tint val="75000"/>
@@ -3150,7 +3691,7 @@
             </a:lvl5pPr>
             <a:lvl6pPr marL="2286000" indent="0">
               <a:buNone/>
-              <a:defRPr sz="1400">
+              <a:defRPr sz="1600">
                 <a:solidFill>
                   <a:schemeClr val="tx1">
                     <a:tint val="75000"/>
@@ -3160,7 +3701,7 @@
             </a:lvl6pPr>
             <a:lvl7pPr marL="2743200" indent="0">
               <a:buNone/>
-              <a:defRPr sz="1400">
+              <a:defRPr sz="1600">
                 <a:solidFill>
                   <a:schemeClr val="tx1">
                     <a:tint val="75000"/>
@@ -3170,7 +3711,7 @@
             </a:lvl7pPr>
             <a:lvl8pPr marL="3200400" indent="0">
               <a:buNone/>
-              <a:defRPr sz="1400">
+              <a:defRPr sz="1600">
                 <a:solidFill>
                   <a:schemeClr val="tx1">
                     <a:tint val="75000"/>
@@ -3180,7 +3721,7 @@
             </a:lvl8pPr>
             <a:lvl9pPr marL="3657600" indent="0">
               <a:buNone/>
-              <a:defRPr sz="1400">
+              <a:defRPr sz="1600">
                 <a:solidFill>
                   <a:schemeClr val="tx1">
                     <a:tint val="75000"/>
@@ -3208,14 +3749,23 @@
             <p:ph type="dt" sz="half" idx="10"/>
           </p:nvPr>
         </p:nvSpPr>
-        <p:spPr/>
+        <p:spPr>
+          <a:xfrm>
+            <a:off x="7814452" y="381000"/>
+            <a:ext cx="2910840" cy="365125"/>
+          </a:xfrm>
+        </p:spPr>
         <p:txBody>
           <a:bodyPr/>
-          <a:lstStyle/>
+          <a:lstStyle>
+            <a:lvl1pPr algn="r">
+              <a:defRPr/>
+            </a:lvl1pPr>
+          </a:lstStyle>
           <a:p>
             <a:fld id="{9D1441F9-EC97-2D4F-BE7B-2F3A7CF96111}" type="datetimeFigureOut">
               <a:rPr lang="en-US" smtClean="0"/>
-              <a:t>10/30/18</a:t>
+              <a:t>11/15/18</a:t>
             </a:fld>
             <a:endParaRPr lang="en-US" dirty="0"/>
           </a:p>
@@ -3231,7 +3781,12 @@
             <p:ph type="ftr" sz="quarter" idx="11"/>
           </p:nvPr>
         </p:nvSpPr>
-        <p:spPr/>
+        <p:spPr>
+          <a:xfrm>
+            <a:off x="685800" y="381001"/>
+            <a:ext cx="6991492" cy="364065"/>
+          </a:xfrm>
+        </p:spPr>
         <p:txBody>
           <a:bodyPr/>
           <a:lstStyle/>
@@ -3239,88 +3794,6 @@
             <a:endParaRPr lang="en-US" dirty="0"/>
           </a:p>
         </p:txBody>
-      </p:sp>
-      <p:sp>
-        <p:nvSpPr>
-          <p:cNvPr id="9" name="Freeform 11"/>
-          <p:cNvSpPr/>
-          <p:nvPr/>
-        </p:nvSpPr>
-        <p:spPr bwMode="auto">
-          <a:xfrm flipV="1">
-            <a:off x="-4189" y="3178175"/>
-            <a:ext cx="1588527" cy="507297"/>
-          </a:xfrm>
-          <a:custGeom>
-            <a:avLst/>
-            <a:gdLst/>
-            <a:ahLst/>
-            <a:cxnLst/>
-            <a:rect l="l" t="t" r="r" b="b"/>
-            <a:pathLst>
-              <a:path w="9248" h="10000">
-                <a:moveTo>
-                  <a:pt x="9248" y="4701"/>
-                </a:moveTo>
-                <a:lnTo>
-                  <a:pt x="7915" y="188"/>
-                </a:lnTo>
-                <a:cubicBezTo>
-                  <a:pt x="7906" y="156"/>
-                  <a:pt x="7895" y="126"/>
-                  <a:pt x="7886" y="94"/>
-                </a:cubicBezTo>
-                <a:cubicBezTo>
-                  <a:pt x="7859" y="0"/>
-                  <a:pt x="7831" y="0"/>
-                  <a:pt x="7803" y="0"/>
-                </a:cubicBezTo>
-                <a:lnTo>
-                  <a:pt x="7275" y="0"/>
-                </a:lnTo>
-                <a:lnTo>
-                  <a:pt x="0" y="70"/>
-                </a:lnTo>
-                <a:cubicBezTo>
-                  <a:pt x="8" y="3380"/>
-                  <a:pt x="17" y="6690"/>
-                  <a:pt x="25" y="10000"/>
-                </a:cubicBezTo>
-                <a:lnTo>
-                  <a:pt x="7275" y="9966"/>
-                </a:lnTo>
-                <a:lnTo>
-                  <a:pt x="7803" y="9966"/>
-                </a:lnTo>
-                <a:cubicBezTo>
-                  <a:pt x="7831" y="9966"/>
-                  <a:pt x="7859" y="9872"/>
-                  <a:pt x="7886" y="9872"/>
-                </a:cubicBezTo>
-                <a:cubicBezTo>
-                  <a:pt x="7886" y="9778"/>
-                  <a:pt x="7915" y="9778"/>
-                  <a:pt x="7915" y="9778"/>
-                </a:cubicBezTo>
-                <a:lnTo>
-                  <a:pt x="9248" y="5265"/>
-                </a:lnTo>
-                <a:cubicBezTo>
-                  <a:pt x="9303" y="5077"/>
-                  <a:pt x="9303" y="4889"/>
-                  <a:pt x="9248" y="4701"/>
-                </a:cubicBezTo>
-                <a:close/>
-              </a:path>
-            </a:pathLst>
-          </a:custGeom>
-          <a:solidFill>
-            <a:schemeClr val="accent1"/>
-          </a:solidFill>
-          <a:ln>
-            <a:noFill/>
-          </a:ln>
-        </p:spPr>
       </p:sp>
       <p:sp>
         <p:nvSpPr>
@@ -3334,8 +3807,8 @@
         </p:nvSpPr>
         <p:spPr>
           <a:xfrm>
-            <a:off x="531812" y="3244139"/>
-            <a:ext cx="779767" cy="365125"/>
+            <a:off x="10862452" y="381000"/>
+            <a:ext cx="643748" cy="365125"/>
           </a:xfrm>
         </p:spPr>
         <p:txBody>
@@ -3353,7 +3826,7 @@
     </p:spTree>
     <p:extLst>
       <p:ext uri="{BB962C8B-B14F-4D97-AF65-F5344CB8AC3E}">
-        <p14:creationId xmlns:p14="http://schemas.microsoft.com/office/powerpoint/2010/main" val="858201443"/>
+        <p14:creationId xmlns:p14="http://schemas.microsoft.com/office/powerpoint/2010/main" val="1555070668"/>
       </p:ext>
     </p:extLst>
   </p:cSld>
@@ -3382,7 +3855,7 @@
       </p:grpSpPr>
       <p:sp>
         <p:nvSpPr>
-          <p:cNvPr id="8" name="Title 7"/>
+          <p:cNvPr id="2" name="Title 1"/>
           <p:cNvSpPr>
             <a:spLocks noGrp="1"/>
           </p:cNvSpPr>
@@ -3415,14 +3888,12 @@
         </p:nvSpPr>
         <p:spPr>
           <a:xfrm>
-            <a:off x="2589212" y="2133600"/>
-            <a:ext cx="4313864" cy="3777622"/>
-          </a:xfrm>
-        </p:spPr>
-        <p:txBody>
-          <a:bodyPr>
-            <a:normAutofit/>
-          </a:bodyPr>
+            <a:off x="685800" y="2194559"/>
+            <a:ext cx="5334000" cy="4024125"/>
+          </a:xfrm>
+        </p:spPr>
+        <p:txBody>
+          <a:bodyPr/>
           <a:lstStyle/>
           <a:p>
             <a:pPr lvl="0"/>
@@ -3474,14 +3945,12 @@
         </p:nvSpPr>
         <p:spPr>
           <a:xfrm>
-            <a:off x="7190747" y="2126222"/>
-            <a:ext cx="4313864" cy="3777622"/>
-          </a:xfrm>
-        </p:spPr>
-        <p:txBody>
-          <a:bodyPr>
-            <a:normAutofit/>
-          </a:bodyPr>
+            <a:off x="6172200" y="2194559"/>
+            <a:ext cx="5334000" cy="4024125"/>
+          </a:xfrm>
+        </p:spPr>
+        <p:txBody>
+          <a:bodyPr/>
           <a:lstStyle/>
           <a:p>
             <a:pPr lvl="0"/>
@@ -3538,7 +4007,7 @@
           <a:p>
             <a:fld id="{9D1441F9-EC97-2D4F-BE7B-2F3A7CF96111}" type="datetimeFigureOut">
               <a:rPr lang="en-US" smtClean="0"/>
-              <a:t>10/30/18</a:t>
+              <a:t>11/15/18</a:t>
             </a:fld>
             <a:endParaRPr lang="en-US" dirty="0"/>
           </a:p>
@@ -3565,89 +4034,7 @@
       </p:sp>
       <p:sp>
         <p:nvSpPr>
-          <p:cNvPr id="10" name="Freeform 11"/>
-          <p:cNvSpPr/>
-          <p:nvPr/>
-        </p:nvSpPr>
-        <p:spPr bwMode="auto">
-          <a:xfrm flipV="1">
-            <a:off x="-4189" y="714375"/>
-            <a:ext cx="1588527" cy="507297"/>
-          </a:xfrm>
-          <a:custGeom>
-            <a:avLst/>
-            <a:gdLst/>
-            <a:ahLst/>
-            <a:cxnLst/>
-            <a:rect l="l" t="t" r="r" b="b"/>
-            <a:pathLst>
-              <a:path w="9248" h="10000">
-                <a:moveTo>
-                  <a:pt x="9248" y="4701"/>
-                </a:moveTo>
-                <a:lnTo>
-                  <a:pt x="7915" y="188"/>
-                </a:lnTo>
-                <a:cubicBezTo>
-                  <a:pt x="7906" y="156"/>
-                  <a:pt x="7895" y="126"/>
-                  <a:pt x="7886" y="94"/>
-                </a:cubicBezTo>
-                <a:cubicBezTo>
-                  <a:pt x="7859" y="0"/>
-                  <a:pt x="7831" y="0"/>
-                  <a:pt x="7803" y="0"/>
-                </a:cubicBezTo>
-                <a:lnTo>
-                  <a:pt x="7275" y="0"/>
-                </a:lnTo>
-                <a:lnTo>
-                  <a:pt x="0" y="70"/>
-                </a:lnTo>
-                <a:cubicBezTo>
-                  <a:pt x="8" y="3380"/>
-                  <a:pt x="17" y="6690"/>
-                  <a:pt x="25" y="10000"/>
-                </a:cubicBezTo>
-                <a:lnTo>
-                  <a:pt x="7275" y="9966"/>
-                </a:lnTo>
-                <a:lnTo>
-                  <a:pt x="7803" y="9966"/>
-                </a:lnTo>
-                <a:cubicBezTo>
-                  <a:pt x="7831" y="9966"/>
-                  <a:pt x="7859" y="9872"/>
-                  <a:pt x="7886" y="9872"/>
-                </a:cubicBezTo>
-                <a:cubicBezTo>
-                  <a:pt x="7886" y="9778"/>
-                  <a:pt x="7915" y="9778"/>
-                  <a:pt x="7915" y="9778"/>
-                </a:cubicBezTo>
-                <a:lnTo>
-                  <a:pt x="9248" y="5265"/>
-                </a:lnTo>
-                <a:cubicBezTo>
-                  <a:pt x="9303" y="5077"/>
-                  <a:pt x="9303" y="4889"/>
-                  <a:pt x="9248" y="4701"/>
-                </a:cubicBezTo>
-                <a:close/>
-              </a:path>
-            </a:pathLst>
-          </a:custGeom>
-          <a:solidFill>
-            <a:schemeClr val="accent1"/>
-          </a:solidFill>
-          <a:ln>
-            <a:noFill/>
-          </a:ln>
-        </p:spPr>
-      </p:sp>
-      <p:sp>
-        <p:nvSpPr>
-          <p:cNvPr id="11" name="Slide Number Placeholder 5"/>
+          <p:cNvPr id="7" name="Slide Number Placeholder 6"/>
           <p:cNvSpPr>
             <a:spLocks noGrp="1"/>
           </p:cNvSpPr>
@@ -3655,12 +4042,7 @@
             <p:ph type="sldNum" sz="quarter" idx="12"/>
           </p:nvPr>
         </p:nvSpPr>
-        <p:spPr>
-          <a:xfrm>
-            <a:off x="531812" y="787782"/>
-            <a:ext cx="779767" cy="365125"/>
-          </a:xfrm>
-        </p:spPr>
+        <p:spPr/>
         <p:txBody>
           <a:bodyPr/>
           <a:lstStyle/>
@@ -3676,7 +4058,7 @@
     </p:spTree>
     <p:extLst>
       <p:ext uri="{BB962C8B-B14F-4D97-AF65-F5344CB8AC3E}">
-        <p14:creationId xmlns:p14="http://schemas.microsoft.com/office/powerpoint/2010/main" val="3371575559"/>
+        <p14:creationId xmlns:p14="http://schemas.microsoft.com/office/powerpoint/2010/main" val="3422422521"/>
       </p:ext>
     </p:extLst>
   </p:cSld>
@@ -3705,7 +4087,7 @@
       </p:grpSpPr>
       <p:sp>
         <p:nvSpPr>
-          <p:cNvPr id="10" name="Title 9"/>
+          <p:cNvPr id="2" name="Title 1"/>
           <p:cNvSpPr>
             <a:spLocks noGrp="1"/>
           </p:cNvSpPr>
@@ -3713,7 +4095,12 @@
             <p:ph type="title"/>
           </p:nvPr>
         </p:nvSpPr>
-        <p:spPr/>
+        <p:spPr>
+          <a:xfrm>
+            <a:off x="2895600" y="762000"/>
+            <a:ext cx="8610600" cy="1295400"/>
+          </a:xfrm>
+        </p:spPr>
         <p:txBody>
           <a:bodyPr/>
           <a:lstStyle/>
@@ -3738,18 +4125,22 @@
         </p:nvSpPr>
         <p:spPr>
           <a:xfrm>
-            <a:off x="2939373" y="1972703"/>
-            <a:ext cx="3992732" cy="576262"/>
+            <a:off x="914409" y="2183802"/>
+            <a:ext cx="5079991" cy="823912"/>
           </a:xfrm>
         </p:spPr>
         <p:txBody>
           <a:bodyPr anchor="b">
-            <a:noAutofit/>
+            <a:normAutofit/>
           </a:bodyPr>
           <a:lstStyle>
             <a:lvl1pPr marL="0" indent="0">
               <a:buNone/>
-              <a:defRPr sz="2400" b="0"/>
+              <a:defRPr sz="2800" b="0">
+                <a:solidFill>
+                  <a:schemeClr val="tx1"/>
+                </a:solidFill>
+              </a:defRPr>
             </a:lvl1pPr>
             <a:lvl2pPr marL="457200" indent="0">
               <a:buNone/>
@@ -3805,14 +4196,12 @@
         </p:nvSpPr>
         <p:spPr>
           <a:xfrm>
-            <a:off x="2589212" y="2548966"/>
-            <a:ext cx="4342893" cy="3354060"/>
-          </a:xfrm>
-        </p:spPr>
-        <p:txBody>
-          <a:bodyPr>
-            <a:normAutofit/>
-          </a:bodyPr>
+            <a:off x="685800" y="3132666"/>
+            <a:ext cx="5311775" cy="3086019"/>
+          </a:xfrm>
+        </p:spPr>
+        <p:txBody>
+          <a:bodyPr/>
           <a:lstStyle/>
           <a:p>
             <a:pPr lvl="0"/>
@@ -3864,18 +4253,22 @@
         </p:nvSpPr>
         <p:spPr>
           <a:xfrm>
-            <a:off x="7506629" y="1969475"/>
-            <a:ext cx="3999001" cy="576262"/>
+            <a:off x="6400800" y="2183802"/>
+            <a:ext cx="5105400" cy="823912"/>
           </a:xfrm>
         </p:spPr>
         <p:txBody>
           <a:bodyPr anchor="b">
-            <a:noAutofit/>
+            <a:normAutofit/>
           </a:bodyPr>
           <a:lstStyle>
             <a:lvl1pPr marL="0" indent="0">
               <a:buNone/>
-              <a:defRPr sz="2400" b="0"/>
+              <a:defRPr sz="2800" b="0">
+                <a:solidFill>
+                  <a:schemeClr val="tx1"/>
+                </a:solidFill>
+              </a:defRPr>
             </a:lvl1pPr>
             <a:lvl2pPr marL="457200" indent="0">
               <a:buNone/>
@@ -3931,14 +4324,12 @@
         </p:nvSpPr>
         <p:spPr>
           <a:xfrm>
-            <a:off x="7166957" y="2545738"/>
-            <a:ext cx="4338674" cy="3354060"/>
-          </a:xfrm>
-        </p:spPr>
-        <p:txBody>
-          <a:bodyPr>
-            <a:normAutofit/>
-          </a:bodyPr>
+            <a:off x="6172200" y="3132666"/>
+            <a:ext cx="5334000" cy="3086019"/>
+          </a:xfrm>
+        </p:spPr>
+        <p:txBody>
+          <a:bodyPr/>
           <a:lstStyle/>
           <a:p>
             <a:pPr lvl="0"/>
@@ -3995,7 +4386,7 @@
           <a:p>
             <a:fld id="{9D1441F9-EC97-2D4F-BE7B-2F3A7CF96111}" type="datetimeFigureOut">
               <a:rPr lang="en-US" smtClean="0"/>
-              <a:t>10/30/18</a:t>
+              <a:t>11/15/18</a:t>
             </a:fld>
             <a:endParaRPr lang="en-US" dirty="0"/>
           </a:p>
@@ -4022,89 +4413,7 @@
       </p:sp>
       <p:sp>
         <p:nvSpPr>
-          <p:cNvPr id="12" name="Freeform 11"/>
-          <p:cNvSpPr/>
-          <p:nvPr/>
-        </p:nvSpPr>
-        <p:spPr bwMode="auto">
-          <a:xfrm flipV="1">
-            <a:off x="-4189" y="714375"/>
-            <a:ext cx="1588527" cy="507297"/>
-          </a:xfrm>
-          <a:custGeom>
-            <a:avLst/>
-            <a:gdLst/>
-            <a:ahLst/>
-            <a:cxnLst/>
-            <a:rect l="l" t="t" r="r" b="b"/>
-            <a:pathLst>
-              <a:path w="9248" h="10000">
-                <a:moveTo>
-                  <a:pt x="9248" y="4701"/>
-                </a:moveTo>
-                <a:lnTo>
-                  <a:pt x="7915" y="188"/>
-                </a:lnTo>
-                <a:cubicBezTo>
-                  <a:pt x="7906" y="156"/>
-                  <a:pt x="7895" y="126"/>
-                  <a:pt x="7886" y="94"/>
-                </a:cubicBezTo>
-                <a:cubicBezTo>
-                  <a:pt x="7859" y="0"/>
-                  <a:pt x="7831" y="0"/>
-                  <a:pt x="7803" y="0"/>
-                </a:cubicBezTo>
-                <a:lnTo>
-                  <a:pt x="7275" y="0"/>
-                </a:lnTo>
-                <a:lnTo>
-                  <a:pt x="0" y="70"/>
-                </a:lnTo>
-                <a:cubicBezTo>
-                  <a:pt x="8" y="3380"/>
-                  <a:pt x="17" y="6690"/>
-                  <a:pt x="25" y="10000"/>
-                </a:cubicBezTo>
-                <a:lnTo>
-                  <a:pt x="7275" y="9966"/>
-                </a:lnTo>
-                <a:lnTo>
-                  <a:pt x="7803" y="9966"/>
-                </a:lnTo>
-                <a:cubicBezTo>
-                  <a:pt x="7831" y="9966"/>
-                  <a:pt x="7859" y="9872"/>
-                  <a:pt x="7886" y="9872"/>
-                </a:cubicBezTo>
-                <a:cubicBezTo>
-                  <a:pt x="7886" y="9778"/>
-                  <a:pt x="7915" y="9778"/>
-                  <a:pt x="7915" y="9778"/>
-                </a:cubicBezTo>
-                <a:lnTo>
-                  <a:pt x="9248" y="5265"/>
-                </a:lnTo>
-                <a:cubicBezTo>
-                  <a:pt x="9303" y="5077"/>
-                  <a:pt x="9303" y="4889"/>
-                  <a:pt x="9248" y="4701"/>
-                </a:cubicBezTo>
-                <a:close/>
-              </a:path>
-            </a:pathLst>
-          </a:custGeom>
-          <a:solidFill>
-            <a:schemeClr val="accent1"/>
-          </a:solidFill>
-          <a:ln>
-            <a:noFill/>
-          </a:ln>
-        </p:spPr>
-      </p:sp>
-      <p:sp>
-        <p:nvSpPr>
-          <p:cNvPr id="13" name="Slide Number Placeholder 5"/>
+          <p:cNvPr id="9" name="Slide Number Placeholder 8"/>
           <p:cNvSpPr>
             <a:spLocks noGrp="1"/>
           </p:cNvSpPr>
@@ -4112,12 +4421,7 @@
             <p:ph type="sldNum" sz="quarter" idx="12"/>
           </p:nvPr>
         </p:nvSpPr>
-        <p:spPr>
-          <a:xfrm>
-            <a:off x="531812" y="787782"/>
-            <a:ext cx="779767" cy="365125"/>
-          </a:xfrm>
-        </p:spPr>
+        <p:spPr/>
         <p:txBody>
           <a:bodyPr/>
           <a:lstStyle/>
@@ -4133,7 +4437,7 @@
     </p:spTree>
     <p:extLst>
       <p:ext uri="{BB962C8B-B14F-4D97-AF65-F5344CB8AC3E}">
-        <p14:creationId xmlns:p14="http://schemas.microsoft.com/office/powerpoint/2010/main" val="2881095159"/>
+        <p14:creationId xmlns:p14="http://schemas.microsoft.com/office/powerpoint/2010/main" val="677144890"/>
       </p:ext>
     </p:extLst>
   </p:cSld>
@@ -4200,7 +4504,7 @@
           <a:p>
             <a:fld id="{9D1441F9-EC97-2D4F-BE7B-2F3A7CF96111}" type="datetimeFigureOut">
               <a:rPr lang="en-US" smtClean="0"/>
-              <a:t>10/30/18</a:t>
+              <a:t>11/15/18</a:t>
             </a:fld>
             <a:endParaRPr lang="en-US" dirty="0"/>
           </a:p>
@@ -4227,88 +4531,6 @@
       </p:sp>
       <p:sp>
         <p:nvSpPr>
-          <p:cNvPr id="7" name="Freeform 11"/>
-          <p:cNvSpPr/>
-          <p:nvPr/>
-        </p:nvSpPr>
-        <p:spPr bwMode="auto">
-          <a:xfrm flipV="1">
-            <a:off x="-4189" y="714375"/>
-            <a:ext cx="1588527" cy="507297"/>
-          </a:xfrm>
-          <a:custGeom>
-            <a:avLst/>
-            <a:gdLst/>
-            <a:ahLst/>
-            <a:cxnLst/>
-            <a:rect l="l" t="t" r="r" b="b"/>
-            <a:pathLst>
-              <a:path w="9248" h="10000">
-                <a:moveTo>
-                  <a:pt x="9248" y="4701"/>
-                </a:moveTo>
-                <a:lnTo>
-                  <a:pt x="7915" y="188"/>
-                </a:lnTo>
-                <a:cubicBezTo>
-                  <a:pt x="7906" y="156"/>
-                  <a:pt x="7895" y="126"/>
-                  <a:pt x="7886" y="94"/>
-                </a:cubicBezTo>
-                <a:cubicBezTo>
-                  <a:pt x="7859" y="0"/>
-                  <a:pt x="7831" y="0"/>
-                  <a:pt x="7803" y="0"/>
-                </a:cubicBezTo>
-                <a:lnTo>
-                  <a:pt x="7275" y="0"/>
-                </a:lnTo>
-                <a:lnTo>
-                  <a:pt x="0" y="70"/>
-                </a:lnTo>
-                <a:cubicBezTo>
-                  <a:pt x="8" y="3380"/>
-                  <a:pt x="17" y="6690"/>
-                  <a:pt x="25" y="10000"/>
-                </a:cubicBezTo>
-                <a:lnTo>
-                  <a:pt x="7275" y="9966"/>
-                </a:lnTo>
-                <a:lnTo>
-                  <a:pt x="7803" y="9966"/>
-                </a:lnTo>
-                <a:cubicBezTo>
-                  <a:pt x="7831" y="9966"/>
-                  <a:pt x="7859" y="9872"/>
-                  <a:pt x="7886" y="9872"/>
-                </a:cubicBezTo>
-                <a:cubicBezTo>
-                  <a:pt x="7886" y="9778"/>
-                  <a:pt x="7915" y="9778"/>
-                  <a:pt x="7915" y="9778"/>
-                </a:cubicBezTo>
-                <a:lnTo>
-                  <a:pt x="9248" y="5265"/>
-                </a:lnTo>
-                <a:cubicBezTo>
-                  <a:pt x="9303" y="5077"/>
-                  <a:pt x="9303" y="4889"/>
-                  <a:pt x="9248" y="4701"/>
-                </a:cubicBezTo>
-                <a:close/>
-              </a:path>
-            </a:pathLst>
-          </a:custGeom>
-          <a:solidFill>
-            <a:schemeClr val="accent1"/>
-          </a:solidFill>
-          <a:ln>
-            <a:noFill/>
-          </a:ln>
-        </p:spPr>
-      </p:sp>
-      <p:sp>
-        <p:nvSpPr>
           <p:cNvPr id="5" name="Slide Number Placeholder 4"/>
           <p:cNvSpPr>
             <a:spLocks noGrp="1"/>
@@ -4333,7 +4555,7 @@
     </p:spTree>
     <p:extLst>
       <p:ext uri="{BB962C8B-B14F-4D97-AF65-F5344CB8AC3E}">
-        <p14:creationId xmlns:p14="http://schemas.microsoft.com/office/powerpoint/2010/main" val="3328909087"/>
+        <p14:creationId xmlns:p14="http://schemas.microsoft.com/office/powerpoint/2010/main" val="1170640844"/>
       </p:ext>
     </p:extLst>
   </p:cSld>
@@ -4377,7 +4599,7 @@
           <a:p>
             <a:fld id="{9D1441F9-EC97-2D4F-BE7B-2F3A7CF96111}" type="datetimeFigureOut">
               <a:rPr lang="en-US" smtClean="0"/>
-              <a:t>10/30/18</a:t>
+              <a:t>11/15/18</a:t>
             </a:fld>
             <a:endParaRPr lang="en-US" dirty="0"/>
           </a:p>
@@ -4404,88 +4626,6 @@
       </p:sp>
       <p:sp>
         <p:nvSpPr>
-          <p:cNvPr id="6" name="Freeform 11"/>
-          <p:cNvSpPr/>
-          <p:nvPr/>
-        </p:nvSpPr>
-        <p:spPr bwMode="auto">
-          <a:xfrm flipV="1">
-            <a:off x="-4189" y="714375"/>
-            <a:ext cx="1588527" cy="507297"/>
-          </a:xfrm>
-          <a:custGeom>
-            <a:avLst/>
-            <a:gdLst/>
-            <a:ahLst/>
-            <a:cxnLst/>
-            <a:rect l="l" t="t" r="r" b="b"/>
-            <a:pathLst>
-              <a:path w="9248" h="10000">
-                <a:moveTo>
-                  <a:pt x="9248" y="4701"/>
-                </a:moveTo>
-                <a:lnTo>
-                  <a:pt x="7915" y="188"/>
-                </a:lnTo>
-                <a:cubicBezTo>
-                  <a:pt x="7906" y="156"/>
-                  <a:pt x="7895" y="126"/>
-                  <a:pt x="7886" y="94"/>
-                </a:cubicBezTo>
-                <a:cubicBezTo>
-                  <a:pt x="7859" y="0"/>
-                  <a:pt x="7831" y="0"/>
-                  <a:pt x="7803" y="0"/>
-                </a:cubicBezTo>
-                <a:lnTo>
-                  <a:pt x="7275" y="0"/>
-                </a:lnTo>
-                <a:lnTo>
-                  <a:pt x="0" y="70"/>
-                </a:lnTo>
-                <a:cubicBezTo>
-                  <a:pt x="8" y="3380"/>
-                  <a:pt x="17" y="6690"/>
-                  <a:pt x="25" y="10000"/>
-                </a:cubicBezTo>
-                <a:lnTo>
-                  <a:pt x="7275" y="9966"/>
-                </a:lnTo>
-                <a:lnTo>
-                  <a:pt x="7803" y="9966"/>
-                </a:lnTo>
-                <a:cubicBezTo>
-                  <a:pt x="7831" y="9966"/>
-                  <a:pt x="7859" y="9872"/>
-                  <a:pt x="7886" y="9872"/>
-                </a:cubicBezTo>
-                <a:cubicBezTo>
-                  <a:pt x="7886" y="9778"/>
-                  <a:pt x="7915" y="9778"/>
-                  <a:pt x="7915" y="9778"/>
-                </a:cubicBezTo>
-                <a:lnTo>
-                  <a:pt x="9248" y="5265"/>
-                </a:lnTo>
-                <a:cubicBezTo>
-                  <a:pt x="9303" y="5077"/>
-                  <a:pt x="9303" y="4889"/>
-                  <a:pt x="9248" y="4701"/>
-                </a:cubicBezTo>
-                <a:close/>
-              </a:path>
-            </a:pathLst>
-          </a:custGeom>
-          <a:solidFill>
-            <a:schemeClr val="accent1"/>
-          </a:solidFill>
-          <a:ln>
-            <a:noFill/>
-          </a:ln>
-        </p:spPr>
-      </p:sp>
-      <p:sp>
-        <p:nvSpPr>
           <p:cNvPr id="4" name="Slide Number Placeholder 3"/>
           <p:cNvSpPr>
             <a:spLocks noGrp="1"/>
@@ -4510,7 +4650,7 @@
     </p:spTree>
     <p:extLst>
       <p:ext uri="{BB962C8B-B14F-4D97-AF65-F5344CB8AC3E}">
-        <p14:creationId xmlns:p14="http://schemas.microsoft.com/office/powerpoint/2010/main" val="2059262388"/>
+        <p14:creationId xmlns:p14="http://schemas.microsoft.com/office/powerpoint/2010/main" val="2763091174"/>
       </p:ext>
     </p:extLst>
   </p:cSld>
@@ -4549,15 +4689,15 @@
         </p:nvSpPr>
         <p:spPr>
           <a:xfrm>
-            <a:off x="2589212" y="446088"/>
-            <a:ext cx="3505199" cy="976312"/>
+            <a:off x="685800" y="1524000"/>
+            <a:ext cx="4114800" cy="1600200"/>
           </a:xfrm>
         </p:spPr>
         <p:txBody>
           <a:bodyPr anchor="b"/>
           <a:lstStyle>
             <a:lvl1pPr algn="l">
-              <a:defRPr sz="2000" b="0"/>
+              <a:defRPr sz="3200"/>
             </a:lvl1pPr>
           </a:lstStyle>
           <a:p>
@@ -4581,14 +4721,12 @@
         </p:nvSpPr>
         <p:spPr>
           <a:xfrm>
-            <a:off x="6323012" y="446088"/>
-            <a:ext cx="5181600" cy="5414963"/>
-          </a:xfrm>
-        </p:spPr>
-        <p:txBody>
-          <a:bodyPr anchor="ctr">
-            <a:normAutofit/>
-          </a:bodyPr>
+            <a:off x="4995582" y="746759"/>
+            <a:ext cx="6510618" cy="5471925"/>
+          </a:xfrm>
+        </p:spPr>
+        <p:txBody>
+          <a:bodyPr anchor="ctr"/>
           <a:lstStyle/>
           <a:p>
             <a:pPr lvl="0"/>
@@ -4640,8 +4778,8 @@
         </p:nvSpPr>
         <p:spPr>
           <a:xfrm>
-            <a:off x="2589212" y="1598613"/>
-            <a:ext cx="3505199" cy="4262436"/>
+            <a:off x="685800" y="3124199"/>
+            <a:ext cx="4114800" cy="3094485"/>
           </a:xfrm>
         </p:spPr>
         <p:txBody>
@@ -4649,39 +4787,39 @@
           <a:lstStyle>
             <a:lvl1pPr marL="0" indent="0">
               <a:buNone/>
-              <a:defRPr sz="1400"/>
+              <a:defRPr sz="1600"/>
             </a:lvl1pPr>
             <a:lvl2pPr marL="457200" indent="0">
               <a:buNone/>
-              <a:defRPr sz="1200"/>
+              <a:defRPr sz="1400"/>
             </a:lvl2pPr>
             <a:lvl3pPr marL="914400" indent="0">
               <a:buNone/>
-              <a:defRPr sz="1000"/>
+              <a:defRPr sz="1200"/>
             </a:lvl3pPr>
             <a:lvl4pPr marL="1371600" indent="0">
               <a:buNone/>
-              <a:defRPr sz="900"/>
+              <a:defRPr sz="1000"/>
             </a:lvl4pPr>
             <a:lvl5pPr marL="1828800" indent="0">
               <a:buNone/>
-              <a:defRPr sz="900"/>
+              <a:defRPr sz="1000"/>
             </a:lvl5pPr>
             <a:lvl6pPr marL="2286000" indent="0">
               <a:buNone/>
-              <a:defRPr sz="900"/>
+              <a:defRPr sz="1000"/>
             </a:lvl6pPr>
             <a:lvl7pPr marL="2743200" indent="0">
               <a:buNone/>
-              <a:defRPr sz="900"/>
+              <a:defRPr sz="1000"/>
             </a:lvl7pPr>
             <a:lvl8pPr marL="3200400" indent="0">
               <a:buNone/>
-              <a:defRPr sz="900"/>
+              <a:defRPr sz="1000"/>
             </a:lvl8pPr>
             <a:lvl9pPr marL="3657600" indent="0">
               <a:buNone/>
-              <a:defRPr sz="900"/>
+              <a:defRPr sz="1000"/>
             </a:lvl9pPr>
           </a:lstStyle>
           <a:p>
@@ -4710,7 +4848,7 @@
           <a:p>
             <a:fld id="{9D1441F9-EC97-2D4F-BE7B-2F3A7CF96111}" type="datetimeFigureOut">
               <a:rPr lang="en-US" smtClean="0"/>
-              <a:t>10/30/18</a:t>
+              <a:t>11/15/18</a:t>
             </a:fld>
             <a:endParaRPr lang="en-US" dirty="0"/>
           </a:p>
@@ -4737,88 +4875,6 @@
       </p:sp>
       <p:sp>
         <p:nvSpPr>
-          <p:cNvPr id="9" name="Freeform 11"/>
-          <p:cNvSpPr/>
-          <p:nvPr/>
-        </p:nvSpPr>
-        <p:spPr bwMode="auto">
-          <a:xfrm flipV="1">
-            <a:off x="-4189" y="714375"/>
-            <a:ext cx="1588527" cy="507297"/>
-          </a:xfrm>
-          <a:custGeom>
-            <a:avLst/>
-            <a:gdLst/>
-            <a:ahLst/>
-            <a:cxnLst/>
-            <a:rect l="l" t="t" r="r" b="b"/>
-            <a:pathLst>
-              <a:path w="9248" h="10000">
-                <a:moveTo>
-                  <a:pt x="9248" y="4701"/>
-                </a:moveTo>
-                <a:lnTo>
-                  <a:pt x="7915" y="188"/>
-                </a:lnTo>
-                <a:cubicBezTo>
-                  <a:pt x="7906" y="156"/>
-                  <a:pt x="7895" y="126"/>
-                  <a:pt x="7886" y="94"/>
-                </a:cubicBezTo>
-                <a:cubicBezTo>
-                  <a:pt x="7859" y="0"/>
-                  <a:pt x="7831" y="0"/>
-                  <a:pt x="7803" y="0"/>
-                </a:cubicBezTo>
-                <a:lnTo>
-                  <a:pt x="7275" y="0"/>
-                </a:lnTo>
-                <a:lnTo>
-                  <a:pt x="0" y="70"/>
-                </a:lnTo>
-                <a:cubicBezTo>
-                  <a:pt x="8" y="3380"/>
-                  <a:pt x="17" y="6690"/>
-                  <a:pt x="25" y="10000"/>
-                </a:cubicBezTo>
-                <a:lnTo>
-                  <a:pt x="7275" y="9966"/>
-                </a:lnTo>
-                <a:lnTo>
-                  <a:pt x="7803" y="9966"/>
-                </a:lnTo>
-                <a:cubicBezTo>
-                  <a:pt x="7831" y="9966"/>
-                  <a:pt x="7859" y="9872"/>
-                  <a:pt x="7886" y="9872"/>
-                </a:cubicBezTo>
-                <a:cubicBezTo>
-                  <a:pt x="7886" y="9778"/>
-                  <a:pt x="7915" y="9778"/>
-                  <a:pt x="7915" y="9778"/>
-                </a:cubicBezTo>
-                <a:lnTo>
-                  <a:pt x="9248" y="5265"/>
-                </a:lnTo>
-                <a:cubicBezTo>
-                  <a:pt x="9303" y="5077"/>
-                  <a:pt x="9303" y="4889"/>
-                  <a:pt x="9248" y="4701"/>
-                </a:cubicBezTo>
-                <a:close/>
-              </a:path>
-            </a:pathLst>
-          </a:custGeom>
-          <a:solidFill>
-            <a:schemeClr val="accent1"/>
-          </a:solidFill>
-          <a:ln>
-            <a:noFill/>
-          </a:ln>
-        </p:spPr>
-      </p:sp>
-      <p:sp>
-        <p:nvSpPr>
           <p:cNvPr id="7" name="Slide Number Placeholder 6"/>
           <p:cNvSpPr>
             <a:spLocks noGrp="1"/>
@@ -4843,7 +4899,7 @@
     </p:spTree>
     <p:extLst>
       <p:ext uri="{BB962C8B-B14F-4D97-AF65-F5344CB8AC3E}">
-        <p14:creationId xmlns:p14="http://schemas.microsoft.com/office/powerpoint/2010/main" val="11410290"/>
+        <p14:creationId xmlns:p14="http://schemas.microsoft.com/office/powerpoint/2010/main" val="1911853684"/>
       </p:ext>
     </p:extLst>
   </p:cSld>
@@ -4882,17 +4938,15 @@
         </p:nvSpPr>
         <p:spPr>
           <a:xfrm>
-            <a:off x="2589213" y="4800600"/>
-            <a:ext cx="8915400" cy="566738"/>
-          </a:xfrm>
-        </p:spPr>
-        <p:txBody>
-          <a:bodyPr anchor="b">
-            <a:normAutofit/>
-          </a:bodyPr>
+            <a:off x="685800" y="1524000"/>
+            <a:ext cx="6873240" cy="1600200"/>
+          </a:xfrm>
+        </p:spPr>
+        <p:txBody>
+          <a:bodyPr anchor="b"/>
           <a:lstStyle>
             <a:lvl1pPr algn="l">
-              <a:defRPr sz="2400" b="0"/>
+              <a:defRPr sz="3200"/>
             </a:lvl1pPr>
           </a:lstStyle>
           <a:p>
@@ -4916,57 +4970,56 @@
         </p:nvSpPr>
         <p:spPr>
           <a:xfrm>
-            <a:off x="2589212" y="634965"/>
-            <a:ext cx="8915400" cy="3854970"/>
-          </a:xfrm>
-        </p:spPr>
-        <p:txBody>
-          <a:bodyPr anchor="t">
-            <a:normAutofit/>
-          </a:bodyPr>
+            <a:off x="7861238" y="751241"/>
+            <a:ext cx="3644962" cy="5467443"/>
+          </a:xfrm>
+        </p:spPr>
+        <p:txBody>
+          <a:bodyPr anchor="t"/>
           <a:lstStyle>
-            <a:lvl1pPr marL="0" indent="0" algn="ctr">
-              <a:buNone/>
-              <a:defRPr sz="1600"/>
+            <a:lvl1pPr marL="0" indent="0">
+              <a:buNone/>
+              <a:defRPr sz="3200"/>
             </a:lvl1pPr>
             <a:lvl2pPr marL="457200" indent="0">
               <a:buNone/>
-              <a:defRPr sz="1600"/>
+              <a:defRPr sz="2800"/>
             </a:lvl2pPr>
             <a:lvl3pPr marL="914400" indent="0">
               <a:buNone/>
-              <a:defRPr sz="1600"/>
+              <a:defRPr sz="2400"/>
             </a:lvl3pPr>
             <a:lvl4pPr marL="1371600" indent="0">
               <a:buNone/>
-              <a:defRPr sz="1600"/>
+              <a:defRPr sz="2000"/>
             </a:lvl4pPr>
             <a:lvl5pPr marL="1828800" indent="0">
               <a:buNone/>
-              <a:defRPr sz="1600"/>
+              <a:defRPr sz="2000"/>
             </a:lvl5pPr>
             <a:lvl6pPr marL="2286000" indent="0">
               <a:buNone/>
-              <a:defRPr sz="1600"/>
+              <a:defRPr sz="2000"/>
             </a:lvl6pPr>
             <a:lvl7pPr marL="2743200" indent="0">
               <a:buNone/>
-              <a:defRPr sz="1600"/>
+              <a:defRPr sz="2000"/>
             </a:lvl7pPr>
             <a:lvl8pPr marL="3200400" indent="0">
               <a:buNone/>
-              <a:defRPr sz="1600"/>
+              <a:defRPr sz="2000"/>
             </a:lvl8pPr>
             <a:lvl9pPr marL="3657600" indent="0">
               <a:buNone/>
-              <a:defRPr sz="1600"/>
+              <a:defRPr sz="2000"/>
             </a:lvl9pPr>
           </a:lstStyle>
           <a:p>
             <a:r>
-              <a:rPr lang="en-US" dirty="0"/>
+              <a:rPr lang="en-US"/>
               <a:t>Click icon to add picture</a:t>
             </a:r>
+            <a:endParaRPr lang="en-US" dirty="0"/>
           </a:p>
         </p:txBody>
       </p:sp>
@@ -4982,50 +5035,48 @@
         </p:nvSpPr>
         <p:spPr>
           <a:xfrm>
-            <a:off x="2589213" y="5367338"/>
-            <a:ext cx="8915400" cy="493712"/>
-          </a:xfrm>
-        </p:spPr>
-        <p:txBody>
-          <a:bodyPr>
-            <a:normAutofit/>
-          </a:bodyPr>
+            <a:off x="685800" y="3124199"/>
+            <a:ext cx="6873240" cy="3094485"/>
+          </a:xfrm>
+        </p:spPr>
+        <p:txBody>
+          <a:bodyPr/>
           <a:lstStyle>
             <a:lvl1pPr marL="0" indent="0">
               <a:buNone/>
-              <a:defRPr sz="1200"/>
+              <a:defRPr sz="1600"/>
             </a:lvl1pPr>
             <a:lvl2pPr marL="457200" indent="0">
               <a:buNone/>
-              <a:defRPr sz="1200"/>
+              <a:defRPr sz="1400"/>
             </a:lvl2pPr>
             <a:lvl3pPr marL="914400" indent="0">
               <a:buNone/>
-              <a:defRPr sz="1000"/>
+              <a:defRPr sz="1200"/>
             </a:lvl3pPr>
             <a:lvl4pPr marL="1371600" indent="0">
               <a:buNone/>
-              <a:defRPr sz="900"/>
+              <a:defRPr sz="1000"/>
             </a:lvl4pPr>
             <a:lvl5pPr marL="1828800" indent="0">
               <a:buNone/>
-              <a:defRPr sz="900"/>
+              <a:defRPr sz="1000"/>
             </a:lvl5pPr>
             <a:lvl6pPr marL="2286000" indent="0">
               <a:buNone/>
-              <a:defRPr sz="900"/>
+              <a:defRPr sz="1000"/>
             </a:lvl6pPr>
             <a:lvl7pPr marL="2743200" indent="0">
               <a:buNone/>
-              <a:defRPr sz="900"/>
+              <a:defRPr sz="1000"/>
             </a:lvl7pPr>
             <a:lvl8pPr marL="3200400" indent="0">
               <a:buNone/>
-              <a:defRPr sz="900"/>
+              <a:defRPr sz="1000"/>
             </a:lvl8pPr>
             <a:lvl9pPr marL="3657600" indent="0">
               <a:buNone/>
-              <a:defRPr sz="900"/>
+              <a:defRPr sz="1000"/>
             </a:lvl9pPr>
           </a:lstStyle>
           <a:p>
@@ -5054,7 +5105,7 @@
           <a:p>
             <a:fld id="{9D1441F9-EC97-2D4F-BE7B-2F3A7CF96111}" type="datetimeFigureOut">
               <a:rPr lang="en-US" smtClean="0"/>
-              <a:t>10/30/18</a:t>
+              <a:t>11/15/18</a:t>
             </a:fld>
             <a:endParaRPr lang="en-US" dirty="0"/>
           </a:p>
@@ -5081,88 +5132,6 @@
       </p:sp>
       <p:sp>
         <p:nvSpPr>
-          <p:cNvPr id="9" name="Freeform 11"/>
-          <p:cNvSpPr/>
-          <p:nvPr/>
-        </p:nvSpPr>
-        <p:spPr bwMode="auto">
-          <a:xfrm flipV="1">
-            <a:off x="-4189" y="4911725"/>
-            <a:ext cx="1588527" cy="507297"/>
-          </a:xfrm>
-          <a:custGeom>
-            <a:avLst/>
-            <a:gdLst/>
-            <a:ahLst/>
-            <a:cxnLst/>
-            <a:rect l="l" t="t" r="r" b="b"/>
-            <a:pathLst>
-              <a:path w="9248" h="10000">
-                <a:moveTo>
-                  <a:pt x="9248" y="4701"/>
-                </a:moveTo>
-                <a:lnTo>
-                  <a:pt x="7915" y="188"/>
-                </a:lnTo>
-                <a:cubicBezTo>
-                  <a:pt x="7906" y="156"/>
-                  <a:pt x="7895" y="126"/>
-                  <a:pt x="7886" y="94"/>
-                </a:cubicBezTo>
-                <a:cubicBezTo>
-                  <a:pt x="7859" y="0"/>
-                  <a:pt x="7831" y="0"/>
-                  <a:pt x="7803" y="0"/>
-                </a:cubicBezTo>
-                <a:lnTo>
-                  <a:pt x="7275" y="0"/>
-                </a:lnTo>
-                <a:lnTo>
-                  <a:pt x="0" y="70"/>
-                </a:lnTo>
-                <a:cubicBezTo>
-                  <a:pt x="8" y="3380"/>
-                  <a:pt x="17" y="6690"/>
-                  <a:pt x="25" y="10000"/>
-                </a:cubicBezTo>
-                <a:lnTo>
-                  <a:pt x="7275" y="9966"/>
-                </a:lnTo>
-                <a:lnTo>
-                  <a:pt x="7803" y="9966"/>
-                </a:lnTo>
-                <a:cubicBezTo>
-                  <a:pt x="7831" y="9966"/>
-                  <a:pt x="7859" y="9872"/>
-                  <a:pt x="7886" y="9872"/>
-                </a:cubicBezTo>
-                <a:cubicBezTo>
-                  <a:pt x="7886" y="9778"/>
-                  <a:pt x="7915" y="9778"/>
-                  <a:pt x="7915" y="9778"/>
-                </a:cubicBezTo>
-                <a:lnTo>
-                  <a:pt x="9248" y="5265"/>
-                </a:lnTo>
-                <a:cubicBezTo>
-                  <a:pt x="9303" y="5077"/>
-                  <a:pt x="9303" y="4889"/>
-                  <a:pt x="9248" y="4701"/>
-                </a:cubicBezTo>
-                <a:close/>
-              </a:path>
-            </a:pathLst>
-          </a:custGeom>
-          <a:solidFill>
-            <a:schemeClr val="accent1"/>
-          </a:solidFill>
-          <a:ln>
-            <a:noFill/>
-          </a:ln>
-        </p:spPr>
-      </p:sp>
-      <p:sp>
-        <p:nvSpPr>
           <p:cNvPr id="7" name="Slide Number Placeholder 6"/>
           <p:cNvSpPr>
             <a:spLocks noGrp="1"/>
@@ -5171,12 +5140,7 @@
             <p:ph type="sldNum" sz="quarter" idx="12"/>
           </p:nvPr>
         </p:nvSpPr>
-        <p:spPr>
-          <a:xfrm>
-            <a:off x="531812" y="4983087"/>
-            <a:ext cx="779767" cy="365125"/>
-          </a:xfrm>
-        </p:spPr>
+        <p:spPr/>
         <p:txBody>
           <a:bodyPr/>
           <a:lstStyle/>
@@ -5192,7 +5156,7 @@
     </p:spTree>
     <p:extLst>
       <p:ext uri="{BB962C8B-B14F-4D97-AF65-F5344CB8AC3E}">
-        <p14:creationId xmlns:p14="http://schemas.microsoft.com/office/powerpoint/2010/main" val="861431947"/>
+        <p14:creationId xmlns:p14="http://schemas.microsoft.com/office/powerpoint/2010/main" val="1938989217"/>
       </p:ext>
     </p:extLst>
   </p:cSld>
@@ -5206,8 +5170,8 @@
 <p:sldMaster xmlns:a="http://schemas.openxmlformats.org/drawingml/2006/main" xmlns:r="http://schemas.openxmlformats.org/officeDocument/2006/relationships" xmlns:p="http://schemas.openxmlformats.org/presentationml/2006/main">
   <p:cSld>
     <p:bg>
-      <p:bgRef idx="1003">
-        <a:schemeClr val="bg2"/>
+      <p:bgRef idx="1001">
+        <a:schemeClr val="bg1"/>
       </p:bgRef>
     </p:bg>
     <p:spTree>
@@ -5224,1823 +5188,36 @@
           <a:chExt cx="0" cy="0"/>
         </a:xfrm>
       </p:grpSpPr>
-      <p:grpSp>
-        <p:nvGrpSpPr>
-          <p:cNvPr id="23" name="Group 22"/>
-          <p:cNvGrpSpPr/>
+      <p:pic>
+        <p:nvPicPr>
+          <p:cNvPr id="7" name="Picture 6" descr="C0-HD-TOP.png"/>
+          <p:cNvPicPr>
+            <a:picLocks noChangeAspect="1"/>
+          </p:cNvPicPr>
           <p:nvPr/>
-        </p:nvGrpSpPr>
-        <p:grpSpPr>
-          <a:xfrm>
-            <a:off x="1" y="228600"/>
-            <a:ext cx="2851516" cy="6638628"/>
-            <a:chOff x="2487613" y="285750"/>
-            <a:chExt cx="2428875" cy="5654676"/>
-          </a:xfrm>
-        </p:grpSpPr>
-        <p:sp>
-          <p:nvSpPr>
-            <p:cNvPr id="24" name="Freeform 11"/>
-            <p:cNvSpPr/>
-            <p:nvPr/>
-          </p:nvSpPr>
-          <p:spPr bwMode="auto">
-            <a:xfrm>
-              <a:off x="2487613" y="2284413"/>
-              <a:ext cx="85725" cy="533400"/>
-            </a:xfrm>
-            <a:custGeom>
-              <a:avLst/>
-              <a:gdLst/>
-              <a:ahLst/>
-              <a:cxnLst/>
-              <a:rect l="0" t="0" r="r" b="b"/>
-              <a:pathLst>
-                <a:path w="22" h="136">
-                  <a:moveTo>
-                    <a:pt x="22" y="136"/>
-                  </a:moveTo>
-                  <a:cubicBezTo>
-                    <a:pt x="20" y="117"/>
-                    <a:pt x="19" y="99"/>
-                    <a:pt x="17" y="80"/>
-                  </a:cubicBezTo>
-                  <a:cubicBezTo>
-                    <a:pt x="11" y="54"/>
-                    <a:pt x="6" y="27"/>
-                    <a:pt x="0" y="0"/>
-                  </a:cubicBezTo>
-                  <a:cubicBezTo>
-                    <a:pt x="0" y="35"/>
-                    <a:pt x="0" y="35"/>
-                    <a:pt x="0" y="35"/>
-                  </a:cubicBezTo>
-                  <a:cubicBezTo>
-                    <a:pt x="6" y="64"/>
-                    <a:pt x="13" y="94"/>
-                    <a:pt x="20" y="124"/>
-                  </a:cubicBezTo>
-                  <a:cubicBezTo>
-                    <a:pt x="20" y="128"/>
-                    <a:pt x="21" y="132"/>
-                    <a:pt x="22" y="136"/>
-                  </a:cubicBezTo>
-                  <a:close/>
-                </a:path>
-              </a:pathLst>
-            </a:custGeom>
-            <a:solidFill>
-              <a:schemeClr val="tx2">
-                <a:alpha val="20000"/>
-              </a:schemeClr>
-            </a:solidFill>
-            <a:ln>
-              <a:noFill/>
-            </a:ln>
-          </p:spPr>
-        </p:sp>
-        <p:sp>
-          <p:nvSpPr>
-            <p:cNvPr id="25" name="Freeform 12"/>
-            <p:cNvSpPr/>
-            <p:nvPr/>
-          </p:nvSpPr>
-          <p:spPr bwMode="auto">
-            <a:xfrm>
-              <a:off x="2597151" y="2779713"/>
-              <a:ext cx="550863" cy="1978025"/>
-            </a:xfrm>
-            <a:custGeom>
-              <a:avLst/>
-              <a:gdLst/>
-              <a:ahLst/>
-              <a:cxnLst/>
-              <a:rect l="0" t="0" r="r" b="b"/>
-              <a:pathLst>
-                <a:path w="140" h="504">
-                  <a:moveTo>
-                    <a:pt x="86" y="350"/>
-                  </a:moveTo>
-                  <a:cubicBezTo>
-                    <a:pt x="103" y="402"/>
-                    <a:pt x="120" y="453"/>
-                    <a:pt x="139" y="504"/>
-                  </a:cubicBezTo>
-                  <a:cubicBezTo>
-                    <a:pt x="139" y="495"/>
-                    <a:pt x="139" y="487"/>
-                    <a:pt x="140" y="478"/>
-                  </a:cubicBezTo>
-                  <a:cubicBezTo>
-                    <a:pt x="124" y="435"/>
-                    <a:pt x="109" y="391"/>
-                    <a:pt x="95" y="347"/>
-                  </a:cubicBezTo>
-                  <a:cubicBezTo>
-                    <a:pt x="58" y="233"/>
-                    <a:pt x="27" y="117"/>
-                    <a:pt x="0" y="0"/>
-                  </a:cubicBezTo>
-                  <a:cubicBezTo>
-                    <a:pt x="2" y="20"/>
-                    <a:pt x="4" y="41"/>
-                    <a:pt x="6" y="61"/>
-                  </a:cubicBezTo>
-                  <a:cubicBezTo>
-                    <a:pt x="30" y="158"/>
-                    <a:pt x="56" y="255"/>
-                    <a:pt x="86" y="350"/>
-                  </a:cubicBezTo>
-                  <a:close/>
-                </a:path>
-              </a:pathLst>
-            </a:custGeom>
-            <a:solidFill>
-              <a:schemeClr val="tx2">
-                <a:alpha val="20000"/>
-              </a:schemeClr>
-            </a:solidFill>
-            <a:ln>
-              <a:noFill/>
-            </a:ln>
-          </p:spPr>
-        </p:sp>
-        <p:sp>
-          <p:nvSpPr>
-            <p:cNvPr id="26" name="Freeform 13"/>
-            <p:cNvSpPr/>
-            <p:nvPr/>
-          </p:nvSpPr>
-          <p:spPr bwMode="auto">
-            <a:xfrm>
-              <a:off x="3175001" y="4730750"/>
-              <a:ext cx="519113" cy="1209675"/>
-            </a:xfrm>
-            <a:custGeom>
-              <a:avLst/>
-              <a:gdLst/>
-              <a:ahLst/>
-              <a:cxnLst/>
-              <a:rect l="0" t="0" r="r" b="b"/>
-              <a:pathLst>
-                <a:path w="132" h="308">
-                  <a:moveTo>
-                    <a:pt x="8" y="22"/>
-                  </a:moveTo>
-                  <a:cubicBezTo>
-                    <a:pt x="5" y="15"/>
-                    <a:pt x="2" y="8"/>
-                    <a:pt x="0" y="0"/>
-                  </a:cubicBezTo>
-                  <a:cubicBezTo>
-                    <a:pt x="0" y="10"/>
-                    <a:pt x="0" y="19"/>
-                    <a:pt x="0" y="29"/>
-                  </a:cubicBezTo>
-                  <a:cubicBezTo>
-                    <a:pt x="21" y="85"/>
-                    <a:pt x="44" y="140"/>
-                    <a:pt x="68" y="194"/>
-                  </a:cubicBezTo>
-                  <a:cubicBezTo>
-                    <a:pt x="85" y="232"/>
-                    <a:pt x="104" y="270"/>
-                    <a:pt x="123" y="308"/>
-                  </a:cubicBezTo>
-                  <a:cubicBezTo>
-                    <a:pt x="132" y="308"/>
-                    <a:pt x="132" y="308"/>
-                    <a:pt x="132" y="308"/>
-                  </a:cubicBezTo>
-                  <a:cubicBezTo>
-                    <a:pt x="113" y="269"/>
-                    <a:pt x="94" y="230"/>
-                    <a:pt x="77" y="190"/>
-                  </a:cubicBezTo>
-                  <a:cubicBezTo>
-                    <a:pt x="52" y="135"/>
-                    <a:pt x="29" y="79"/>
-                    <a:pt x="8" y="22"/>
-                  </a:cubicBezTo>
-                  <a:close/>
-                </a:path>
-              </a:pathLst>
-            </a:custGeom>
-            <a:solidFill>
-              <a:schemeClr val="tx2">
-                <a:alpha val="20000"/>
-              </a:schemeClr>
-            </a:solidFill>
-            <a:ln>
-              <a:noFill/>
-            </a:ln>
-          </p:spPr>
-        </p:sp>
-        <p:sp>
-          <p:nvSpPr>
-            <p:cNvPr id="27" name="Freeform 14"/>
-            <p:cNvSpPr/>
-            <p:nvPr/>
-          </p:nvSpPr>
-          <p:spPr bwMode="auto">
-            <a:xfrm>
-              <a:off x="3305176" y="5630863"/>
-              <a:ext cx="146050" cy="309563"/>
-            </a:xfrm>
-            <a:custGeom>
-              <a:avLst/>
-              <a:gdLst/>
-              <a:ahLst/>
-              <a:cxnLst/>
-              <a:rect l="0" t="0" r="r" b="b"/>
-              <a:pathLst>
-                <a:path w="37" h="79">
-                  <a:moveTo>
-                    <a:pt x="28" y="79"/>
-                  </a:moveTo>
-                  <a:cubicBezTo>
-                    <a:pt x="37" y="79"/>
-                    <a:pt x="37" y="79"/>
-                    <a:pt x="37" y="79"/>
-                  </a:cubicBezTo>
-                  <a:cubicBezTo>
-                    <a:pt x="24" y="53"/>
-                    <a:pt x="12" y="27"/>
-                    <a:pt x="0" y="0"/>
-                  </a:cubicBezTo>
-                  <a:cubicBezTo>
-                    <a:pt x="8" y="27"/>
-                    <a:pt x="17" y="53"/>
-                    <a:pt x="28" y="79"/>
-                  </a:cubicBezTo>
-                  <a:close/>
-                </a:path>
-              </a:pathLst>
-            </a:custGeom>
-            <a:solidFill>
-              <a:schemeClr val="tx2">
-                <a:alpha val="20000"/>
-              </a:schemeClr>
-            </a:solidFill>
-            <a:ln>
-              <a:noFill/>
-            </a:ln>
-          </p:spPr>
-        </p:sp>
-        <p:sp>
-          <p:nvSpPr>
-            <p:cNvPr id="28" name="Freeform 15"/>
-            <p:cNvSpPr/>
-            <p:nvPr/>
-          </p:nvSpPr>
-          <p:spPr bwMode="auto">
-            <a:xfrm>
-              <a:off x="2573338" y="2817813"/>
-              <a:ext cx="700088" cy="2835275"/>
-            </a:xfrm>
-            <a:custGeom>
-              <a:avLst/>
-              <a:gdLst/>
-              <a:ahLst/>
-              <a:cxnLst/>
-              <a:rect l="0" t="0" r="r" b="b"/>
-              <a:pathLst>
-                <a:path w="178" h="722">
-                  <a:moveTo>
-                    <a:pt x="162" y="660"/>
-                  </a:moveTo>
-                  <a:cubicBezTo>
-                    <a:pt x="145" y="618"/>
-                    <a:pt x="130" y="576"/>
-                    <a:pt x="116" y="534"/>
-                  </a:cubicBezTo>
-                  <a:cubicBezTo>
-                    <a:pt x="84" y="437"/>
-                    <a:pt x="59" y="337"/>
-                    <a:pt x="40" y="236"/>
-                  </a:cubicBezTo>
-                  <a:cubicBezTo>
-                    <a:pt x="29" y="175"/>
-                    <a:pt x="20" y="113"/>
-                    <a:pt x="12" y="51"/>
-                  </a:cubicBezTo>
-                  <a:cubicBezTo>
-                    <a:pt x="8" y="34"/>
-                    <a:pt x="4" y="17"/>
-                    <a:pt x="0" y="0"/>
-                  </a:cubicBezTo>
-                  <a:cubicBezTo>
-                    <a:pt x="8" y="79"/>
-                    <a:pt x="19" y="159"/>
-                    <a:pt x="33" y="237"/>
-                  </a:cubicBezTo>
-                  <a:cubicBezTo>
-                    <a:pt x="51" y="339"/>
-                    <a:pt x="76" y="439"/>
-                    <a:pt x="107" y="537"/>
-                  </a:cubicBezTo>
-                  <a:cubicBezTo>
-                    <a:pt x="123" y="586"/>
-                    <a:pt x="141" y="634"/>
-                    <a:pt x="160" y="681"/>
-                  </a:cubicBezTo>
-                  <a:cubicBezTo>
-                    <a:pt x="166" y="695"/>
-                    <a:pt x="172" y="708"/>
-                    <a:pt x="178" y="722"/>
-                  </a:cubicBezTo>
-                  <a:cubicBezTo>
-                    <a:pt x="176" y="717"/>
-                    <a:pt x="175" y="713"/>
-                    <a:pt x="174" y="708"/>
-                  </a:cubicBezTo>
-                  <a:cubicBezTo>
-                    <a:pt x="169" y="692"/>
-                    <a:pt x="165" y="676"/>
-                    <a:pt x="162" y="660"/>
-                  </a:cubicBezTo>
-                  <a:close/>
-                </a:path>
-              </a:pathLst>
-            </a:custGeom>
-            <a:solidFill>
-              <a:schemeClr val="tx2">
-                <a:alpha val="20000"/>
-              </a:schemeClr>
-            </a:solidFill>
-            <a:ln>
-              <a:noFill/>
-            </a:ln>
-          </p:spPr>
-        </p:sp>
-        <p:sp>
-          <p:nvSpPr>
-            <p:cNvPr id="29" name="Freeform 16"/>
-            <p:cNvSpPr/>
-            <p:nvPr/>
-          </p:nvSpPr>
-          <p:spPr bwMode="auto">
-            <a:xfrm>
-              <a:off x="2506663" y="285750"/>
-              <a:ext cx="90488" cy="2493963"/>
-            </a:xfrm>
-            <a:custGeom>
-              <a:avLst/>
-              <a:gdLst/>
-              <a:ahLst/>
-              <a:cxnLst/>
-              <a:rect l="0" t="0" r="r" b="b"/>
-              <a:pathLst>
-                <a:path w="23" h="635">
-                  <a:moveTo>
-                    <a:pt x="11" y="577"/>
-                  </a:moveTo>
-                  <a:cubicBezTo>
-                    <a:pt x="12" y="581"/>
-                    <a:pt x="12" y="585"/>
-                    <a:pt x="12" y="589"/>
-                  </a:cubicBezTo>
-                  <a:cubicBezTo>
-                    <a:pt x="15" y="603"/>
-                    <a:pt x="19" y="617"/>
-                    <a:pt x="22" y="632"/>
-                  </a:cubicBezTo>
-                  <a:cubicBezTo>
-                    <a:pt x="22" y="633"/>
-                    <a:pt x="22" y="634"/>
-                    <a:pt x="23" y="635"/>
-                  </a:cubicBezTo>
-                  <a:cubicBezTo>
-                    <a:pt x="21" y="615"/>
-                    <a:pt x="19" y="596"/>
-                    <a:pt x="17" y="576"/>
-                  </a:cubicBezTo>
-                  <a:cubicBezTo>
-                    <a:pt x="9" y="474"/>
-                    <a:pt x="5" y="372"/>
-                    <a:pt x="5" y="269"/>
-                  </a:cubicBezTo>
-                  <a:cubicBezTo>
-                    <a:pt x="6" y="179"/>
-                    <a:pt x="9" y="90"/>
-                    <a:pt x="15" y="0"/>
-                  </a:cubicBezTo>
-                  <a:cubicBezTo>
-                    <a:pt x="12" y="0"/>
-                    <a:pt x="12" y="0"/>
-                    <a:pt x="12" y="0"/>
-                  </a:cubicBezTo>
-                  <a:cubicBezTo>
-                    <a:pt x="5" y="89"/>
-                    <a:pt x="2" y="179"/>
-                    <a:pt x="1" y="269"/>
-                  </a:cubicBezTo>
-                  <a:cubicBezTo>
-                    <a:pt x="0" y="372"/>
-                    <a:pt x="3" y="474"/>
-                    <a:pt x="11" y="577"/>
-                  </a:cubicBezTo>
-                  <a:close/>
-                </a:path>
-              </a:pathLst>
-            </a:custGeom>
-            <a:solidFill>
-              <a:schemeClr val="tx2">
-                <a:alpha val="20000"/>
-              </a:schemeClr>
-            </a:solidFill>
-            <a:ln>
-              <a:noFill/>
-            </a:ln>
-          </p:spPr>
-        </p:sp>
-        <p:sp>
-          <p:nvSpPr>
-            <p:cNvPr id="30" name="Freeform 17"/>
-            <p:cNvSpPr/>
-            <p:nvPr/>
-          </p:nvSpPr>
-          <p:spPr bwMode="auto">
-            <a:xfrm>
-              <a:off x="2554288" y="2598738"/>
-              <a:ext cx="66675" cy="420688"/>
-            </a:xfrm>
-            <a:custGeom>
-              <a:avLst/>
-              <a:gdLst/>
-              <a:ahLst/>
-              <a:cxnLst/>
-              <a:rect l="0" t="0" r="r" b="b"/>
-              <a:pathLst>
-                <a:path w="17" h="107">
-                  <a:moveTo>
-                    <a:pt x="0" y="0"/>
-                  </a:moveTo>
-                  <a:cubicBezTo>
-                    <a:pt x="2" y="19"/>
-                    <a:pt x="3" y="37"/>
-                    <a:pt x="5" y="56"/>
-                  </a:cubicBezTo>
-                  <a:cubicBezTo>
-                    <a:pt x="9" y="73"/>
-                    <a:pt x="13" y="90"/>
-                    <a:pt x="17" y="107"/>
-                  </a:cubicBezTo>
-                  <a:cubicBezTo>
-                    <a:pt x="15" y="87"/>
-                    <a:pt x="13" y="66"/>
-                    <a:pt x="11" y="46"/>
-                  </a:cubicBezTo>
-                  <a:cubicBezTo>
-                    <a:pt x="10" y="45"/>
-                    <a:pt x="10" y="44"/>
-                    <a:pt x="10" y="43"/>
-                  </a:cubicBezTo>
-                  <a:cubicBezTo>
-                    <a:pt x="7" y="28"/>
-                    <a:pt x="3" y="14"/>
-                    <a:pt x="0" y="0"/>
-                  </a:cubicBezTo>
-                  <a:close/>
-                </a:path>
-              </a:pathLst>
-            </a:custGeom>
-            <a:solidFill>
-              <a:schemeClr val="tx2">
-                <a:alpha val="20000"/>
-              </a:schemeClr>
-            </a:solidFill>
-            <a:ln>
-              <a:noFill/>
-            </a:ln>
-          </p:spPr>
-        </p:sp>
-        <p:sp>
-          <p:nvSpPr>
-            <p:cNvPr id="31" name="Freeform 18"/>
-            <p:cNvSpPr/>
-            <p:nvPr/>
-          </p:nvSpPr>
-          <p:spPr bwMode="auto">
-            <a:xfrm>
-              <a:off x="3143251" y="4757738"/>
-              <a:ext cx="161925" cy="873125"/>
-            </a:xfrm>
-            <a:custGeom>
-              <a:avLst/>
-              <a:gdLst/>
-              <a:ahLst/>
-              <a:cxnLst/>
-              <a:rect l="0" t="0" r="r" b="b"/>
-              <a:pathLst>
-                <a:path w="41" h="222">
-                  <a:moveTo>
-                    <a:pt x="0" y="0"/>
-                  </a:moveTo>
-                  <a:cubicBezTo>
-                    <a:pt x="0" y="31"/>
-                    <a:pt x="2" y="62"/>
-                    <a:pt x="5" y="93"/>
-                  </a:cubicBezTo>
-                  <a:cubicBezTo>
-                    <a:pt x="8" y="117"/>
-                    <a:pt x="12" y="142"/>
-                    <a:pt x="17" y="166"/>
-                  </a:cubicBezTo>
-                  <a:cubicBezTo>
-                    <a:pt x="19" y="172"/>
-                    <a:pt x="22" y="178"/>
-                    <a:pt x="24" y="184"/>
-                  </a:cubicBezTo>
-                  <a:cubicBezTo>
-                    <a:pt x="30" y="197"/>
-                    <a:pt x="35" y="209"/>
-                    <a:pt x="41" y="222"/>
-                  </a:cubicBezTo>
-                  <a:cubicBezTo>
-                    <a:pt x="40" y="219"/>
-                    <a:pt x="39" y="215"/>
-                    <a:pt x="38" y="212"/>
-                  </a:cubicBezTo>
-                  <a:cubicBezTo>
-                    <a:pt x="26" y="172"/>
-                    <a:pt x="18" y="132"/>
-                    <a:pt x="13" y="92"/>
-                  </a:cubicBezTo>
-                  <a:cubicBezTo>
-                    <a:pt x="11" y="68"/>
-                    <a:pt x="9" y="45"/>
-                    <a:pt x="8" y="22"/>
-                  </a:cubicBezTo>
-                  <a:cubicBezTo>
-                    <a:pt x="8" y="21"/>
-                    <a:pt x="7" y="20"/>
-                    <a:pt x="7" y="18"/>
-                  </a:cubicBezTo>
-                  <a:cubicBezTo>
-                    <a:pt x="5" y="12"/>
-                    <a:pt x="2" y="6"/>
-                    <a:pt x="0" y="0"/>
-                  </a:cubicBezTo>
-                  <a:close/>
-                </a:path>
-              </a:pathLst>
-            </a:custGeom>
-            <a:solidFill>
-              <a:schemeClr val="tx2">
-                <a:alpha val="20000"/>
-              </a:schemeClr>
-            </a:solidFill>
-            <a:ln>
-              <a:noFill/>
-            </a:ln>
-          </p:spPr>
-        </p:sp>
-        <p:sp>
-          <p:nvSpPr>
-            <p:cNvPr id="32" name="Freeform 19"/>
-            <p:cNvSpPr/>
-            <p:nvPr/>
-          </p:nvSpPr>
-          <p:spPr bwMode="auto">
-            <a:xfrm>
-              <a:off x="3148013" y="1282700"/>
-              <a:ext cx="1768475" cy="3448050"/>
-            </a:xfrm>
-            <a:custGeom>
-              <a:avLst/>
-              <a:gdLst/>
-              <a:ahLst/>
-              <a:cxnLst/>
-              <a:rect l="0" t="0" r="r" b="b"/>
-              <a:pathLst>
-                <a:path w="450" h="878">
-                  <a:moveTo>
-                    <a:pt x="7" y="854"/>
-                  </a:moveTo>
-                  <a:cubicBezTo>
-                    <a:pt x="10" y="772"/>
-                    <a:pt x="26" y="691"/>
-                    <a:pt x="50" y="613"/>
-                  </a:cubicBezTo>
-                  <a:cubicBezTo>
-                    <a:pt x="75" y="535"/>
-                    <a:pt x="109" y="460"/>
-                    <a:pt x="149" y="388"/>
-                  </a:cubicBezTo>
-                  <a:cubicBezTo>
-                    <a:pt x="189" y="316"/>
-                    <a:pt x="235" y="248"/>
-                    <a:pt x="285" y="183"/>
-                  </a:cubicBezTo>
-                  <a:cubicBezTo>
-                    <a:pt x="310" y="151"/>
-                    <a:pt x="337" y="119"/>
-                    <a:pt x="364" y="89"/>
-                  </a:cubicBezTo>
-                  <a:cubicBezTo>
-                    <a:pt x="378" y="74"/>
-                    <a:pt x="392" y="58"/>
-                    <a:pt x="406" y="44"/>
-                  </a:cubicBezTo>
-                  <a:cubicBezTo>
-                    <a:pt x="421" y="29"/>
-                    <a:pt x="435" y="15"/>
-                    <a:pt x="450" y="1"/>
-                  </a:cubicBezTo>
-                  <a:cubicBezTo>
-                    <a:pt x="450" y="0"/>
-                    <a:pt x="450" y="0"/>
-                    <a:pt x="450" y="0"/>
-                  </a:cubicBezTo>
-                  <a:cubicBezTo>
-                    <a:pt x="434" y="14"/>
-                    <a:pt x="420" y="28"/>
-                    <a:pt x="405" y="43"/>
-                  </a:cubicBezTo>
-                  <a:cubicBezTo>
-                    <a:pt x="391" y="57"/>
-                    <a:pt x="377" y="72"/>
-                    <a:pt x="363" y="88"/>
-                  </a:cubicBezTo>
-                  <a:cubicBezTo>
-                    <a:pt x="335" y="118"/>
-                    <a:pt x="308" y="149"/>
-                    <a:pt x="283" y="181"/>
-                  </a:cubicBezTo>
-                  <a:cubicBezTo>
-                    <a:pt x="232" y="246"/>
-                    <a:pt x="185" y="314"/>
-                    <a:pt x="145" y="386"/>
-                  </a:cubicBezTo>
-                  <a:cubicBezTo>
-                    <a:pt x="104" y="457"/>
-                    <a:pt x="70" y="533"/>
-                    <a:pt x="45" y="611"/>
-                  </a:cubicBezTo>
-                  <a:cubicBezTo>
-                    <a:pt x="19" y="690"/>
-                    <a:pt x="3" y="771"/>
-                    <a:pt x="0" y="854"/>
-                  </a:cubicBezTo>
-                  <a:cubicBezTo>
-                    <a:pt x="0" y="856"/>
-                    <a:pt x="0" y="857"/>
-                    <a:pt x="0" y="859"/>
-                  </a:cubicBezTo>
-                  <a:cubicBezTo>
-                    <a:pt x="2" y="865"/>
-                    <a:pt x="4" y="872"/>
-                    <a:pt x="7" y="878"/>
-                  </a:cubicBezTo>
-                  <a:cubicBezTo>
-                    <a:pt x="7" y="870"/>
-                    <a:pt x="7" y="862"/>
-                    <a:pt x="7" y="854"/>
-                  </a:cubicBezTo>
-                  <a:close/>
-                </a:path>
-              </a:pathLst>
-            </a:custGeom>
-            <a:solidFill>
-              <a:schemeClr val="tx2">
-                <a:alpha val="20000"/>
-              </a:schemeClr>
-            </a:solidFill>
-            <a:ln>
-              <a:noFill/>
-            </a:ln>
-          </p:spPr>
-        </p:sp>
-        <p:sp>
-          <p:nvSpPr>
-            <p:cNvPr id="33" name="Freeform 20"/>
-            <p:cNvSpPr/>
-            <p:nvPr/>
-          </p:nvSpPr>
-          <p:spPr bwMode="auto">
-            <a:xfrm>
-              <a:off x="3273426" y="5653088"/>
-              <a:ext cx="138113" cy="287338"/>
-            </a:xfrm>
-            <a:custGeom>
-              <a:avLst/>
-              <a:gdLst/>
-              <a:ahLst/>
-              <a:cxnLst/>
-              <a:rect l="0" t="0" r="r" b="b"/>
-              <a:pathLst>
-                <a:path w="35" h="73">
-                  <a:moveTo>
-                    <a:pt x="0" y="0"/>
-                  </a:moveTo>
-                  <a:cubicBezTo>
-                    <a:pt x="7" y="24"/>
-                    <a:pt x="16" y="49"/>
-                    <a:pt x="26" y="73"/>
-                  </a:cubicBezTo>
-                  <a:cubicBezTo>
-                    <a:pt x="35" y="73"/>
-                    <a:pt x="35" y="73"/>
-                    <a:pt x="35" y="73"/>
-                  </a:cubicBezTo>
-                  <a:cubicBezTo>
-                    <a:pt x="23" y="49"/>
-                    <a:pt x="11" y="24"/>
-                    <a:pt x="0" y="0"/>
-                  </a:cubicBezTo>
-                  <a:close/>
-                </a:path>
-              </a:pathLst>
-            </a:custGeom>
-            <a:solidFill>
-              <a:schemeClr val="tx2">
-                <a:alpha val="20000"/>
-              </a:schemeClr>
-            </a:solidFill>
-            <a:ln>
-              <a:noFill/>
-            </a:ln>
-          </p:spPr>
-        </p:sp>
-        <p:sp>
-          <p:nvSpPr>
-            <p:cNvPr id="34" name="Freeform 21"/>
-            <p:cNvSpPr/>
-            <p:nvPr/>
-          </p:nvSpPr>
-          <p:spPr bwMode="auto">
-            <a:xfrm>
-              <a:off x="3143251" y="4656138"/>
-              <a:ext cx="31750" cy="188913"/>
-            </a:xfrm>
-            <a:custGeom>
-              <a:avLst/>
-              <a:gdLst/>
-              <a:ahLst/>
-              <a:cxnLst/>
-              <a:rect l="0" t="0" r="r" b="b"/>
-              <a:pathLst>
-                <a:path w="8" h="48">
-                  <a:moveTo>
-                    <a:pt x="7" y="44"/>
-                  </a:moveTo>
-                  <a:cubicBezTo>
-                    <a:pt x="7" y="46"/>
-                    <a:pt x="8" y="47"/>
-                    <a:pt x="8" y="48"/>
-                  </a:cubicBezTo>
-                  <a:cubicBezTo>
-                    <a:pt x="8" y="38"/>
-                    <a:pt x="8" y="29"/>
-                    <a:pt x="8" y="19"/>
-                  </a:cubicBezTo>
-                  <a:cubicBezTo>
-                    <a:pt x="5" y="13"/>
-                    <a:pt x="3" y="6"/>
-                    <a:pt x="1" y="0"/>
-                  </a:cubicBezTo>
-                  <a:cubicBezTo>
-                    <a:pt x="0" y="9"/>
-                    <a:pt x="0" y="17"/>
-                    <a:pt x="0" y="26"/>
-                  </a:cubicBezTo>
-                  <a:cubicBezTo>
-                    <a:pt x="2" y="32"/>
-                    <a:pt x="5" y="38"/>
-                    <a:pt x="7" y="44"/>
-                  </a:cubicBezTo>
-                  <a:close/>
-                </a:path>
-              </a:pathLst>
-            </a:custGeom>
-            <a:solidFill>
-              <a:schemeClr val="tx2">
-                <a:alpha val="20000"/>
-              </a:schemeClr>
-            </a:solidFill>
-            <a:ln>
-              <a:noFill/>
-            </a:ln>
-          </p:spPr>
-        </p:sp>
-        <p:sp>
-          <p:nvSpPr>
-            <p:cNvPr id="35" name="Freeform 22"/>
-            <p:cNvSpPr/>
-            <p:nvPr/>
-          </p:nvSpPr>
-          <p:spPr bwMode="auto">
-            <a:xfrm>
-              <a:off x="3211513" y="5410200"/>
-              <a:ext cx="203200" cy="530225"/>
-            </a:xfrm>
-            <a:custGeom>
-              <a:avLst/>
-              <a:gdLst/>
-              <a:ahLst/>
-              <a:cxnLst/>
-              <a:rect l="0" t="0" r="r" b="b"/>
-              <a:pathLst>
-                <a:path w="52" h="135">
-                  <a:moveTo>
-                    <a:pt x="7" y="18"/>
-                  </a:moveTo>
-                  <a:cubicBezTo>
-                    <a:pt x="5" y="12"/>
-                    <a:pt x="2" y="6"/>
-                    <a:pt x="0" y="0"/>
-                  </a:cubicBezTo>
-                  <a:cubicBezTo>
-                    <a:pt x="3" y="16"/>
-                    <a:pt x="7" y="32"/>
-                    <a:pt x="12" y="48"/>
-                  </a:cubicBezTo>
-                  <a:cubicBezTo>
-                    <a:pt x="13" y="53"/>
-                    <a:pt x="14" y="57"/>
-                    <a:pt x="16" y="62"/>
-                  </a:cubicBezTo>
-                  <a:cubicBezTo>
-                    <a:pt x="27" y="86"/>
-                    <a:pt x="39" y="111"/>
-                    <a:pt x="51" y="135"/>
-                  </a:cubicBezTo>
-                  <a:cubicBezTo>
-                    <a:pt x="52" y="135"/>
-                    <a:pt x="52" y="135"/>
-                    <a:pt x="52" y="135"/>
-                  </a:cubicBezTo>
-                  <a:cubicBezTo>
-                    <a:pt x="41" y="109"/>
-                    <a:pt x="32" y="83"/>
-                    <a:pt x="24" y="56"/>
-                  </a:cubicBezTo>
-                  <a:cubicBezTo>
-                    <a:pt x="18" y="43"/>
-                    <a:pt x="13" y="31"/>
-                    <a:pt x="7" y="18"/>
-                  </a:cubicBezTo>
-                  <a:close/>
-                </a:path>
-              </a:pathLst>
-            </a:custGeom>
-            <a:solidFill>
-              <a:schemeClr val="tx2">
-                <a:alpha val="20000"/>
-              </a:schemeClr>
-            </a:solidFill>
-            <a:ln>
-              <a:noFill/>
-            </a:ln>
-          </p:spPr>
-        </p:sp>
-      </p:grpSp>
-      <p:grpSp>
-        <p:nvGrpSpPr>
-          <p:cNvPr id="10" name="Group 9"/>
-          <p:cNvGrpSpPr/>
-          <p:nvPr/>
-        </p:nvGrpSpPr>
-        <p:grpSpPr>
-          <a:xfrm>
-            <a:off x="27221" y="-786"/>
-            <a:ext cx="2356674" cy="6854039"/>
-            <a:chOff x="6627813" y="194833"/>
-            <a:chExt cx="1952625" cy="5678918"/>
-          </a:xfrm>
-        </p:grpSpPr>
-        <p:sp>
-          <p:nvSpPr>
-            <p:cNvPr id="11" name="Freeform 27"/>
-            <p:cNvSpPr/>
-            <p:nvPr/>
-          </p:nvSpPr>
-          <p:spPr bwMode="auto">
-            <a:xfrm>
-              <a:off x="6627813" y="194833"/>
-              <a:ext cx="409575" cy="3646488"/>
-            </a:xfrm>
-            <a:custGeom>
-              <a:avLst/>
-              <a:gdLst/>
-              <a:ahLst/>
-              <a:cxnLst/>
-              <a:rect l="0" t="0" r="r" b="b"/>
-              <a:pathLst>
-                <a:path w="103" h="920">
-                  <a:moveTo>
-                    <a:pt x="7" y="210"/>
-                  </a:moveTo>
-                  <a:cubicBezTo>
-                    <a:pt x="11" y="288"/>
-                    <a:pt x="17" y="367"/>
-                    <a:pt x="26" y="445"/>
-                  </a:cubicBezTo>
-                  <a:cubicBezTo>
-                    <a:pt x="34" y="523"/>
-                    <a:pt x="44" y="601"/>
-                    <a:pt x="57" y="679"/>
-                  </a:cubicBezTo>
-                  <a:cubicBezTo>
-                    <a:pt x="69" y="757"/>
-                    <a:pt x="84" y="834"/>
-                    <a:pt x="101" y="911"/>
-                  </a:cubicBezTo>
-                  <a:cubicBezTo>
-                    <a:pt x="102" y="914"/>
-                    <a:pt x="103" y="917"/>
-                    <a:pt x="103" y="920"/>
-                  </a:cubicBezTo>
-                  <a:cubicBezTo>
-                    <a:pt x="102" y="905"/>
-                    <a:pt x="100" y="889"/>
-                    <a:pt x="99" y="874"/>
-                  </a:cubicBezTo>
-                  <a:cubicBezTo>
-                    <a:pt x="99" y="871"/>
-                    <a:pt x="99" y="868"/>
-                    <a:pt x="99" y="866"/>
-                  </a:cubicBezTo>
-                  <a:cubicBezTo>
-                    <a:pt x="85" y="803"/>
-                    <a:pt x="73" y="741"/>
-                    <a:pt x="63" y="678"/>
-                  </a:cubicBezTo>
-                  <a:cubicBezTo>
-                    <a:pt x="50" y="600"/>
-                    <a:pt x="39" y="523"/>
-                    <a:pt x="30" y="444"/>
-                  </a:cubicBezTo>
-                  <a:cubicBezTo>
-                    <a:pt x="21" y="366"/>
-                    <a:pt x="14" y="288"/>
-                    <a:pt x="9" y="209"/>
-                  </a:cubicBezTo>
-                  <a:cubicBezTo>
-                    <a:pt x="7" y="170"/>
-                    <a:pt x="5" y="131"/>
-                    <a:pt x="3" y="92"/>
-                  </a:cubicBezTo>
-                  <a:cubicBezTo>
-                    <a:pt x="2" y="61"/>
-                    <a:pt x="1" y="31"/>
-                    <a:pt x="1" y="0"/>
-                  </a:cubicBezTo>
-                  <a:cubicBezTo>
-                    <a:pt x="0" y="0"/>
-                    <a:pt x="0" y="0"/>
-                    <a:pt x="0" y="0"/>
-                  </a:cubicBezTo>
-                  <a:cubicBezTo>
-                    <a:pt x="0" y="31"/>
-                    <a:pt x="1" y="61"/>
-                    <a:pt x="1" y="92"/>
-                  </a:cubicBezTo>
-                  <a:cubicBezTo>
-                    <a:pt x="3" y="131"/>
-                    <a:pt x="4" y="170"/>
-                    <a:pt x="7" y="210"/>
-                  </a:cubicBezTo>
-                  <a:close/>
-                </a:path>
-              </a:pathLst>
-            </a:custGeom>
-            <a:solidFill>
-              <a:schemeClr val="tx2"/>
-            </a:solidFill>
-            <a:ln>
-              <a:noFill/>
-            </a:ln>
-          </p:spPr>
-        </p:sp>
-        <p:sp>
-          <p:nvSpPr>
-            <p:cNvPr id="12" name="Freeform 28"/>
-            <p:cNvSpPr/>
-            <p:nvPr/>
-          </p:nvSpPr>
-          <p:spPr bwMode="auto">
-            <a:xfrm>
-              <a:off x="7061201" y="3771900"/>
-              <a:ext cx="350838" cy="1309688"/>
-            </a:xfrm>
-            <a:custGeom>
-              <a:avLst/>
-              <a:gdLst/>
-              <a:ahLst/>
-              <a:cxnLst/>
-              <a:rect l="0" t="0" r="r" b="b"/>
-              <a:pathLst>
-                <a:path w="88" h="330">
-                  <a:moveTo>
-                    <a:pt x="53" y="229"/>
-                  </a:moveTo>
-                  <a:cubicBezTo>
-                    <a:pt x="64" y="263"/>
-                    <a:pt x="75" y="297"/>
-                    <a:pt x="88" y="330"/>
-                  </a:cubicBezTo>
-                  <a:cubicBezTo>
-                    <a:pt x="88" y="323"/>
-                    <a:pt x="88" y="315"/>
-                    <a:pt x="88" y="308"/>
-                  </a:cubicBezTo>
-                  <a:cubicBezTo>
-                    <a:pt x="88" y="307"/>
-                    <a:pt x="88" y="305"/>
-                    <a:pt x="88" y="304"/>
-                  </a:cubicBezTo>
-                  <a:cubicBezTo>
-                    <a:pt x="79" y="278"/>
-                    <a:pt x="70" y="252"/>
-                    <a:pt x="62" y="226"/>
-                  </a:cubicBezTo>
-                  <a:cubicBezTo>
-                    <a:pt x="38" y="152"/>
-                    <a:pt x="17" y="76"/>
-                    <a:pt x="0" y="0"/>
-                  </a:cubicBezTo>
-                  <a:cubicBezTo>
-                    <a:pt x="2" y="21"/>
-                    <a:pt x="4" y="42"/>
-                    <a:pt x="7" y="63"/>
-                  </a:cubicBezTo>
-                  <a:cubicBezTo>
-                    <a:pt x="21" y="119"/>
-                    <a:pt x="36" y="174"/>
-                    <a:pt x="53" y="229"/>
-                  </a:cubicBezTo>
-                  <a:close/>
-                </a:path>
-              </a:pathLst>
-            </a:custGeom>
-            <a:solidFill>
-              <a:schemeClr val="tx2"/>
-            </a:solidFill>
-            <a:ln>
-              <a:noFill/>
-            </a:ln>
-          </p:spPr>
-        </p:sp>
-        <p:sp>
-          <p:nvSpPr>
-            <p:cNvPr id="13" name="Freeform 29"/>
-            <p:cNvSpPr/>
-            <p:nvPr/>
-          </p:nvSpPr>
-          <p:spPr bwMode="auto">
-            <a:xfrm>
-              <a:off x="7439026" y="5053013"/>
-              <a:ext cx="357188" cy="820738"/>
-            </a:xfrm>
-            <a:custGeom>
-              <a:avLst/>
-              <a:gdLst/>
-              <a:ahLst/>
-              <a:cxnLst/>
-              <a:rect l="0" t="0" r="r" b="b"/>
-              <a:pathLst>
-                <a:path w="90" h="207">
-                  <a:moveTo>
-                    <a:pt x="6" y="15"/>
-                  </a:moveTo>
-                  <a:cubicBezTo>
-                    <a:pt x="4" y="10"/>
-                    <a:pt x="2" y="5"/>
-                    <a:pt x="0" y="0"/>
-                  </a:cubicBezTo>
-                  <a:cubicBezTo>
-                    <a:pt x="0" y="9"/>
-                    <a:pt x="0" y="19"/>
-                    <a:pt x="1" y="29"/>
-                  </a:cubicBezTo>
-                  <a:cubicBezTo>
-                    <a:pt x="14" y="62"/>
-                    <a:pt x="27" y="95"/>
-                    <a:pt x="42" y="127"/>
-                  </a:cubicBezTo>
-                  <a:cubicBezTo>
-                    <a:pt x="54" y="154"/>
-                    <a:pt x="67" y="181"/>
-                    <a:pt x="80" y="207"/>
-                  </a:cubicBezTo>
-                  <a:cubicBezTo>
-                    <a:pt x="90" y="207"/>
-                    <a:pt x="90" y="207"/>
-                    <a:pt x="90" y="207"/>
-                  </a:cubicBezTo>
-                  <a:cubicBezTo>
-                    <a:pt x="76" y="180"/>
-                    <a:pt x="63" y="152"/>
-                    <a:pt x="50" y="123"/>
-                  </a:cubicBezTo>
-                  <a:cubicBezTo>
-                    <a:pt x="34" y="88"/>
-                    <a:pt x="20" y="51"/>
-                    <a:pt x="6" y="15"/>
-                  </a:cubicBezTo>
-                  <a:close/>
-                </a:path>
-              </a:pathLst>
-            </a:custGeom>
-            <a:solidFill>
-              <a:schemeClr val="tx2"/>
-            </a:solidFill>
-            <a:ln>
-              <a:noFill/>
-            </a:ln>
-          </p:spPr>
-        </p:sp>
-        <p:sp>
-          <p:nvSpPr>
-            <p:cNvPr id="14" name="Freeform 30"/>
-            <p:cNvSpPr/>
-            <p:nvPr/>
-          </p:nvSpPr>
-          <p:spPr bwMode="auto">
-            <a:xfrm>
-              <a:off x="7037388" y="3811588"/>
-              <a:ext cx="457200" cy="1852613"/>
-            </a:xfrm>
-            <a:custGeom>
-              <a:avLst/>
-              <a:gdLst/>
-              <a:ahLst/>
-              <a:cxnLst/>
-              <a:rect l="0" t="0" r="r" b="b"/>
-              <a:pathLst>
-                <a:path w="115" h="467">
-                  <a:moveTo>
-                    <a:pt x="101" y="409"/>
-                  </a:moveTo>
-                  <a:cubicBezTo>
-                    <a:pt x="93" y="388"/>
-                    <a:pt x="85" y="366"/>
-                    <a:pt x="78" y="344"/>
-                  </a:cubicBezTo>
-                  <a:cubicBezTo>
-                    <a:pt x="57" y="281"/>
-                    <a:pt x="41" y="216"/>
-                    <a:pt x="29" y="151"/>
-                  </a:cubicBezTo>
-                  <a:cubicBezTo>
-                    <a:pt x="22" y="119"/>
-                    <a:pt x="17" y="86"/>
-                    <a:pt x="13" y="53"/>
-                  </a:cubicBezTo>
-                  <a:cubicBezTo>
-                    <a:pt x="9" y="35"/>
-                    <a:pt x="4" y="18"/>
-                    <a:pt x="0" y="0"/>
-                  </a:cubicBezTo>
-                  <a:cubicBezTo>
-                    <a:pt x="5" y="51"/>
-                    <a:pt x="12" y="102"/>
-                    <a:pt x="21" y="152"/>
-                  </a:cubicBezTo>
-                  <a:cubicBezTo>
-                    <a:pt x="33" y="218"/>
-                    <a:pt x="49" y="283"/>
-                    <a:pt x="69" y="347"/>
-                  </a:cubicBezTo>
-                  <a:cubicBezTo>
-                    <a:pt x="79" y="378"/>
-                    <a:pt x="90" y="410"/>
-                    <a:pt x="103" y="441"/>
-                  </a:cubicBezTo>
-                  <a:cubicBezTo>
-                    <a:pt x="107" y="449"/>
-                    <a:pt x="111" y="458"/>
-                    <a:pt x="115" y="467"/>
-                  </a:cubicBezTo>
-                  <a:cubicBezTo>
-                    <a:pt x="114" y="464"/>
-                    <a:pt x="113" y="461"/>
-                    <a:pt x="112" y="458"/>
-                  </a:cubicBezTo>
-                  <a:cubicBezTo>
-                    <a:pt x="108" y="442"/>
-                    <a:pt x="104" y="425"/>
-                    <a:pt x="101" y="409"/>
-                  </a:cubicBezTo>
-                  <a:close/>
-                </a:path>
-              </a:pathLst>
-            </a:custGeom>
-            <a:solidFill>
-              <a:schemeClr val="tx2"/>
-            </a:solidFill>
-            <a:ln>
-              <a:noFill/>
-            </a:ln>
-          </p:spPr>
-        </p:sp>
-        <p:sp>
-          <p:nvSpPr>
-            <p:cNvPr id="15" name="Freeform 31"/>
-            <p:cNvSpPr/>
-            <p:nvPr/>
-          </p:nvSpPr>
-          <p:spPr bwMode="auto">
-            <a:xfrm>
-              <a:off x="6992938" y="1263650"/>
-              <a:ext cx="144463" cy="2508250"/>
-            </a:xfrm>
-            <a:custGeom>
-              <a:avLst/>
-              <a:gdLst/>
-              <a:ahLst/>
-              <a:cxnLst/>
-              <a:rect l="0" t="0" r="r" b="b"/>
-              <a:pathLst>
-                <a:path w="36" h="633">
-                  <a:moveTo>
-                    <a:pt x="17" y="633"/>
-                  </a:moveTo>
-                  <a:cubicBezTo>
-                    <a:pt x="15" y="621"/>
-                    <a:pt x="14" y="609"/>
-                    <a:pt x="13" y="597"/>
-                  </a:cubicBezTo>
-                  <a:cubicBezTo>
-                    <a:pt x="8" y="530"/>
-                    <a:pt x="5" y="464"/>
-                    <a:pt x="5" y="398"/>
-                  </a:cubicBezTo>
-                  <a:cubicBezTo>
-                    <a:pt x="5" y="331"/>
-                    <a:pt x="8" y="265"/>
-                    <a:pt x="13" y="198"/>
-                  </a:cubicBezTo>
-                  <a:cubicBezTo>
-                    <a:pt x="15" y="165"/>
-                    <a:pt x="18" y="132"/>
-                    <a:pt x="22" y="99"/>
-                  </a:cubicBezTo>
-                  <a:cubicBezTo>
-                    <a:pt x="26" y="66"/>
-                    <a:pt x="30" y="33"/>
-                    <a:pt x="36" y="0"/>
-                  </a:cubicBezTo>
-                  <a:cubicBezTo>
-                    <a:pt x="35" y="0"/>
-                    <a:pt x="35" y="0"/>
-                    <a:pt x="35" y="0"/>
-                  </a:cubicBezTo>
-                  <a:cubicBezTo>
-                    <a:pt x="29" y="33"/>
-                    <a:pt x="24" y="66"/>
-                    <a:pt x="20" y="99"/>
-                  </a:cubicBezTo>
-                  <a:cubicBezTo>
-                    <a:pt x="16" y="132"/>
-                    <a:pt x="13" y="165"/>
-                    <a:pt x="10" y="198"/>
-                  </a:cubicBezTo>
-                  <a:cubicBezTo>
-                    <a:pt x="4" y="264"/>
-                    <a:pt x="1" y="331"/>
-                    <a:pt x="1" y="398"/>
-                  </a:cubicBezTo>
-                  <a:cubicBezTo>
-                    <a:pt x="0" y="461"/>
-                    <a:pt x="2" y="525"/>
-                    <a:pt x="7" y="589"/>
-                  </a:cubicBezTo>
-                  <a:cubicBezTo>
-                    <a:pt x="10" y="603"/>
-                    <a:pt x="13" y="618"/>
-                    <a:pt x="16" y="632"/>
-                  </a:cubicBezTo>
-                  <a:cubicBezTo>
-                    <a:pt x="16" y="632"/>
-                    <a:pt x="17" y="633"/>
-                    <a:pt x="17" y="633"/>
-                  </a:cubicBezTo>
-                  <a:close/>
-                </a:path>
-              </a:pathLst>
-            </a:custGeom>
-            <a:solidFill>
-              <a:schemeClr val="tx2"/>
-            </a:solidFill>
-            <a:ln>
-              <a:noFill/>
-            </a:ln>
-          </p:spPr>
-        </p:sp>
-        <p:sp>
-          <p:nvSpPr>
-            <p:cNvPr id="16" name="Freeform 32"/>
-            <p:cNvSpPr/>
-            <p:nvPr/>
-          </p:nvSpPr>
-          <p:spPr bwMode="auto">
-            <a:xfrm>
-              <a:off x="7526338" y="5640388"/>
-              <a:ext cx="111125" cy="233363"/>
-            </a:xfrm>
-            <a:custGeom>
-              <a:avLst/>
-              <a:gdLst/>
-              <a:ahLst/>
-              <a:cxnLst/>
-              <a:rect l="0" t="0" r="r" b="b"/>
-              <a:pathLst>
-                <a:path w="28" h="59">
-                  <a:moveTo>
-                    <a:pt x="22" y="59"/>
-                  </a:moveTo>
-                  <a:cubicBezTo>
-                    <a:pt x="28" y="59"/>
-                    <a:pt x="28" y="59"/>
-                    <a:pt x="28" y="59"/>
-                  </a:cubicBezTo>
-                  <a:cubicBezTo>
-                    <a:pt x="18" y="40"/>
-                    <a:pt x="9" y="20"/>
-                    <a:pt x="0" y="0"/>
-                  </a:cubicBezTo>
-                  <a:cubicBezTo>
-                    <a:pt x="6" y="20"/>
-                    <a:pt x="13" y="40"/>
-                    <a:pt x="22" y="59"/>
-                  </a:cubicBezTo>
-                  <a:close/>
-                </a:path>
-              </a:pathLst>
-            </a:custGeom>
-            <a:solidFill>
-              <a:schemeClr val="tx2"/>
-            </a:solidFill>
-            <a:ln>
-              <a:noFill/>
-            </a:ln>
-          </p:spPr>
-        </p:sp>
-        <p:sp>
-          <p:nvSpPr>
-            <p:cNvPr id="17" name="Freeform 33"/>
-            <p:cNvSpPr/>
-            <p:nvPr/>
-          </p:nvSpPr>
-          <p:spPr bwMode="auto">
-            <a:xfrm>
-              <a:off x="7021513" y="3598863"/>
-              <a:ext cx="68263" cy="423863"/>
-            </a:xfrm>
-            <a:custGeom>
-              <a:avLst/>
-              <a:gdLst/>
-              <a:ahLst/>
-              <a:cxnLst/>
-              <a:rect l="0" t="0" r="r" b="b"/>
-              <a:pathLst>
-                <a:path w="17" h="107">
-                  <a:moveTo>
-                    <a:pt x="4" y="54"/>
-                  </a:moveTo>
-                  <a:cubicBezTo>
-                    <a:pt x="8" y="72"/>
-                    <a:pt x="13" y="89"/>
-                    <a:pt x="17" y="107"/>
-                  </a:cubicBezTo>
-                  <a:cubicBezTo>
-                    <a:pt x="14" y="86"/>
-                    <a:pt x="12" y="65"/>
-                    <a:pt x="10" y="44"/>
-                  </a:cubicBezTo>
-                  <a:cubicBezTo>
-                    <a:pt x="10" y="44"/>
-                    <a:pt x="9" y="43"/>
-                    <a:pt x="9" y="43"/>
-                  </a:cubicBezTo>
-                  <a:cubicBezTo>
-                    <a:pt x="6" y="29"/>
-                    <a:pt x="3" y="14"/>
-                    <a:pt x="0" y="0"/>
-                  </a:cubicBezTo>
-                  <a:cubicBezTo>
-                    <a:pt x="0" y="2"/>
-                    <a:pt x="0" y="5"/>
-                    <a:pt x="0" y="8"/>
-                  </a:cubicBezTo>
-                  <a:cubicBezTo>
-                    <a:pt x="1" y="23"/>
-                    <a:pt x="3" y="39"/>
-                    <a:pt x="4" y="54"/>
-                  </a:cubicBezTo>
-                  <a:close/>
-                </a:path>
-              </a:pathLst>
-            </a:custGeom>
-            <a:solidFill>
-              <a:schemeClr val="tx2"/>
-            </a:solidFill>
-            <a:ln>
-              <a:noFill/>
-            </a:ln>
-          </p:spPr>
-        </p:sp>
-        <p:sp>
-          <p:nvSpPr>
-            <p:cNvPr id="18" name="Freeform 34"/>
-            <p:cNvSpPr/>
-            <p:nvPr/>
-          </p:nvSpPr>
-          <p:spPr bwMode="auto">
-            <a:xfrm>
-              <a:off x="7412038" y="2801938"/>
-              <a:ext cx="1168400" cy="2251075"/>
-            </a:xfrm>
-            <a:custGeom>
-              <a:avLst/>
-              <a:gdLst/>
-              <a:ahLst/>
-              <a:cxnLst/>
-              <a:rect l="0" t="0" r="r" b="b"/>
-              <a:pathLst>
-                <a:path w="294" h="568">
-                  <a:moveTo>
-                    <a:pt x="8" y="553"/>
-                  </a:moveTo>
-                  <a:cubicBezTo>
-                    <a:pt x="9" y="501"/>
-                    <a:pt x="19" y="448"/>
-                    <a:pt x="35" y="397"/>
-                  </a:cubicBezTo>
-                  <a:cubicBezTo>
-                    <a:pt x="51" y="347"/>
-                    <a:pt x="73" y="298"/>
-                    <a:pt x="99" y="252"/>
-                  </a:cubicBezTo>
-                  <a:cubicBezTo>
-                    <a:pt x="124" y="205"/>
-                    <a:pt x="154" y="161"/>
-                    <a:pt x="187" y="119"/>
-                  </a:cubicBezTo>
-                  <a:cubicBezTo>
-                    <a:pt x="203" y="98"/>
-                    <a:pt x="220" y="77"/>
-                    <a:pt x="238" y="58"/>
-                  </a:cubicBezTo>
-                  <a:cubicBezTo>
-                    <a:pt x="247" y="48"/>
-                    <a:pt x="256" y="38"/>
-                    <a:pt x="265" y="28"/>
-                  </a:cubicBezTo>
-                  <a:cubicBezTo>
-                    <a:pt x="274" y="19"/>
-                    <a:pt x="284" y="9"/>
-                    <a:pt x="294" y="0"/>
-                  </a:cubicBezTo>
-                  <a:cubicBezTo>
-                    <a:pt x="293" y="0"/>
-                    <a:pt x="293" y="0"/>
-                    <a:pt x="293" y="0"/>
-                  </a:cubicBezTo>
-                  <a:cubicBezTo>
-                    <a:pt x="283" y="9"/>
-                    <a:pt x="273" y="18"/>
-                    <a:pt x="264" y="27"/>
-                  </a:cubicBezTo>
-                  <a:cubicBezTo>
-                    <a:pt x="255" y="37"/>
-                    <a:pt x="246" y="47"/>
-                    <a:pt x="237" y="56"/>
-                  </a:cubicBezTo>
-                  <a:cubicBezTo>
-                    <a:pt x="218" y="76"/>
-                    <a:pt x="201" y="96"/>
-                    <a:pt x="185" y="117"/>
-                  </a:cubicBezTo>
-                  <a:cubicBezTo>
-                    <a:pt x="151" y="159"/>
-                    <a:pt x="121" y="203"/>
-                    <a:pt x="95" y="249"/>
-                  </a:cubicBezTo>
-                  <a:cubicBezTo>
-                    <a:pt x="68" y="296"/>
-                    <a:pt x="46" y="345"/>
-                    <a:pt x="30" y="396"/>
-                  </a:cubicBezTo>
-                  <a:cubicBezTo>
-                    <a:pt x="13" y="445"/>
-                    <a:pt x="3" y="497"/>
-                    <a:pt x="0" y="549"/>
-                  </a:cubicBezTo>
-                  <a:cubicBezTo>
-                    <a:pt x="3" y="555"/>
-                    <a:pt x="5" y="561"/>
-                    <a:pt x="7" y="568"/>
-                  </a:cubicBezTo>
-                  <a:cubicBezTo>
-                    <a:pt x="7" y="563"/>
-                    <a:pt x="7" y="558"/>
-                    <a:pt x="8" y="553"/>
-                  </a:cubicBezTo>
-                  <a:close/>
-                </a:path>
-              </a:pathLst>
-            </a:custGeom>
-            <a:solidFill>
-              <a:schemeClr val="tx2"/>
-            </a:solidFill>
-            <a:ln>
-              <a:noFill/>
-            </a:ln>
-          </p:spPr>
-        </p:sp>
-        <p:sp>
-          <p:nvSpPr>
-            <p:cNvPr id="19" name="Freeform 35"/>
-            <p:cNvSpPr/>
-            <p:nvPr/>
-          </p:nvSpPr>
-          <p:spPr bwMode="auto">
-            <a:xfrm>
-              <a:off x="7494588" y="5664200"/>
-              <a:ext cx="100013" cy="209550"/>
-            </a:xfrm>
-            <a:custGeom>
-              <a:avLst/>
-              <a:gdLst/>
-              <a:ahLst/>
-              <a:cxnLst/>
-              <a:rect l="0" t="0" r="r" b="b"/>
-              <a:pathLst>
-                <a:path w="25" h="53">
-                  <a:moveTo>
-                    <a:pt x="0" y="0"/>
-                  </a:moveTo>
-                  <a:cubicBezTo>
-                    <a:pt x="5" y="18"/>
-                    <a:pt x="12" y="36"/>
-                    <a:pt x="19" y="53"/>
-                  </a:cubicBezTo>
-                  <a:cubicBezTo>
-                    <a:pt x="25" y="53"/>
-                    <a:pt x="25" y="53"/>
-                    <a:pt x="25" y="53"/>
-                  </a:cubicBezTo>
-                  <a:cubicBezTo>
-                    <a:pt x="16" y="36"/>
-                    <a:pt x="8" y="18"/>
-                    <a:pt x="0" y="0"/>
-                  </a:cubicBezTo>
-                  <a:close/>
-                </a:path>
-              </a:pathLst>
-            </a:custGeom>
-            <a:solidFill>
-              <a:schemeClr val="tx2"/>
-            </a:solidFill>
-            <a:ln>
-              <a:noFill/>
-            </a:ln>
-          </p:spPr>
-        </p:sp>
-        <p:sp>
-          <p:nvSpPr>
-            <p:cNvPr id="20" name="Freeform 36"/>
-            <p:cNvSpPr/>
-            <p:nvPr/>
-          </p:nvSpPr>
-          <p:spPr bwMode="auto">
-            <a:xfrm>
-              <a:off x="7412038" y="5081588"/>
-              <a:ext cx="114300" cy="558800"/>
-            </a:xfrm>
-            <a:custGeom>
-              <a:avLst/>
-              <a:gdLst/>
-              <a:ahLst/>
-              <a:cxnLst/>
-              <a:rect l="0" t="0" r="r" b="b"/>
-              <a:pathLst>
-                <a:path w="29" h="141">
-                  <a:moveTo>
-                    <a:pt x="0" y="0"/>
-                  </a:moveTo>
-                  <a:cubicBezTo>
-                    <a:pt x="0" y="30"/>
-                    <a:pt x="2" y="60"/>
-                    <a:pt x="7" y="89"/>
-                  </a:cubicBezTo>
-                  <a:cubicBezTo>
-                    <a:pt x="11" y="98"/>
-                    <a:pt x="14" y="108"/>
-                    <a:pt x="18" y="117"/>
-                  </a:cubicBezTo>
-                  <a:cubicBezTo>
-                    <a:pt x="22" y="125"/>
-                    <a:pt x="25" y="133"/>
-                    <a:pt x="29" y="141"/>
-                  </a:cubicBezTo>
-                  <a:cubicBezTo>
-                    <a:pt x="28" y="139"/>
-                    <a:pt x="28" y="137"/>
-                    <a:pt x="27" y="135"/>
-                  </a:cubicBezTo>
-                  <a:cubicBezTo>
-                    <a:pt x="16" y="98"/>
-                    <a:pt x="10" y="60"/>
-                    <a:pt x="8" y="22"/>
-                  </a:cubicBezTo>
-                  <a:cubicBezTo>
-                    <a:pt x="7" y="18"/>
-                    <a:pt x="5" y="15"/>
-                    <a:pt x="4" y="11"/>
-                  </a:cubicBezTo>
-                  <a:cubicBezTo>
-                    <a:pt x="2" y="7"/>
-                    <a:pt x="1" y="3"/>
-                    <a:pt x="0" y="0"/>
-                  </a:cubicBezTo>
-                  <a:close/>
-                </a:path>
-              </a:pathLst>
-            </a:custGeom>
-            <a:solidFill>
-              <a:schemeClr val="tx2"/>
-            </a:solidFill>
-            <a:ln>
-              <a:noFill/>
-            </a:ln>
-          </p:spPr>
-        </p:sp>
-        <p:sp>
-          <p:nvSpPr>
-            <p:cNvPr id="21" name="Freeform 37"/>
-            <p:cNvSpPr/>
-            <p:nvPr/>
-          </p:nvSpPr>
-          <p:spPr bwMode="auto">
-            <a:xfrm>
-              <a:off x="7412038" y="4978400"/>
-              <a:ext cx="31750" cy="188913"/>
-            </a:xfrm>
-            <a:custGeom>
-              <a:avLst/>
-              <a:gdLst/>
-              <a:ahLst/>
-              <a:cxnLst/>
-              <a:rect l="0" t="0" r="r" b="b"/>
-              <a:pathLst>
-                <a:path w="8" h="48">
-                  <a:moveTo>
-                    <a:pt x="0" y="26"/>
-                  </a:moveTo>
-                  <a:cubicBezTo>
-                    <a:pt x="1" y="29"/>
-                    <a:pt x="2" y="33"/>
-                    <a:pt x="4" y="37"/>
-                  </a:cubicBezTo>
-                  <a:cubicBezTo>
-                    <a:pt x="5" y="41"/>
-                    <a:pt x="7" y="44"/>
-                    <a:pt x="8" y="48"/>
-                  </a:cubicBezTo>
-                  <a:cubicBezTo>
-                    <a:pt x="7" y="38"/>
-                    <a:pt x="7" y="28"/>
-                    <a:pt x="7" y="19"/>
-                  </a:cubicBezTo>
-                  <a:cubicBezTo>
-                    <a:pt x="5" y="12"/>
-                    <a:pt x="3" y="6"/>
-                    <a:pt x="0" y="0"/>
-                  </a:cubicBezTo>
-                  <a:cubicBezTo>
-                    <a:pt x="0" y="1"/>
-                    <a:pt x="0" y="3"/>
-                    <a:pt x="0" y="4"/>
-                  </a:cubicBezTo>
-                  <a:cubicBezTo>
-                    <a:pt x="0" y="11"/>
-                    <a:pt x="0" y="19"/>
-                    <a:pt x="0" y="26"/>
-                  </a:cubicBezTo>
-                  <a:close/>
-                </a:path>
-              </a:pathLst>
-            </a:custGeom>
-            <a:solidFill>
-              <a:schemeClr val="tx2"/>
-            </a:solidFill>
-            <a:ln>
-              <a:noFill/>
-            </a:ln>
-          </p:spPr>
-        </p:sp>
-        <p:sp>
-          <p:nvSpPr>
-            <p:cNvPr id="22" name="Freeform 38"/>
-            <p:cNvSpPr/>
-            <p:nvPr/>
-          </p:nvSpPr>
-          <p:spPr bwMode="auto">
-            <a:xfrm>
-              <a:off x="7439026" y="5434013"/>
-              <a:ext cx="174625" cy="439738"/>
-            </a:xfrm>
-            <a:custGeom>
-              <a:avLst/>
-              <a:gdLst/>
-              <a:ahLst/>
-              <a:cxnLst/>
-              <a:rect l="0" t="0" r="r" b="b"/>
-              <a:pathLst>
-                <a:path w="44" h="111">
-                  <a:moveTo>
-                    <a:pt x="11" y="28"/>
-                  </a:moveTo>
-                  <a:cubicBezTo>
-                    <a:pt x="7" y="19"/>
-                    <a:pt x="4" y="9"/>
-                    <a:pt x="0" y="0"/>
-                  </a:cubicBezTo>
-                  <a:cubicBezTo>
-                    <a:pt x="3" y="16"/>
-                    <a:pt x="7" y="33"/>
-                    <a:pt x="11" y="49"/>
-                  </a:cubicBezTo>
-                  <a:cubicBezTo>
-                    <a:pt x="12" y="52"/>
-                    <a:pt x="13" y="55"/>
-                    <a:pt x="14" y="58"/>
-                  </a:cubicBezTo>
-                  <a:cubicBezTo>
-                    <a:pt x="22" y="76"/>
-                    <a:pt x="30" y="94"/>
-                    <a:pt x="39" y="111"/>
-                  </a:cubicBezTo>
-                  <a:cubicBezTo>
-                    <a:pt x="44" y="111"/>
-                    <a:pt x="44" y="111"/>
-                    <a:pt x="44" y="111"/>
-                  </a:cubicBezTo>
-                  <a:cubicBezTo>
-                    <a:pt x="35" y="92"/>
-                    <a:pt x="28" y="72"/>
-                    <a:pt x="22" y="52"/>
-                  </a:cubicBezTo>
-                  <a:cubicBezTo>
-                    <a:pt x="18" y="44"/>
-                    <a:pt x="15" y="36"/>
-                    <a:pt x="11" y="28"/>
-                  </a:cubicBezTo>
-                  <a:close/>
-                </a:path>
-              </a:pathLst>
-            </a:custGeom>
-            <a:solidFill>
-              <a:schemeClr val="tx2"/>
-            </a:solidFill>
-            <a:ln>
-              <a:noFill/>
-            </a:ln>
-          </p:spPr>
-        </p:sp>
-      </p:grpSp>
-      <p:sp>
-        <p:nvSpPr>
-          <p:cNvPr id="7" name="Rectangle 6"/>
-          <p:cNvSpPr/>
-          <p:nvPr/>
-        </p:nvSpPr>
+        </p:nvPicPr>
+        <p:blipFill>
+          <a:blip r:embed="rId19">
+            <a:extLst>
+              <a:ext uri="{28A0092B-C50C-407E-A947-70E740481C1C}">
+                <a14:useLocalDpi xmlns:a14="http://schemas.microsoft.com/office/drawing/2010/main" val="0"/>
+              </a:ext>
+            </a:extLst>
+          </a:blip>
+          <a:stretch>
+            <a:fillRect/>
+          </a:stretch>
+        </p:blipFill>
         <p:spPr>
           <a:xfrm>
             <a:off x="0" y="0"/>
-            <a:ext cx="182880" cy="6858000"/>
+            <a:ext cx="12192000" cy="1441450"/>
           </a:xfrm>
           <a:prstGeom prst="rect">
             <a:avLst/>
           </a:prstGeom>
-          <a:solidFill>
-            <a:schemeClr val="tx2"/>
-          </a:solidFill>
-          <a:ln>
-            <a:noFill/>
-          </a:ln>
-          <a:effectLst/>
-        </p:spPr>
-        <p:style>
-          <a:lnRef idx="1">
-            <a:schemeClr val="accent1"/>
-          </a:lnRef>
-          <a:fillRef idx="3">
-            <a:schemeClr val="accent1"/>
-          </a:fillRef>
-          <a:effectRef idx="2">
-            <a:schemeClr val="accent1"/>
-          </a:effectRef>
-          <a:fontRef idx="minor">
-            <a:schemeClr val="lt1"/>
-          </a:fontRef>
-        </p:style>
-      </p:sp>
+        </p:spPr>
+      </p:pic>
       <p:sp>
         <p:nvSpPr>
           <p:cNvPr id="2" name="Title Placeholder 1"/>
@@ -7053,15 +5230,15 @@
         </p:nvSpPr>
         <p:spPr>
           <a:xfrm>
-            <a:off x="2592924" y="624110"/>
-            <a:ext cx="8911687" cy="1280890"/>
+            <a:off x="2895600" y="764373"/>
+            <a:ext cx="8610600" cy="1293028"/>
           </a:xfrm>
           <a:prstGeom prst="rect">
             <a:avLst/>
           </a:prstGeom>
         </p:spPr>
         <p:txBody>
-          <a:bodyPr vert="horz" lIns="91440" tIns="45720" rIns="91440" bIns="45720" rtlCol="0" anchor="t">
+          <a:bodyPr vert="horz" lIns="91440" tIns="45720" rIns="91440" bIns="45720" rtlCol="0" anchor="ctr">
             <a:normAutofit/>
           </a:bodyPr>
           <a:lstStyle/>
@@ -7086,8 +5263,8 @@
         </p:nvSpPr>
         <p:spPr>
           <a:xfrm>
-            <a:off x="2589212" y="2133600"/>
-            <a:ext cx="8915400" cy="3886200"/>
+            <a:off x="685800" y="2194560"/>
+            <a:ext cx="10820400" cy="4024125"/>
           </a:xfrm>
           <a:prstGeom prst="rect">
             <a:avLst/>
@@ -7148,8 +5325,8 @@
         </p:nvSpPr>
         <p:spPr>
           <a:xfrm>
-            <a:off x="10361612" y="6130437"/>
-            <a:ext cx="1146283" cy="370396"/>
+            <a:off x="8595360" y="6356350"/>
+            <a:ext cx="2910840" cy="365125"/>
           </a:xfrm>
           <a:prstGeom prst="rect">
             <a:avLst/>
@@ -7159,7 +5336,7 @@
           <a:bodyPr vert="horz" lIns="91440" tIns="45720" rIns="91440" bIns="45720" rtlCol="0" anchor="ctr"/>
           <a:lstStyle>
             <a:lvl1pPr algn="r">
-              <a:defRPr sz="900">
+              <a:defRPr sz="1050">
                 <a:solidFill>
                   <a:schemeClr val="tx1">
                     <a:tint val="75000"/>
@@ -7171,7 +5348,7 @@
           <a:p>
             <a:fld id="{9D1441F9-EC97-2D4F-BE7B-2F3A7CF96111}" type="datetimeFigureOut">
               <a:rPr lang="en-US" smtClean="0"/>
-              <a:t>10/30/18</a:t>
+              <a:t>11/15/18</a:t>
             </a:fld>
             <a:endParaRPr lang="en-US" dirty="0"/>
           </a:p>
@@ -7189,8 +5366,8 @@
         </p:nvSpPr>
         <p:spPr>
           <a:xfrm>
-            <a:off x="2589212" y="6135808"/>
-            <a:ext cx="7619999" cy="365125"/>
+            <a:off x="685800" y="6355845"/>
+            <a:ext cx="7772400" cy="365125"/>
           </a:xfrm>
           <a:prstGeom prst="rect">
             <a:avLst/>
@@ -7200,7 +5377,7 @@
           <a:bodyPr vert="horz" lIns="91440" tIns="45720" rIns="91440" bIns="45720" rtlCol="0" anchor="ctr"/>
           <a:lstStyle>
             <a:lvl1pPr algn="l">
-              <a:defRPr sz="900">
+              <a:defRPr sz="1050">
                 <a:solidFill>
                   <a:schemeClr val="tx1">
                     <a:tint val="75000"/>
@@ -7224,10 +5401,10 @@
             <p:ph type="sldNum" sz="quarter" idx="4"/>
           </p:nvPr>
         </p:nvSpPr>
-        <p:spPr bwMode="gray">
+        <p:spPr>
           <a:xfrm>
-            <a:off x="531812" y="787782"/>
-            <a:ext cx="779767" cy="365125"/>
+            <a:off x="8763000" y="381000"/>
+            <a:ext cx="2743200" cy="365125"/>
           </a:xfrm>
           <a:prstGeom prst="rect">
             <a:avLst/>
@@ -7237,9 +5414,11 @@
           <a:bodyPr vert="horz" lIns="91440" tIns="45720" rIns="91440" bIns="45720" rtlCol="0" anchor="ctr"/>
           <a:lstStyle>
             <a:lvl1pPr algn="r">
-              <a:defRPr sz="2000">
+              <a:defRPr sz="1050">
                 <a:solidFill>
-                  <a:srgbClr val="FEFFFF"/>
+                  <a:schemeClr val="tx1">
+                    <a:tint val="75000"/>
+                  </a:schemeClr>
                 </a:solidFill>
               </a:defRPr>
             </a:lvl1pPr>
@@ -7256,316 +5435,207 @@
     </p:spTree>
     <p:extLst>
       <p:ext uri="{BB962C8B-B14F-4D97-AF65-F5344CB8AC3E}">
-        <p14:creationId xmlns:p14="http://schemas.microsoft.com/office/powerpoint/2010/main" val="3590597487"/>
+        <p14:creationId xmlns:p14="http://schemas.microsoft.com/office/powerpoint/2010/main" val="741626648"/>
       </p:ext>
     </p:extLst>
   </p:cSld>
-  <p:clrMap bg1="lt1" tx1="dk1" bg2="lt2" tx2="dk2" accent1="accent1" accent2="accent2" accent3="accent3" accent4="accent4" accent5="accent5" accent6="accent6" hlink="hlink" folHlink="folHlink"/>
+  <p:clrMap bg1="dk1" tx1="lt1" bg2="dk2" tx2="lt2" accent1="accent1" accent2="accent2" accent3="accent3" accent4="accent4" accent5="accent5" accent6="accent6" hlink="hlink" folHlink="folHlink"/>
   <p:sldLayoutIdLst>
-    <p:sldLayoutId id="2147483973" r:id="rId1"/>
-    <p:sldLayoutId id="2147483974" r:id="rId2"/>
-    <p:sldLayoutId id="2147483975" r:id="rId3"/>
-    <p:sldLayoutId id="2147483976" r:id="rId4"/>
-    <p:sldLayoutId id="2147483977" r:id="rId5"/>
-    <p:sldLayoutId id="2147483978" r:id="rId6"/>
-    <p:sldLayoutId id="2147483979" r:id="rId7"/>
-    <p:sldLayoutId id="2147483980" r:id="rId8"/>
-    <p:sldLayoutId id="2147483981" r:id="rId9"/>
-    <p:sldLayoutId id="2147483982" r:id="rId10"/>
-    <p:sldLayoutId id="2147483983" r:id="rId11"/>
-    <p:sldLayoutId id="2147483984" r:id="rId12"/>
-    <p:sldLayoutId id="2147483985" r:id="rId13"/>
-    <p:sldLayoutId id="2147483986" r:id="rId14"/>
-    <p:sldLayoutId id="2147483987" r:id="rId15"/>
-    <p:sldLayoutId id="2147483988" r:id="rId16"/>
+    <p:sldLayoutId id="2147484152" r:id="rId1"/>
+    <p:sldLayoutId id="2147484153" r:id="rId2"/>
+    <p:sldLayoutId id="2147484154" r:id="rId3"/>
+    <p:sldLayoutId id="2147484155" r:id="rId4"/>
+    <p:sldLayoutId id="2147484156" r:id="rId5"/>
+    <p:sldLayoutId id="2147484157" r:id="rId6"/>
+    <p:sldLayoutId id="2147484158" r:id="rId7"/>
+    <p:sldLayoutId id="2147484159" r:id="rId8"/>
+    <p:sldLayoutId id="2147484160" r:id="rId9"/>
+    <p:sldLayoutId id="2147484161" r:id="rId10"/>
+    <p:sldLayoutId id="2147484162" r:id="rId11"/>
+    <p:sldLayoutId id="2147484163" r:id="rId12"/>
+    <p:sldLayoutId id="2147484164" r:id="rId13"/>
+    <p:sldLayoutId id="2147484165" r:id="rId14"/>
+    <p:sldLayoutId id="2147484166" r:id="rId15"/>
+    <p:sldLayoutId id="2147484167" r:id="rId16"/>
+    <p:sldLayoutId id="2147484168" r:id="rId17"/>
   </p:sldLayoutIdLst>
   <p:txStyles>
     <p:titleStyle>
-      <a:lvl1pPr algn="l" defTabSz="457200" rtl="0" eaLnBrk="1" latinLnBrk="0" hangingPunct="1">
+      <a:lvl1pPr algn="r" defTabSz="914400" rtl="0" eaLnBrk="1" latinLnBrk="0" hangingPunct="1">
+        <a:lnSpc>
+          <a:spcPct val="90000"/>
+        </a:lnSpc>
         <a:spcBef>
           <a:spcPct val="0"/>
         </a:spcBef>
         <a:buNone/>
-        <a:defRPr sz="3600" kern="1200">
+        <a:defRPr sz="4000" kern="1200" cap="all" baseline="0">
           <a:solidFill>
-            <a:schemeClr val="tx1">
-              <a:lumMod val="85000"/>
-              <a:lumOff val="15000"/>
-            </a:schemeClr>
+            <a:schemeClr val="tx1"/>
           </a:solidFill>
           <a:latin typeface="+mj-lt"/>
           <a:ea typeface="+mj-ea"/>
           <a:cs typeface="+mj-cs"/>
         </a:defRPr>
       </a:lvl1pPr>
-      <a:lvl2pPr eaLnBrk="1" hangingPunct="1">
-        <a:defRPr>
-          <a:solidFill>
-            <a:schemeClr val="tx2"/>
-          </a:solidFill>
-        </a:defRPr>
-      </a:lvl2pPr>
-      <a:lvl3pPr eaLnBrk="1" hangingPunct="1">
-        <a:defRPr>
-          <a:solidFill>
-            <a:schemeClr val="tx2"/>
-          </a:solidFill>
-        </a:defRPr>
-      </a:lvl3pPr>
-      <a:lvl4pPr eaLnBrk="1" hangingPunct="1">
-        <a:defRPr>
-          <a:solidFill>
-            <a:schemeClr val="tx2"/>
-          </a:solidFill>
-        </a:defRPr>
-      </a:lvl4pPr>
-      <a:lvl5pPr eaLnBrk="1" hangingPunct="1">
-        <a:defRPr>
-          <a:solidFill>
-            <a:schemeClr val="tx2"/>
-          </a:solidFill>
-        </a:defRPr>
-      </a:lvl5pPr>
-      <a:lvl6pPr eaLnBrk="1" hangingPunct="1">
-        <a:defRPr>
-          <a:solidFill>
-            <a:schemeClr val="tx2"/>
-          </a:solidFill>
-        </a:defRPr>
-      </a:lvl6pPr>
-      <a:lvl7pPr eaLnBrk="1" hangingPunct="1">
-        <a:defRPr>
-          <a:solidFill>
-            <a:schemeClr val="tx2"/>
-          </a:solidFill>
-        </a:defRPr>
-      </a:lvl7pPr>
-      <a:lvl8pPr eaLnBrk="1" hangingPunct="1">
-        <a:defRPr>
-          <a:solidFill>
-            <a:schemeClr val="tx2"/>
-          </a:solidFill>
-        </a:defRPr>
-      </a:lvl8pPr>
-      <a:lvl9pPr eaLnBrk="1" hangingPunct="1">
-        <a:defRPr>
-          <a:solidFill>
-            <a:schemeClr val="tx2"/>
-          </a:solidFill>
-        </a:defRPr>
-      </a:lvl9pPr>
     </p:titleStyle>
     <p:bodyStyle>
-      <a:lvl1pPr marL="342900" indent="-342900" algn="l" defTabSz="457200" rtl="0" eaLnBrk="1" latinLnBrk="0" hangingPunct="1">
+      <a:lvl1pPr marL="228600" indent="-228600" algn="l" defTabSz="914400" rtl="0" eaLnBrk="1" latinLnBrk="0" hangingPunct="1">
+        <a:lnSpc>
+          <a:spcPct val="90000"/>
+        </a:lnSpc>
         <a:spcBef>
           <a:spcPts val="1000"/>
         </a:spcBef>
-        <a:spcAft>
-          <a:spcPts val="0"/>
-        </a:spcAft>
-        <a:buClr>
-          <a:schemeClr val="accent1"/>
-        </a:buClr>
-        <a:buFont typeface="Wingdings 3" charset="2"/>
-        <a:buChar char=""/>
-        <a:defRPr sz="1800" kern="1200">
+        <a:buFont typeface="Arial" panose="020B0604020202020204" pitchFamily="34" charset="0"/>
+        <a:buChar char="•"/>
+        <a:defRPr sz="2200" kern="1200">
           <a:solidFill>
-            <a:schemeClr val="tx1">
-              <a:lumMod val="75000"/>
-              <a:lumOff val="25000"/>
-            </a:schemeClr>
+            <a:schemeClr val="tx1"/>
           </a:solidFill>
           <a:latin typeface="+mn-lt"/>
           <a:ea typeface="+mn-ea"/>
           <a:cs typeface="+mn-cs"/>
         </a:defRPr>
       </a:lvl1pPr>
-      <a:lvl2pPr marL="742950" indent="-285750" algn="l" defTabSz="457200" rtl="0" eaLnBrk="1" latinLnBrk="0" hangingPunct="1">
+      <a:lvl2pPr marL="685800" indent="-228600" algn="l" defTabSz="914400" rtl="0" eaLnBrk="1" latinLnBrk="0" hangingPunct="1">
+        <a:lnSpc>
+          <a:spcPct val="90000"/>
+        </a:lnSpc>
         <a:spcBef>
-          <a:spcPts val="1000"/>
+          <a:spcPts val="500"/>
         </a:spcBef>
-        <a:spcAft>
-          <a:spcPts val="0"/>
-        </a:spcAft>
-        <a:buClr>
-          <a:schemeClr val="accent1"/>
-        </a:buClr>
-        <a:buFont typeface="Wingdings 3" charset="2"/>
-        <a:buChar char=""/>
-        <a:defRPr sz="1600" kern="1200">
+        <a:buFont typeface="Arial" panose="020B0604020202020204" pitchFamily="34" charset="0"/>
+        <a:buChar char="•"/>
+        <a:defRPr sz="2000" kern="1200">
           <a:solidFill>
-            <a:schemeClr val="tx1">
-              <a:lumMod val="75000"/>
-              <a:lumOff val="25000"/>
-            </a:schemeClr>
+            <a:schemeClr val="tx1"/>
           </a:solidFill>
           <a:latin typeface="+mn-lt"/>
           <a:ea typeface="+mn-ea"/>
           <a:cs typeface="+mn-cs"/>
         </a:defRPr>
       </a:lvl2pPr>
-      <a:lvl3pPr marL="1143000" indent="-228600" algn="l" defTabSz="457200" rtl="0" eaLnBrk="1" latinLnBrk="0" hangingPunct="1">
+      <a:lvl3pPr marL="1143000" indent="-228600" algn="l" defTabSz="914400" rtl="0" eaLnBrk="1" latinLnBrk="0" hangingPunct="1">
+        <a:lnSpc>
+          <a:spcPct val="90000"/>
+        </a:lnSpc>
         <a:spcBef>
-          <a:spcPts val="1000"/>
+          <a:spcPts val="500"/>
         </a:spcBef>
-        <a:spcAft>
-          <a:spcPts val="0"/>
-        </a:spcAft>
-        <a:buClr>
-          <a:schemeClr val="accent1"/>
-        </a:buClr>
-        <a:buFont typeface="Wingdings 3" charset="2"/>
-        <a:buChar char=""/>
-        <a:defRPr sz="1400" kern="1200">
+        <a:buFont typeface="Arial" panose="020B0604020202020204" pitchFamily="34" charset="0"/>
+        <a:buChar char="•"/>
+        <a:defRPr sz="1800" kern="1200">
           <a:solidFill>
-            <a:schemeClr val="tx1">
-              <a:lumMod val="75000"/>
-              <a:lumOff val="25000"/>
-            </a:schemeClr>
+            <a:schemeClr val="tx1"/>
           </a:solidFill>
           <a:latin typeface="+mn-lt"/>
           <a:ea typeface="+mn-ea"/>
           <a:cs typeface="+mn-cs"/>
         </a:defRPr>
       </a:lvl3pPr>
-      <a:lvl4pPr marL="1600200" indent="-228600" algn="l" defTabSz="457200" rtl="0" eaLnBrk="1" latinLnBrk="0" hangingPunct="1">
+      <a:lvl4pPr marL="1600200" indent="-228600" algn="l" defTabSz="914400" rtl="0" eaLnBrk="1" latinLnBrk="0" hangingPunct="1">
+        <a:lnSpc>
+          <a:spcPct val="90000"/>
+        </a:lnSpc>
         <a:spcBef>
-          <a:spcPts val="1000"/>
+          <a:spcPts val="500"/>
         </a:spcBef>
-        <a:spcAft>
-          <a:spcPts val="0"/>
-        </a:spcAft>
-        <a:buClr>
-          <a:schemeClr val="accent1"/>
-        </a:buClr>
-        <a:buFont typeface="Wingdings 3" charset="2"/>
-        <a:buChar char=""/>
-        <a:defRPr sz="1200" kern="1200">
+        <a:buFont typeface="Arial" panose="020B0604020202020204" pitchFamily="34" charset="0"/>
+        <a:buChar char="•"/>
+        <a:defRPr sz="1600" kern="1200">
           <a:solidFill>
-            <a:schemeClr val="tx1">
-              <a:lumMod val="75000"/>
-              <a:lumOff val="25000"/>
-            </a:schemeClr>
+            <a:schemeClr val="tx1"/>
           </a:solidFill>
           <a:latin typeface="+mn-lt"/>
           <a:ea typeface="+mn-ea"/>
           <a:cs typeface="+mn-cs"/>
         </a:defRPr>
       </a:lvl4pPr>
-      <a:lvl5pPr marL="2057400" indent="-228600" algn="l" defTabSz="457200" rtl="0" eaLnBrk="1" latinLnBrk="0" hangingPunct="1">
+      <a:lvl5pPr marL="2057400" indent="-228600" algn="l" defTabSz="914400" rtl="0" eaLnBrk="1" latinLnBrk="0" hangingPunct="1">
+        <a:lnSpc>
+          <a:spcPct val="90000"/>
+        </a:lnSpc>
         <a:spcBef>
-          <a:spcPts val="1000"/>
+          <a:spcPts val="500"/>
         </a:spcBef>
-        <a:spcAft>
-          <a:spcPts val="0"/>
-        </a:spcAft>
-        <a:buClr>
-          <a:schemeClr val="accent1"/>
-        </a:buClr>
-        <a:buFont typeface="Wingdings 3" charset="2"/>
-        <a:buChar char=""/>
-        <a:defRPr sz="1200" kern="1200">
+        <a:buFont typeface="Arial" panose="020B0604020202020204" pitchFamily="34" charset="0"/>
+        <a:buChar char="•"/>
+        <a:defRPr sz="1600" kern="1200">
           <a:solidFill>
-            <a:schemeClr val="tx1">
-              <a:lumMod val="75000"/>
-              <a:lumOff val="25000"/>
-            </a:schemeClr>
+            <a:schemeClr val="tx1"/>
           </a:solidFill>
           <a:latin typeface="+mn-lt"/>
           <a:ea typeface="+mn-ea"/>
           <a:cs typeface="+mn-cs"/>
         </a:defRPr>
       </a:lvl5pPr>
-      <a:lvl6pPr marL="2514600" indent="-228600" algn="l" defTabSz="457200" rtl="0" eaLnBrk="1" latinLnBrk="0" hangingPunct="1">
+      <a:lvl6pPr marL="2514600" indent="-228600" algn="l" defTabSz="914400" rtl="0" eaLnBrk="1" latinLnBrk="0" hangingPunct="1">
+        <a:lnSpc>
+          <a:spcPct val="90000"/>
+        </a:lnSpc>
         <a:spcBef>
-          <a:spcPts val="1000"/>
+          <a:spcPts val="500"/>
         </a:spcBef>
-        <a:spcAft>
-          <a:spcPts val="0"/>
-        </a:spcAft>
-        <a:buClr>
-          <a:schemeClr val="accent1"/>
-        </a:buClr>
-        <a:buFont typeface="Wingdings 3" charset="2"/>
-        <a:buChar char=""/>
-        <a:defRPr sz="1200" kern="1200">
+        <a:buFont typeface="Arial" panose="020B0604020202020204" pitchFamily="34" charset="0"/>
+        <a:buChar char="•"/>
+        <a:defRPr sz="1600" kern="1200">
           <a:solidFill>
-            <a:schemeClr val="tx1">
-              <a:lumMod val="75000"/>
-              <a:lumOff val="25000"/>
-            </a:schemeClr>
+            <a:schemeClr val="tx1"/>
           </a:solidFill>
           <a:latin typeface="+mn-lt"/>
           <a:ea typeface="+mn-ea"/>
           <a:cs typeface="+mn-cs"/>
         </a:defRPr>
       </a:lvl6pPr>
-      <a:lvl7pPr marL="2971800" indent="-228600" algn="l" defTabSz="457200" rtl="0" eaLnBrk="1" latinLnBrk="0" hangingPunct="1">
+      <a:lvl7pPr marL="2971800" indent="-228600" algn="l" defTabSz="914400" rtl="0" eaLnBrk="1" latinLnBrk="0" hangingPunct="1">
+        <a:lnSpc>
+          <a:spcPct val="90000"/>
+        </a:lnSpc>
         <a:spcBef>
-          <a:spcPts val="1000"/>
+          <a:spcPts val="500"/>
         </a:spcBef>
-        <a:spcAft>
-          <a:spcPts val="0"/>
-        </a:spcAft>
-        <a:buClr>
-          <a:schemeClr val="accent1"/>
-        </a:buClr>
-        <a:buFont typeface="Wingdings 3" charset="2"/>
-        <a:buChar char=""/>
-        <a:defRPr sz="1200" kern="1200">
+        <a:buFont typeface="Arial" panose="020B0604020202020204" pitchFamily="34" charset="0"/>
+        <a:buChar char="•"/>
+        <a:defRPr sz="1600" kern="1200">
           <a:solidFill>
-            <a:schemeClr val="tx1">
-              <a:lumMod val="75000"/>
-              <a:lumOff val="25000"/>
-            </a:schemeClr>
+            <a:schemeClr val="tx1"/>
           </a:solidFill>
           <a:latin typeface="+mn-lt"/>
           <a:ea typeface="+mn-ea"/>
           <a:cs typeface="+mn-cs"/>
         </a:defRPr>
       </a:lvl7pPr>
-      <a:lvl8pPr marL="3429000" indent="-228600" algn="l" defTabSz="457200" rtl="0" eaLnBrk="1" latinLnBrk="0" hangingPunct="1">
+      <a:lvl8pPr marL="3429000" indent="-228600" algn="l" defTabSz="914400" rtl="0" eaLnBrk="1" latinLnBrk="0" hangingPunct="1">
+        <a:lnSpc>
+          <a:spcPct val="90000"/>
+        </a:lnSpc>
         <a:spcBef>
-          <a:spcPts val="1000"/>
+          <a:spcPts val="500"/>
         </a:spcBef>
-        <a:spcAft>
-          <a:spcPts val="0"/>
-        </a:spcAft>
-        <a:buClr>
-          <a:schemeClr val="accent1"/>
-        </a:buClr>
-        <a:buFont typeface="Wingdings 3" charset="2"/>
-        <a:buChar char=""/>
-        <a:defRPr sz="1200" kern="1200">
+        <a:buFont typeface="Arial" panose="020B0604020202020204" pitchFamily="34" charset="0"/>
+        <a:buChar char="•"/>
+        <a:defRPr sz="1600" kern="1200">
           <a:solidFill>
-            <a:schemeClr val="tx1">
-              <a:lumMod val="75000"/>
-              <a:lumOff val="25000"/>
-            </a:schemeClr>
+            <a:schemeClr val="tx1"/>
           </a:solidFill>
           <a:latin typeface="+mn-lt"/>
           <a:ea typeface="+mn-ea"/>
           <a:cs typeface="+mn-cs"/>
         </a:defRPr>
       </a:lvl8pPr>
-      <a:lvl9pPr marL="3886200" indent="-228600" algn="l" defTabSz="457200" rtl="0" eaLnBrk="1" latinLnBrk="0" hangingPunct="1">
+      <a:lvl9pPr marL="3886200" indent="-228600" algn="l" defTabSz="914400" rtl="0" eaLnBrk="1" latinLnBrk="0" hangingPunct="1">
+        <a:lnSpc>
+          <a:spcPct val="90000"/>
+        </a:lnSpc>
         <a:spcBef>
-          <a:spcPts val="1000"/>
+          <a:spcPts val="500"/>
         </a:spcBef>
-        <a:spcAft>
-          <a:spcPts val="0"/>
-        </a:spcAft>
-        <a:buClr>
-          <a:schemeClr val="accent1"/>
-        </a:buClr>
-        <a:buFont typeface="Wingdings 3" charset="2"/>
-        <a:buChar char=""/>
-        <a:defRPr sz="1200" kern="1200">
+        <a:buFont typeface="Arial" panose="020B0604020202020204" pitchFamily="34" charset="0"/>
+        <a:buChar char="•"/>
+        <a:defRPr sz="1600" kern="1200">
           <a:solidFill>
-            <a:schemeClr val="tx1">
-              <a:lumMod val="75000"/>
-              <a:lumOff val="25000"/>
-            </a:schemeClr>
+            <a:schemeClr val="tx1"/>
           </a:solidFill>
           <a:latin typeface="+mn-lt"/>
           <a:ea typeface="+mn-ea"/>
@@ -7577,7 +5647,7 @@
       <a:defPPr>
         <a:defRPr lang="en-US"/>
       </a:defPPr>
-      <a:lvl1pPr marL="0" algn="l" defTabSz="457200" rtl="0" eaLnBrk="1" latinLnBrk="0" hangingPunct="1">
+      <a:lvl1pPr marL="0" algn="l" defTabSz="914400" rtl="0" eaLnBrk="1" latinLnBrk="0" hangingPunct="1">
         <a:defRPr sz="1800" kern="1200">
           <a:solidFill>
             <a:schemeClr val="tx1"/>
@@ -7587,7 +5657,7 @@
           <a:cs typeface="+mn-cs"/>
         </a:defRPr>
       </a:lvl1pPr>
-      <a:lvl2pPr marL="457200" algn="l" defTabSz="457200" rtl="0" eaLnBrk="1" latinLnBrk="0" hangingPunct="1">
+      <a:lvl2pPr marL="457200" algn="l" defTabSz="914400" rtl="0" eaLnBrk="1" latinLnBrk="0" hangingPunct="1">
         <a:defRPr sz="1800" kern="1200">
           <a:solidFill>
             <a:schemeClr val="tx1"/>
@@ -7597,7 +5667,7 @@
           <a:cs typeface="+mn-cs"/>
         </a:defRPr>
       </a:lvl2pPr>
-      <a:lvl3pPr marL="914400" algn="l" defTabSz="457200" rtl="0" eaLnBrk="1" latinLnBrk="0" hangingPunct="1">
+      <a:lvl3pPr marL="914400" algn="l" defTabSz="914400" rtl="0" eaLnBrk="1" latinLnBrk="0" hangingPunct="1">
         <a:defRPr sz="1800" kern="1200">
           <a:solidFill>
             <a:schemeClr val="tx1"/>
@@ -7607,7 +5677,7 @@
           <a:cs typeface="+mn-cs"/>
         </a:defRPr>
       </a:lvl3pPr>
-      <a:lvl4pPr marL="1371600" algn="l" defTabSz="457200" rtl="0" eaLnBrk="1" latinLnBrk="0" hangingPunct="1">
+      <a:lvl4pPr marL="1371600" algn="l" defTabSz="914400" rtl="0" eaLnBrk="1" latinLnBrk="0" hangingPunct="1">
         <a:defRPr sz="1800" kern="1200">
           <a:solidFill>
             <a:schemeClr val="tx1"/>
@@ -7617,7 +5687,7 @@
           <a:cs typeface="+mn-cs"/>
         </a:defRPr>
       </a:lvl4pPr>
-      <a:lvl5pPr marL="1828800" algn="l" defTabSz="457200" rtl="0" eaLnBrk="1" latinLnBrk="0" hangingPunct="1">
+      <a:lvl5pPr marL="1828800" algn="l" defTabSz="914400" rtl="0" eaLnBrk="1" latinLnBrk="0" hangingPunct="1">
         <a:defRPr sz="1800" kern="1200">
           <a:solidFill>
             <a:schemeClr val="tx1"/>
@@ -7627,7 +5697,7 @@
           <a:cs typeface="+mn-cs"/>
         </a:defRPr>
       </a:lvl5pPr>
-      <a:lvl6pPr marL="2286000" algn="l" defTabSz="457200" rtl="0" eaLnBrk="1" latinLnBrk="0" hangingPunct="1">
+      <a:lvl6pPr marL="2286000" algn="l" defTabSz="914400" rtl="0" eaLnBrk="1" latinLnBrk="0" hangingPunct="1">
         <a:defRPr sz="1800" kern="1200">
           <a:solidFill>
             <a:schemeClr val="tx1"/>
@@ -7637,7 +5707,7 @@
           <a:cs typeface="+mn-cs"/>
         </a:defRPr>
       </a:lvl6pPr>
-      <a:lvl7pPr marL="2743200" algn="l" defTabSz="457200" rtl="0" eaLnBrk="1" latinLnBrk="0" hangingPunct="1">
+      <a:lvl7pPr marL="2743200" algn="l" defTabSz="914400" rtl="0" eaLnBrk="1" latinLnBrk="0" hangingPunct="1">
         <a:defRPr sz="1800" kern="1200">
           <a:solidFill>
             <a:schemeClr val="tx1"/>
@@ -7647,7 +5717,7 @@
           <a:cs typeface="+mn-cs"/>
         </a:defRPr>
       </a:lvl7pPr>
-      <a:lvl8pPr marL="3200400" algn="l" defTabSz="457200" rtl="0" eaLnBrk="1" latinLnBrk="0" hangingPunct="1">
+      <a:lvl8pPr marL="3200400" algn="l" defTabSz="914400" rtl="0" eaLnBrk="1" latinLnBrk="0" hangingPunct="1">
         <a:defRPr sz="1800" kern="1200">
           <a:solidFill>
             <a:schemeClr val="tx1"/>
@@ -7657,7 +5727,7 @@
           <a:cs typeface="+mn-cs"/>
         </a:defRPr>
       </a:lvl8pPr>
-      <a:lvl9pPr marL="3657600" algn="l" defTabSz="457200" rtl="0" eaLnBrk="1" latinLnBrk="0" hangingPunct="1">
+      <a:lvl9pPr marL="3657600" algn="l" defTabSz="914400" rtl="0" eaLnBrk="1" latinLnBrk="0" hangingPunct="1">
         <a:defRPr sz="1800" kern="1200">
           <a:solidFill>
             <a:schemeClr val="tx1"/>
@@ -9020,7 +7090,7 @@
         </p:nvSpPr>
         <p:spPr>
           <a:xfrm>
-            <a:off x="2589212" y="1504950"/>
+            <a:off x="2589212" y="1804205"/>
             <a:ext cx="8915400" cy="1581150"/>
           </a:xfrm>
         </p:spPr>
@@ -9626,13 +7696,13 @@
         </p:nvSpPr>
         <p:spPr>
           <a:xfrm>
-            <a:off x="2589212" y="1504950"/>
+            <a:off x="2589212" y="1721079"/>
             <a:ext cx="8915400" cy="2228850"/>
           </a:xfrm>
         </p:spPr>
         <p:txBody>
           <a:bodyPr>
-            <a:normAutofit fontScale="92500" lnSpcReduction="10000"/>
+            <a:normAutofit fontScale="92500"/>
           </a:bodyPr>
           <a:lstStyle/>
           <a:p>
@@ -10295,8 +8365,8 @@
         </p:nvSpPr>
         <p:spPr>
           <a:xfrm>
-            <a:off x="2589212" y="1504950"/>
-            <a:ext cx="8915400" cy="2228850"/>
+            <a:off x="2589212" y="1754329"/>
+            <a:ext cx="8915400" cy="914400"/>
           </a:xfrm>
         </p:spPr>
         <p:txBody>
@@ -11062,8 +9132,8 @@
         </p:nvSpPr>
         <p:spPr>
           <a:xfrm>
-            <a:off x="2589212" y="1504950"/>
-            <a:ext cx="8915400" cy="2228850"/>
+            <a:off x="2589212" y="1704452"/>
+            <a:ext cx="8915400" cy="914400"/>
           </a:xfrm>
         </p:spPr>
         <p:txBody>
@@ -14417,8 +12487,8 @@
         </p:nvSpPr>
         <p:spPr>
           <a:xfrm>
-            <a:off x="1484312" y="1378855"/>
-            <a:ext cx="9869488" cy="1859645"/>
+            <a:off x="1484312" y="1727987"/>
+            <a:ext cx="9869488" cy="1613728"/>
           </a:xfrm>
         </p:spPr>
         <p:txBody>
@@ -15710,9 +13780,9 @@
 </file>
 
 <file path=ppt/theme/theme1.xml><?xml version="1.0" encoding="utf-8"?>
-<a:theme xmlns:a="http://schemas.openxmlformats.org/drawingml/2006/main" name="Wisp">
+<a:theme xmlns:a="http://schemas.openxmlformats.org/drawingml/2006/main" name="Vapor Trail">
   <a:themeElements>
-    <a:clrScheme name="Wisp">
+    <a:clrScheme name="Vapor Trail">
       <a:dk1>
         <a:sysClr val="windowText" lastClr="000000"/>
       </a:dk1>
@@ -15720,48 +13790,83 @@
         <a:sysClr val="window" lastClr="FFFFFF"/>
       </a:lt1>
       <a:dk2>
-        <a:srgbClr val="766F54"/>
+        <a:srgbClr val="454545"/>
       </a:dk2>
       <a:lt2>
-        <a:srgbClr val="E3EACF"/>
+        <a:srgbClr val="DADADA"/>
       </a:lt2>
       <a:accent1>
-        <a:srgbClr val="A53010"/>
+        <a:srgbClr val="DF2E28"/>
       </a:accent1>
       <a:accent2>
-        <a:srgbClr val="DE7E18"/>
+        <a:srgbClr val="FE801A"/>
       </a:accent2>
       <a:accent3>
-        <a:srgbClr val="9F8351"/>
+        <a:srgbClr val="E9BF35"/>
       </a:accent3>
       <a:accent4>
-        <a:srgbClr val="728653"/>
+        <a:srgbClr val="81BB42"/>
       </a:accent4>
       <a:accent5>
-        <a:srgbClr val="92AA4C"/>
+        <a:srgbClr val="32C7A9"/>
       </a:accent5>
       <a:accent6>
-        <a:srgbClr val="6AAC91"/>
+        <a:srgbClr val="4A9BDC"/>
       </a:accent6>
       <a:hlink>
-        <a:srgbClr val="FB4A18"/>
+        <a:srgbClr val="F0532B"/>
       </a:hlink>
       <a:folHlink>
-        <a:srgbClr val="FB9318"/>
+        <a:srgbClr val="F38B53"/>
       </a:folHlink>
     </a:clrScheme>
-    <a:fontScheme name="Wisp">
+    <a:fontScheme name="Vapor Trail">
       <a:majorFont>
         <a:latin typeface="Century Gothic" panose="020B0502020202020204"/>
         <a:ea typeface=""/>
         <a:cs typeface=""/>
-        <a:font script="Jpan" typeface="メイリオ"/>
-        <a:font script="Hang" typeface="HY중고딕"/>
-        <a:font script="Hans" typeface="幼圆"/>
-        <a:font script="Hant" typeface="微軟正黑體"/>
-        <a:font script="Arab" typeface="Tahoma"/>
-        <a:font script="Hebr" typeface="Gisha"/>
-        <a:font script="Thai" typeface="DilleniaUPC"/>
+        <a:font script="Jpan" typeface="ＭＳ Ｐゴシック"/>
+        <a:font script="Hang" typeface="맑은 고딕"/>
+        <a:font script="Hans" typeface="宋体"/>
+        <a:font script="Hant" typeface="新細明體"/>
+        <a:font script="Arab" typeface="Times New Roman"/>
+        <a:font script="Hebr" typeface="Times New Roman"/>
+        <a:font script="Thai" typeface="Angsana New"/>
+        <a:font script="Ethi" typeface="Nyala"/>
+        <a:font script="Beng" typeface="Vrinda"/>
+        <a:font script="Gujr" typeface="Shruti"/>
+        <a:font script="Khmr" typeface="MoolBoran"/>
+        <a:font script="Knda" typeface="Tunga"/>
+        <a:font script="Guru" typeface="Raavi"/>
+        <a:font script="Cans" typeface="Euphemia"/>
+        <a:font script="Cher" typeface="Plantagenet Cherokee"/>
+        <a:font script="Yiii" typeface="Microsoft Yi Baiti"/>
+        <a:font script="Tibt" typeface="Microsoft Himalaya"/>
+        <a:font script="Thaa" typeface="MV Boli"/>
+        <a:font script="Deva" typeface="Mangal"/>
+        <a:font script="Telu" typeface="Gautami"/>
+        <a:font script="Taml" typeface="Latha"/>
+        <a:font script="Syrc" typeface="Estrangelo Edessa"/>
+        <a:font script="Orya" typeface="Kalinga"/>
+        <a:font script="Mlym" typeface="Kartika"/>
+        <a:font script="Laoo" typeface="DokChampa"/>
+        <a:font script="Sinh" typeface="Iskoola Pota"/>
+        <a:font script="Mong" typeface="Mongolian Baiti"/>
+        <a:font script="Viet" typeface="Times New Roman"/>
+        <a:font script="Uigh" typeface="Microsoft Uighur"/>
+        <a:font script="Geor" typeface="Sylfaen"/>
+      </a:majorFont>
+      <a:minorFont>
+        <a:latin typeface="Century Gothic" panose="020B0502020202020204"/>
+        <a:ea typeface=""/>
+        <a:cs typeface=""/>
+        <a:font script="Jpan" typeface="ＭＳ Ｐゴシック"/>
+        <a:font script="Hang" typeface="맑은 고딕"/>
+        <a:font script="Hans" typeface="宋体"/>
+        <a:font script="Hant" typeface="新細明體"/>
+        <a:font script="Arab" typeface="Arial"/>
+        <a:font script="Hebr" typeface="Arial"/>
+        <a:font script="Thai" typeface="Cordia New"/>
         <a:font script="Ethi" typeface="Nyala"/>
         <a:font script="Beng" typeface="Vrinda"/>
         <a:font script="Gujr" typeface="Shruti"/>
@@ -15782,69 +13887,57 @@
         <a:font script="Laoo" typeface="DokChampa"/>
         <a:font script="Sinh" typeface="Iskoola Pota"/>
         <a:font script="Mong" typeface="Mongolian Baiti"/>
-        <a:font script="Viet" typeface="Tahoma"/>
-        <a:font script="Uigh" typeface="Microsoft Uighur"/>
-        <a:font script="Geor" typeface="Sylfaen"/>
-      </a:majorFont>
-      <a:minorFont>
-        <a:latin typeface="Century Gothic" panose="020B0502020202020204"/>
-        <a:ea typeface=""/>
-        <a:cs typeface=""/>
-        <a:font script="Jpan" typeface="メイリオ"/>
-        <a:font script="Hang" typeface="HY중고딕"/>
-        <a:font script="Hans" typeface="幼圆"/>
-        <a:font script="Hant" typeface="微軟正黑體"/>
-        <a:font script="Arab" typeface="Tahoma"/>
-        <a:font script="Hebr" typeface="Gisha"/>
-        <a:font script="Thai" typeface="DilleniaUPC"/>
-        <a:font script="Ethi" typeface="Nyala"/>
-        <a:font script="Beng" typeface="Vrinda"/>
-        <a:font script="Gujr" typeface="Shruti"/>
-        <a:font script="Khmr" typeface="DaunPenh"/>
-        <a:font script="Knda" typeface="Tunga"/>
-        <a:font script="Guru" typeface="Raavi"/>
-        <a:font script="Cans" typeface="Euphemia"/>
-        <a:font script="Cher" typeface="Plantagenet Cherokee"/>
-        <a:font script="Yiii" typeface="Microsoft Yi Baiti"/>
-        <a:font script="Tibt" typeface="Microsoft Himalaya"/>
-        <a:font script="Thaa" typeface="MV Boli"/>
-        <a:font script="Deva" typeface="Mangal"/>
-        <a:font script="Telu" typeface="Gautami"/>
-        <a:font script="Taml" typeface="Latha"/>
-        <a:font script="Syrc" typeface="Estrangelo Edessa"/>
-        <a:font script="Orya" typeface="Kalinga"/>
-        <a:font script="Mlym" typeface="Kartika"/>
-        <a:font script="Laoo" typeface="DokChampa"/>
-        <a:font script="Sinh" typeface="Iskoola Pota"/>
-        <a:font script="Mong" typeface="Mongolian Baiti"/>
-        <a:font script="Viet" typeface="Tahoma"/>
+        <a:font script="Viet" typeface="Arial"/>
         <a:font script="Uigh" typeface="Microsoft Uighur"/>
         <a:font script="Geor" typeface="Sylfaen"/>
       </a:minorFont>
     </a:fontScheme>
-    <a:fmtScheme name="Wisp">
+    <a:fmtScheme name="Vapor Trail">
       <a:fillStyleLst>
         <a:solidFill>
           <a:schemeClr val="phClr"/>
-        </a:solidFill>
-        <a:solidFill>
-          <a:schemeClr val="phClr">
-            <a:tint val="70000"/>
-            <a:lumMod val="104000"/>
-          </a:schemeClr>
         </a:solidFill>
         <a:gradFill rotWithShape="1">
           <a:gsLst>
             <a:gs pos="0">
               <a:schemeClr val="phClr">
-                <a:tint val="96000"/>
+                <a:tint val="69000"/>
+                <a:alpha val="100000"/>
+                <a:satMod val="109000"/>
+                <a:lumMod val="110000"/>
+              </a:schemeClr>
+            </a:gs>
+            <a:gs pos="52000">
+              <a:schemeClr val="phClr">
+                <a:tint val="74000"/>
+                <a:satMod val="100000"/>
                 <a:lumMod val="104000"/>
               </a:schemeClr>
             </a:gs>
             <a:gs pos="100000">
               <a:schemeClr val="phClr">
-                <a:shade val="98000"/>
-                <a:lumMod val="94000"/>
+                <a:tint val="78000"/>
+                <a:satMod val="100000"/>
+                <a:lumMod val="100000"/>
+              </a:schemeClr>
+            </a:gs>
+          </a:gsLst>
+          <a:lin ang="5400000" scaled="0"/>
+        </a:gradFill>
+        <a:gradFill rotWithShape="1">
+          <a:gsLst>
+            <a:gs pos="0">
+              <a:schemeClr val="phClr">
+                <a:tint val="96000"/>
+                <a:satMod val="100000"/>
+                <a:lumMod val="104000"/>
+              </a:schemeClr>
+            </a:gs>
+            <a:gs pos="78000">
+              <a:schemeClr val="phClr">
+                <a:shade val="100000"/>
+                <a:satMod val="110000"/>
+                <a:lumMod val="100000"/>
               </a:schemeClr>
             </a:gs>
           </a:gsLst>
@@ -15852,21 +13945,19 @@
         </a:gradFill>
       </a:fillStyleLst>
       <a:lnStyleLst>
-        <a:ln w="9525" cap="rnd" cmpd="sng" algn="ctr">
-          <a:solidFill>
-            <a:schemeClr val="phClr">
-              <a:shade val="90000"/>
-            </a:schemeClr>
-          </a:solidFill>
-          <a:prstDash val="solid"/>
-        </a:ln>
-        <a:ln w="15875" cap="rnd" cmpd="sng" algn="ctr">
+        <a:ln w="9525" cap="flat" cmpd="sng" algn="ctr">
           <a:solidFill>
             <a:schemeClr val="phClr"/>
           </a:solidFill>
           <a:prstDash val="solid"/>
         </a:ln>
-        <a:ln w="22225" cap="rnd" cmpd="sng" algn="ctr">
+        <a:ln w="12700" cap="flat" cmpd="sng" algn="ctr">
+          <a:solidFill>
+            <a:schemeClr val="phClr"/>
+          </a:solidFill>
+          <a:prstDash val="solid"/>
+        </a:ln>
+        <a:ln w="19050" cap="flat" cmpd="sng" algn="ctr">
           <a:solidFill>
             <a:schemeClr val="phClr"/>
           </a:solidFill>
@@ -15878,66 +13969,72 @@
           <a:effectLst/>
         </a:effectStyle>
         <a:effectStyle>
+          <a:effectLst/>
+          <a:scene3d>
+            <a:camera prst="orthographicFront">
+              <a:rot lat="0" lon="0" rev="0"/>
+            </a:camera>
+            <a:lightRig rig="threePt" dir="t"/>
+          </a:scene3d>
+          <a:sp3d>
+            <a:bevelT w="25400" h="12700"/>
+          </a:sp3d>
+        </a:effectStyle>
+        <a:effectStyle>
           <a:effectLst>
-            <a:outerShdw blurRad="38100" dist="25400" dir="5400000" rotWithShape="0">
+            <a:outerShdw blurRad="57150" dist="19050" dir="5400000" algn="ctr" rotWithShape="0">
               <a:srgbClr val="000000">
-                <a:alpha val="25000"/>
+                <a:alpha val="48000"/>
               </a:srgbClr>
             </a:outerShdw>
           </a:effectLst>
-        </a:effectStyle>
-        <a:effectStyle>
-          <a:effectLst>
-            <a:outerShdw blurRad="50800" dist="38100" dir="5400000" rotWithShape="0">
-              <a:srgbClr val="000000">
-                <a:alpha val="60000"/>
-              </a:srgbClr>
-            </a:outerShdw>
-          </a:effectLst>
+          <a:scene3d>
+            <a:camera prst="orthographicFront">
+              <a:rot lat="0" lon="0" rev="0"/>
+            </a:camera>
+            <a:lightRig rig="threePt" dir="t"/>
+          </a:scene3d>
+          <a:sp3d>
+            <a:bevelT w="50800" h="25400"/>
+          </a:sp3d>
         </a:effectStyle>
       </a:effectStyleLst>
       <a:bgFillStyleLst>
         <a:solidFill>
           <a:schemeClr val="phClr"/>
         </a:solidFill>
+        <a:solidFill>
+          <a:schemeClr val="phClr">
+            <a:tint val="95000"/>
+            <a:satMod val="170000"/>
+          </a:schemeClr>
+        </a:solidFill>
         <a:gradFill rotWithShape="1">
           <a:gsLst>
             <a:gs pos="0">
               <a:schemeClr val="phClr">
-                <a:tint val="90000"/>
-                <a:lumMod val="120000"/>
+                <a:tint val="93000"/>
+                <a:shade val="98000"/>
+                <a:satMod val="150000"/>
+                <a:lumMod val="102000"/>
+              </a:schemeClr>
+            </a:gs>
+            <a:gs pos="50000">
+              <a:schemeClr val="phClr">
+                <a:tint val="98000"/>
+                <a:shade val="90000"/>
+                <a:satMod val="130000"/>
+                <a:lumMod val="103000"/>
               </a:schemeClr>
             </a:gs>
             <a:gs pos="100000">
               <a:schemeClr val="phClr">
-                <a:shade val="98000"/>
+                <a:shade val="63000"/>
                 <a:satMod val="120000"/>
-                <a:lumMod val="98000"/>
               </a:schemeClr>
             </a:gs>
           </a:gsLst>
           <a:lin ang="5400000" scaled="0"/>
-        </a:gradFill>
-        <a:gradFill rotWithShape="1">
-          <a:gsLst>
-            <a:gs pos="0">
-              <a:schemeClr val="phClr">
-                <a:tint val="90000"/>
-                <a:satMod val="92000"/>
-                <a:lumMod val="120000"/>
-              </a:schemeClr>
-            </a:gs>
-            <a:gs pos="100000">
-              <a:schemeClr val="phClr">
-                <a:shade val="98000"/>
-                <a:satMod val="120000"/>
-                <a:lumMod val="98000"/>
-              </a:schemeClr>
-            </a:gs>
-          </a:gsLst>
-          <a:path path="circle">
-            <a:fillToRect l="50000" t="50000" r="100000" b="100000"/>
-          </a:path>
         </a:gradFill>
       </a:bgFillStyleLst>
     </a:fmtScheme>
@@ -15946,7 +14043,7 @@
   <a:extraClrSchemeLst/>
   <a:extLst>
     <a:ext uri="{05A4C25C-085E-4340-85A3-A5531E510DB2}">
-      <thm15:themeFamily xmlns:thm15="http://schemas.microsoft.com/office/thememl/2012/main" name="Wisp" id="{7CB32D59-10C0-40DD-B7BD-2E94284A981C}" vid="{24B1A44C-C006-48B2-A4D7-E5549B3D8CD4}"/>
+      <thm15:themeFamily xmlns:thm15="http://schemas.microsoft.com/office/thememl/2012/main" name="Vapor Trail" id="{4FDF2955-7D9C-493C-B9F9-C205151B46CD}" vid="{8F31A783-2159-4870-BC29-2BA7D038EA44}"/>
     </a:ext>
   </a:extLst>
 </a:theme>
